--- a/figures/results.pptx
+++ b/figures/results.pptx
@@ -132,84 +132,19 @@
     </mc:Fallback>
   </mc:AlternateContent>
   <c:chart>
-    <c:title>
-      <c:tx>
-        <c:rich>
-          <a:bodyPr rot="0" spcFirstLastPara="1" vertOverflow="ellipsis" vert="horz" wrap="square" anchor="ctr" anchorCtr="1"/>
-          <a:lstStyle/>
-          <a:p>
-            <a:pPr>
-              <a:defRPr sz="1862" b="0" i="0" u="none" strike="noStrike" kern="1200" spc="0" baseline="0">
-                <a:solidFill>
-                  <a:schemeClr val="tx1"/>
-                </a:solidFill>
-                <a:latin typeface="+mn-lt"/>
-                <a:ea typeface="+mn-ea"/>
-                <a:cs typeface="+mn-cs"/>
-              </a:defRPr>
-            </a:pPr>
-            <a:r>
-              <a:rPr lang="en-US" b="1" dirty="0" smtClean="0">
-                <a:solidFill>
-                  <a:schemeClr val="tx1"/>
-                </a:solidFill>
-              </a:rPr>
-              <a:t>Sparse</a:t>
-            </a:r>
-            <a:r>
-              <a:rPr lang="en-US" b="1" baseline="0" dirty="0" smtClean="0">
-                <a:solidFill>
-                  <a:schemeClr val="tx1"/>
-                </a:solidFill>
-              </a:rPr>
-              <a:t> </a:t>
-            </a:r>
-            <a:r>
-              <a:rPr lang="en-US" b="1" baseline="0" dirty="0" err="1" smtClean="0">
-                <a:solidFill>
-                  <a:schemeClr val="tx1"/>
-                </a:solidFill>
-              </a:rPr>
-              <a:t>Cholesky</a:t>
-            </a:r>
-            <a:endParaRPr lang="en-US" b="1" dirty="0">
-              <a:solidFill>
-                <a:schemeClr val="tx1"/>
-              </a:solidFill>
-            </a:endParaRPr>
-          </a:p>
-        </c:rich>
-      </c:tx>
-      <c:layout/>
-      <c:overlay val="0"/>
-      <c:spPr>
-        <a:noFill/>
-        <a:ln>
-          <a:noFill/>
-        </a:ln>
-        <a:effectLst/>
-      </c:spPr>
-      <c:txPr>
-        <a:bodyPr rot="0" spcFirstLastPara="1" vertOverflow="ellipsis" vert="horz" wrap="square" anchor="ctr" anchorCtr="1"/>
-        <a:lstStyle/>
-        <a:p>
-          <a:pPr>
-            <a:defRPr sz="1862" b="0" i="0" u="none" strike="noStrike" kern="1200" spc="0" baseline="0">
-              <a:solidFill>
-                <a:schemeClr val="tx1"/>
-              </a:solidFill>
-              <a:latin typeface="+mn-lt"/>
-              <a:ea typeface="+mn-ea"/>
-              <a:cs typeface="+mn-cs"/>
-            </a:defRPr>
-          </a:pPr>
-          <a:endParaRPr lang="en-US"/>
-        </a:p>
-      </c:txPr>
-    </c:title>
-    <c:autoTitleDeleted val="0"/>
+    <c:autoTitleDeleted val="1"/>
     <c:plotArea>
-      <c:layout/>
+      <c:layout>
+        <c:manualLayout>
+          <c:layoutTarget val="inner"/>
+          <c:xMode val="edge"/>
+          <c:yMode val="edge"/>
+          <c:x val="0.234475121849191"/>
+          <c:y val="0.0375712291936495"/>
+          <c:w val="0.706796805135914"/>
+          <c:h val="0.82472016127447"/>
+        </c:manualLayout>
+      </c:layout>
       <c:barChart>
         <c:barDir val="col"/>
         <c:grouping val="clustered"/>
@@ -223,17 +158,90 @@
               <c:strCache>
                 <c:ptCount val="1"/>
                 <c:pt idx="0">
-                  <c:v>Coarse-Grained</c:v>
+                  <c:v>CUDA Launch</c:v>
                 </c:pt>
               </c:strCache>
             </c:strRef>
           </c:tx>
           <c:spPr>
-            <a:solidFill>
-              <a:schemeClr val="accent6">
-                <a:lumMod val="75000"/>
-              </a:schemeClr>
-            </a:solidFill>
+            <a:pattFill prst="horzBrick">
+              <a:fgClr>
+                <a:schemeClr val="accent6">
+                  <a:lumMod val="75000"/>
+                </a:schemeClr>
+              </a:fgClr>
+              <a:bgClr>
+                <a:schemeClr val="bg1"/>
+              </a:bgClr>
+            </a:pattFill>
+            <a:ln w="19050">
+              <a:solidFill>
+                <a:schemeClr val="tx1"/>
+              </a:solidFill>
+            </a:ln>
+            <a:effectLst/>
+          </c:spPr>
+          <c:invertIfNegative val="0"/>
+          <c:cat>
+            <c:numRef>
+              <c:f>Sheet1!$A$2:$A$4</c:f>
+              <c:numCache>
+                <c:formatCode>General</c:formatCode>
+                <c:ptCount val="3"/>
+                <c:pt idx="0">
+                  <c:v>128.0</c:v>
+                </c:pt>
+                <c:pt idx="1">
+                  <c:v>256.0</c:v>
+                </c:pt>
+                <c:pt idx="2">
+                  <c:v>512.0</c:v>
+                </c:pt>
+              </c:numCache>
+            </c:numRef>
+          </c:cat>
+          <c:val>
+            <c:numRef>
+              <c:f>Sheet1!$B$2:$B$4</c:f>
+              <c:numCache>
+                <c:formatCode>General</c:formatCode>
+                <c:ptCount val="3"/>
+                <c:pt idx="0">
+                  <c:v>0.001467</c:v>
+                </c:pt>
+                <c:pt idx="1">
+                  <c:v>0.00337</c:v>
+                </c:pt>
+                <c:pt idx="2">
+                  <c:v>0.00617</c:v>
+                </c:pt>
+              </c:numCache>
+            </c:numRef>
+          </c:val>
+        </c:ser>
+        <c:ser>
+          <c:idx val="1"/>
+          <c:order val="1"/>
+          <c:tx>
+            <c:strRef>
+              <c:f>Sheet1!$C$1</c:f>
+              <c:strCache>
+                <c:ptCount val="1"/>
+                <c:pt idx="0">
+                  <c:v>Persistent Kernel</c:v>
+                </c:pt>
+              </c:strCache>
+            </c:strRef>
+          </c:tx>
+          <c:spPr>
+            <a:pattFill prst="dkUpDiag">
+              <a:fgClr>
+                <a:srgbClr val="FF0000"/>
+              </a:fgClr>
+              <a:bgClr>
+                <a:schemeClr val="bg1"/>
+              </a:bgClr>
+            </a:pattFill>
             <a:ln>
               <a:solidFill>
                 <a:schemeClr val="tx1"/>
@@ -262,69 +270,6 @@
           </c:cat>
           <c:val>
             <c:numRef>
-              <c:f>Sheet1!$B$2:$B$4</c:f>
-              <c:numCache>
-                <c:formatCode>General</c:formatCode>
-                <c:ptCount val="3"/>
-                <c:pt idx="0">
-                  <c:v>0.001467</c:v>
-                </c:pt>
-                <c:pt idx="1">
-                  <c:v>0.00337</c:v>
-                </c:pt>
-                <c:pt idx="2">
-                  <c:v>0.00617</c:v>
-                </c:pt>
-              </c:numCache>
-            </c:numRef>
-          </c:val>
-        </c:ser>
-        <c:ser>
-          <c:idx val="1"/>
-          <c:order val="1"/>
-          <c:tx>
-            <c:strRef>
-              <c:f>Sheet1!$C$1</c:f>
-              <c:strCache>
-                <c:ptCount val="1"/>
-                <c:pt idx="0">
-                  <c:v>Fine-Grained</c:v>
-                </c:pt>
-              </c:strCache>
-            </c:strRef>
-          </c:tx>
-          <c:spPr>
-            <a:solidFill>
-              <a:srgbClr val="FF0000"/>
-            </a:solidFill>
-            <a:ln>
-              <a:solidFill>
-                <a:schemeClr val="tx1"/>
-              </a:solidFill>
-            </a:ln>
-            <a:effectLst/>
-          </c:spPr>
-          <c:invertIfNegative val="0"/>
-          <c:cat>
-            <c:numRef>
-              <c:f>Sheet1!$A$2:$A$4</c:f>
-              <c:numCache>
-                <c:formatCode>General</c:formatCode>
-                <c:ptCount val="3"/>
-                <c:pt idx="0">
-                  <c:v>128.0</c:v>
-                </c:pt>
-                <c:pt idx="1">
-                  <c:v>256.0</c:v>
-                </c:pt>
-                <c:pt idx="2">
-                  <c:v>512.0</c:v>
-                </c:pt>
-              </c:numCache>
-            </c:numRef>
-          </c:cat>
-          <c:val>
-            <c:numRef>
               <c:f>Sheet1!$C$2:$C$4</c:f>
               <c:numCache>
                 <c:formatCode>General</c:formatCode>
@@ -352,11 +297,11 @@
         </c:dLbls>
         <c:gapWidth val="219"/>
         <c:overlap val="-27"/>
-        <c:axId val="2107077888"/>
-        <c:axId val="2107649312"/>
+        <c:axId val="-2144268320"/>
+        <c:axId val="-2143961488"/>
       </c:barChart>
       <c:catAx>
-        <c:axId val="2107077888"/>
+        <c:axId val="-2144268320"/>
         <c:scaling>
           <c:orientation val="minMax"/>
         </c:scaling>
@@ -396,7 +341,7 @@
             <a:endParaRPr lang="en-US"/>
           </a:p>
         </c:txPr>
-        <c:crossAx val="2107649312"/>
+        <c:crossAx val="-2143961488"/>
         <c:crosses val="autoZero"/>
         <c:auto val="1"/>
         <c:lblAlgn val="ctr"/>
@@ -404,7 +349,7 @@
         <c:noMultiLvlLbl val="0"/>
       </c:catAx>
       <c:valAx>
-        <c:axId val="2107649312"/>
+        <c:axId val="-2143961488"/>
         <c:scaling>
           <c:orientation val="minMax"/>
         </c:scaling>
@@ -452,7 +397,7 @@
             <a:endParaRPr lang="en-US"/>
           </a:p>
         </c:txPr>
-        <c:crossAx val="2107077888"/>
+        <c:crossAx val="-2144268320"/>
         <c:crosses val="autoZero"/>
         <c:crossBetween val="between"/>
       </c:valAx>
@@ -470,10 +415,906 @@
         <c:manualLayout>
           <c:xMode val="edge"/>
           <c:yMode val="edge"/>
-          <c:x val="0.128998407277321"/>
-          <c:y val="0.252915236986544"/>
-          <c:w val="0.603755416765544"/>
-          <c:h val="0.139619048035068"/>
+          <c:x val="0.188270605870246"/>
+          <c:y val="0.0310099529761736"/>
+          <c:w val="0.721211683578407"/>
+          <c:h val="0.106333255433513"/>
+        </c:manualLayout>
+      </c:layout>
+      <c:overlay val="0"/>
+      <c:spPr>
+        <a:noFill/>
+        <a:ln>
+          <a:noFill/>
+        </a:ln>
+        <a:effectLst/>
+      </c:spPr>
+      <c:txPr>
+        <a:bodyPr rot="0" spcFirstLastPara="1" vertOverflow="ellipsis" vert="horz" wrap="square" anchor="ctr" anchorCtr="1"/>
+        <a:lstStyle/>
+        <a:p>
+          <a:pPr>
+            <a:defRPr sz="1800" b="0" i="0" u="none" strike="noStrike" kern="1200" baseline="0">
+              <a:solidFill>
+                <a:schemeClr val="tx1"/>
+              </a:solidFill>
+              <a:latin typeface="+mn-lt"/>
+              <a:ea typeface="+mn-ea"/>
+              <a:cs typeface="+mn-cs"/>
+            </a:defRPr>
+          </a:pPr>
+          <a:endParaRPr lang="en-US"/>
+        </a:p>
+      </c:txPr>
+    </c:legend>
+    <c:plotVisOnly val="1"/>
+    <c:dispBlanksAs val="gap"/>
+    <c:showDLblsOverMax val="0"/>
+  </c:chart>
+  <c:spPr>
+    <a:noFill/>
+    <a:ln>
+      <a:noFill/>
+    </a:ln>
+    <a:effectLst/>
+  </c:spPr>
+  <c:txPr>
+    <a:bodyPr/>
+    <a:lstStyle/>
+    <a:p>
+      <a:pPr>
+        <a:defRPr/>
+      </a:pPr>
+      <a:endParaRPr lang="en-US"/>
+    </a:p>
+  </c:txPr>
+  <c:externalData r:id="rId3">
+    <c:autoUpdate val="0"/>
+  </c:externalData>
+</c:chartSpace>
+</file>
+
+<file path=ppt/charts/chart2.xml><?xml version="1.0" encoding="utf-8"?>
+<c:chartSpace xmlns:c="http://schemas.openxmlformats.org/drawingml/2006/chart" xmlns:a="http://schemas.openxmlformats.org/drawingml/2006/main" xmlns:r="http://schemas.openxmlformats.org/officeDocument/2006/relationships">
+  <c:date1904 val="0"/>
+  <c:lang val="en-US"/>
+  <c:roundedCorners val="0"/>
+  <mc:AlternateContent xmlns:mc="http://schemas.openxmlformats.org/markup-compatibility/2006">
+    <mc:Choice xmlns:c14="http://schemas.microsoft.com/office/drawing/2007/8/2/chart" Requires="c14">
+      <c14:style val="102"/>
+    </mc:Choice>
+    <mc:Fallback>
+      <c:style val="2"/>
+    </mc:Fallback>
+  </mc:AlternateContent>
+  <c:chart>
+    <c:autoTitleDeleted val="1"/>
+    <c:plotArea>
+      <c:layout>
+        <c:manualLayout>
+          <c:layoutTarget val="inner"/>
+          <c:xMode val="edge"/>
+          <c:yMode val="edge"/>
+          <c:x val="0.116950152632472"/>
+          <c:y val="0.0305708829801948"/>
+          <c:w val="0.838566844401096"/>
+          <c:h val="0.769396878864416"/>
+        </c:manualLayout>
+      </c:layout>
+      <c:lineChart>
+        <c:grouping val="standard"/>
+        <c:varyColors val="0"/>
+        <c:ser>
+          <c:idx val="0"/>
+          <c:order val="0"/>
+          <c:tx>
+            <c:strRef>
+              <c:f>Sheet1!$B$1</c:f>
+              <c:strCache>
+                <c:ptCount val="1"/>
+                <c:pt idx="0">
+                  <c:v>30% filled</c:v>
+                </c:pt>
+              </c:strCache>
+            </c:strRef>
+          </c:tx>
+          <c:spPr>
+            <a:ln w="19050" cap="rnd">
+              <a:solidFill>
+                <a:schemeClr val="accent1"/>
+              </a:solidFill>
+              <a:round/>
+            </a:ln>
+            <a:effectLst/>
+          </c:spPr>
+          <c:marker>
+            <c:symbol val="circle"/>
+            <c:size val="9"/>
+            <c:spPr>
+              <a:solidFill>
+                <a:schemeClr val="accent1"/>
+              </a:solidFill>
+              <a:ln w="50800">
+                <a:solidFill>
+                  <a:schemeClr val="accent1">
+                    <a:lumMod val="75000"/>
+                  </a:schemeClr>
+                </a:solidFill>
+              </a:ln>
+              <a:effectLst/>
+            </c:spPr>
+          </c:marker>
+          <c:cat>
+            <c:numRef>
+              <c:f>Sheet1!$A$2:$A$5</c:f>
+              <c:numCache>
+                <c:formatCode>General</c:formatCode>
+                <c:ptCount val="4"/>
+                <c:pt idx="0">
+                  <c:v>1.0</c:v>
+                </c:pt>
+                <c:pt idx="1">
+                  <c:v>2.0</c:v>
+                </c:pt>
+                <c:pt idx="2">
+                  <c:v>3.0</c:v>
+                </c:pt>
+                <c:pt idx="3">
+                  <c:v>4.0</c:v>
+                </c:pt>
+              </c:numCache>
+            </c:numRef>
+          </c:cat>
+          <c:val>
+            <c:numRef>
+              <c:f>Sheet1!$B$2:$B$5</c:f>
+              <c:numCache>
+                <c:formatCode>General</c:formatCode>
+                <c:ptCount val="4"/>
+                <c:pt idx="0">
+                  <c:v>6.55</c:v>
+                </c:pt>
+                <c:pt idx="1">
+                  <c:v>5.75</c:v>
+                </c:pt>
+                <c:pt idx="2">
+                  <c:v>5.81</c:v>
+                </c:pt>
+                <c:pt idx="3">
+                  <c:v>5.95</c:v>
+                </c:pt>
+              </c:numCache>
+            </c:numRef>
+          </c:val>
+          <c:smooth val="0"/>
+        </c:ser>
+        <c:ser>
+          <c:idx val="1"/>
+          <c:order val="1"/>
+          <c:tx>
+            <c:strRef>
+              <c:f>Sheet1!$C$1</c:f>
+              <c:strCache>
+                <c:ptCount val="1"/>
+                <c:pt idx="0">
+                  <c:v>50% filled</c:v>
+                </c:pt>
+              </c:strCache>
+            </c:strRef>
+          </c:tx>
+          <c:spPr>
+            <a:ln w="19050" cap="rnd">
+              <a:solidFill>
+                <a:schemeClr val="accent6">
+                  <a:lumMod val="75000"/>
+                </a:schemeClr>
+              </a:solidFill>
+              <a:round/>
+            </a:ln>
+            <a:effectLst/>
+          </c:spPr>
+          <c:marker>
+            <c:symbol val="square"/>
+            <c:size val="9"/>
+            <c:spPr>
+              <a:solidFill>
+                <a:schemeClr val="accent6">
+                  <a:lumMod val="50000"/>
+                </a:schemeClr>
+              </a:solidFill>
+              <a:ln w="50800">
+                <a:noFill/>
+              </a:ln>
+              <a:effectLst/>
+            </c:spPr>
+          </c:marker>
+          <c:cat>
+            <c:numRef>
+              <c:f>Sheet1!$A$2:$A$5</c:f>
+              <c:numCache>
+                <c:formatCode>General</c:formatCode>
+                <c:ptCount val="4"/>
+                <c:pt idx="0">
+                  <c:v>1.0</c:v>
+                </c:pt>
+                <c:pt idx="1">
+                  <c:v>2.0</c:v>
+                </c:pt>
+                <c:pt idx="2">
+                  <c:v>3.0</c:v>
+                </c:pt>
+                <c:pt idx="3">
+                  <c:v>4.0</c:v>
+                </c:pt>
+              </c:numCache>
+            </c:numRef>
+          </c:cat>
+          <c:val>
+            <c:numRef>
+              <c:f>Sheet1!$C$2:$C$5</c:f>
+              <c:numCache>
+                <c:formatCode>General</c:formatCode>
+                <c:ptCount val="4"/>
+                <c:pt idx="0">
+                  <c:v>25.39</c:v>
+                </c:pt>
+                <c:pt idx="1">
+                  <c:v>21.8</c:v>
+                </c:pt>
+                <c:pt idx="2">
+                  <c:v>22.01</c:v>
+                </c:pt>
+                <c:pt idx="3">
+                  <c:v>22.32</c:v>
+                </c:pt>
+              </c:numCache>
+            </c:numRef>
+          </c:val>
+          <c:smooth val="0"/>
+        </c:ser>
+        <c:ser>
+          <c:idx val="2"/>
+          <c:order val="2"/>
+          <c:tx>
+            <c:strRef>
+              <c:f>Sheet1!$D$1</c:f>
+              <c:strCache>
+                <c:ptCount val="1"/>
+                <c:pt idx="0">
+                  <c:v>70% filled</c:v>
+                </c:pt>
+              </c:strCache>
+            </c:strRef>
+          </c:tx>
+          <c:spPr>
+            <a:ln w="19050" cap="rnd">
+              <a:solidFill>
+                <a:schemeClr val="accent3"/>
+              </a:solidFill>
+              <a:round/>
+            </a:ln>
+            <a:effectLst/>
+          </c:spPr>
+          <c:marker>
+            <c:symbol val="triangle"/>
+            <c:size val="9"/>
+            <c:spPr>
+              <a:solidFill>
+                <a:srgbClr val="FF0000"/>
+              </a:solidFill>
+              <a:ln w="9525">
+                <a:solidFill>
+                  <a:srgbClr val="FF0000"/>
+                </a:solidFill>
+              </a:ln>
+              <a:effectLst/>
+            </c:spPr>
+          </c:marker>
+          <c:cat>
+            <c:numRef>
+              <c:f>Sheet1!$A$2:$A$5</c:f>
+              <c:numCache>
+                <c:formatCode>General</c:formatCode>
+                <c:ptCount val="4"/>
+                <c:pt idx="0">
+                  <c:v>1.0</c:v>
+                </c:pt>
+                <c:pt idx="1">
+                  <c:v>2.0</c:v>
+                </c:pt>
+                <c:pt idx="2">
+                  <c:v>3.0</c:v>
+                </c:pt>
+                <c:pt idx="3">
+                  <c:v>4.0</c:v>
+                </c:pt>
+              </c:numCache>
+            </c:numRef>
+          </c:cat>
+          <c:val>
+            <c:numRef>
+              <c:f>Sheet1!$D$2:$D$5</c:f>
+              <c:numCache>
+                <c:formatCode>General</c:formatCode>
+                <c:ptCount val="4"/>
+                <c:pt idx="0">
+                  <c:v>46.8</c:v>
+                </c:pt>
+                <c:pt idx="1">
+                  <c:v>42.55</c:v>
+                </c:pt>
+                <c:pt idx="2">
+                  <c:v>41.29</c:v>
+                </c:pt>
+                <c:pt idx="3">
+                  <c:v>39.89</c:v>
+                </c:pt>
+              </c:numCache>
+            </c:numRef>
+          </c:val>
+          <c:smooth val="0"/>
+        </c:ser>
+        <c:dLbls>
+          <c:showLegendKey val="0"/>
+          <c:showVal val="0"/>
+          <c:showCatName val="0"/>
+          <c:showSerName val="0"/>
+          <c:showPercent val="0"/>
+          <c:showBubbleSize val="0"/>
+        </c:dLbls>
+        <c:marker val="1"/>
+        <c:smooth val="0"/>
+        <c:axId val="2117223536"/>
+        <c:axId val="2126857136"/>
+      </c:lineChart>
+      <c:catAx>
+        <c:axId val="2117223536"/>
+        <c:scaling>
+          <c:orientation val="minMax"/>
+        </c:scaling>
+        <c:delete val="0"/>
+        <c:axPos val="b"/>
+        <c:numFmt formatCode="General" sourceLinked="1"/>
+        <c:majorTickMark val="none"/>
+        <c:minorTickMark val="none"/>
+        <c:tickLblPos val="nextTo"/>
+        <c:spPr>
+          <a:noFill/>
+          <a:ln w="9525" cap="flat" cmpd="sng" algn="ctr">
+            <a:solidFill>
+              <a:schemeClr val="tx1">
+                <a:lumMod val="25000"/>
+                <a:lumOff val="75000"/>
+              </a:schemeClr>
+            </a:solidFill>
+            <a:round/>
+          </a:ln>
+          <a:effectLst/>
+        </c:spPr>
+        <c:txPr>
+          <a:bodyPr rot="-60000000" spcFirstLastPara="1" vertOverflow="ellipsis" vert="horz" wrap="square" anchor="ctr" anchorCtr="1"/>
+          <a:lstStyle/>
+          <a:p>
+            <a:pPr>
+              <a:defRPr sz="1400" b="0" i="0" u="none" strike="noStrike" kern="1200" baseline="0">
+                <a:solidFill>
+                  <a:schemeClr val="tx1">
+                    <a:lumMod val="65000"/>
+                    <a:lumOff val="35000"/>
+                  </a:schemeClr>
+                </a:solidFill>
+                <a:latin typeface="+mn-lt"/>
+                <a:ea typeface="+mn-ea"/>
+                <a:cs typeface="+mn-cs"/>
+              </a:defRPr>
+            </a:pPr>
+            <a:endParaRPr lang="en-US"/>
+          </a:p>
+        </c:txPr>
+        <c:crossAx val="2126857136"/>
+        <c:crosses val="autoZero"/>
+        <c:auto val="1"/>
+        <c:lblAlgn val="ctr"/>
+        <c:lblOffset val="100"/>
+        <c:noMultiLvlLbl val="0"/>
+      </c:catAx>
+      <c:valAx>
+        <c:axId val="2126857136"/>
+        <c:scaling>
+          <c:logBase val="2.0"/>
+          <c:orientation val="minMax"/>
+          <c:min val="4.0"/>
+        </c:scaling>
+        <c:delete val="0"/>
+        <c:axPos val="l"/>
+        <c:majorGridlines>
+          <c:spPr>
+            <a:ln w="9525" cap="flat" cmpd="sng" algn="ctr">
+              <a:solidFill>
+                <a:schemeClr val="tx1">
+                  <a:lumMod val="15000"/>
+                  <a:lumOff val="85000"/>
+                </a:schemeClr>
+              </a:solidFill>
+              <a:round/>
+            </a:ln>
+            <a:effectLst/>
+          </c:spPr>
+        </c:majorGridlines>
+        <c:numFmt formatCode="General" sourceLinked="1"/>
+        <c:majorTickMark val="none"/>
+        <c:minorTickMark val="none"/>
+        <c:tickLblPos val="nextTo"/>
+        <c:spPr>
+          <a:noFill/>
+          <a:ln w="25400" cap="flat" cmpd="sng" algn="ctr">
+            <a:noFill/>
+            <a:round/>
+          </a:ln>
+          <a:effectLst/>
+        </c:spPr>
+        <c:txPr>
+          <a:bodyPr rot="-60000000" spcFirstLastPara="1" vertOverflow="ellipsis" vert="horz" wrap="square" anchor="ctr" anchorCtr="1"/>
+          <a:lstStyle/>
+          <a:p>
+            <a:pPr>
+              <a:defRPr sz="1400" b="0" i="0" u="none" strike="noStrike" kern="1200" baseline="0">
+                <a:solidFill>
+                  <a:schemeClr val="tx1">
+                    <a:lumMod val="65000"/>
+                    <a:lumOff val="35000"/>
+                  </a:schemeClr>
+                </a:solidFill>
+                <a:latin typeface="+mn-lt"/>
+                <a:ea typeface="+mn-ea"/>
+                <a:cs typeface="+mn-cs"/>
+              </a:defRPr>
+            </a:pPr>
+            <a:endParaRPr lang="en-US"/>
+          </a:p>
+        </c:txPr>
+        <c:crossAx val="2117223536"/>
+        <c:crosses val="autoZero"/>
+        <c:crossBetween val="between"/>
+      </c:valAx>
+      <c:spPr>
+        <a:noFill/>
+        <a:ln>
+          <a:noFill/>
+        </a:ln>
+        <a:effectLst/>
+      </c:spPr>
+    </c:plotArea>
+    <c:legend>
+      <c:legendPos val="b"/>
+      <c:layout>
+        <c:manualLayout>
+          <c:xMode val="edge"/>
+          <c:yMode val="edge"/>
+          <c:x val="0.0536860326552465"/>
+          <c:y val="0.0107670944453331"/>
+          <c:w val="0.9"/>
+          <c:h val="0.112435980805018"/>
+        </c:manualLayout>
+      </c:layout>
+      <c:overlay val="0"/>
+      <c:spPr>
+        <a:noFill/>
+        <a:ln>
+          <a:noFill/>
+        </a:ln>
+        <a:effectLst/>
+      </c:spPr>
+      <c:txPr>
+        <a:bodyPr rot="0" spcFirstLastPara="1" vertOverflow="ellipsis" vert="horz" wrap="square" anchor="ctr" anchorCtr="1"/>
+        <a:lstStyle/>
+        <a:p>
+          <a:pPr>
+            <a:defRPr sz="1400" b="0" i="0" u="none" strike="noStrike" kern="1200" baseline="0">
+              <a:solidFill>
+                <a:schemeClr val="tx1"/>
+              </a:solidFill>
+              <a:latin typeface="+mn-lt"/>
+              <a:ea typeface="+mn-ea"/>
+              <a:cs typeface="+mn-cs"/>
+            </a:defRPr>
+          </a:pPr>
+          <a:endParaRPr lang="en-US"/>
+        </a:p>
+      </c:txPr>
+    </c:legend>
+    <c:plotVisOnly val="1"/>
+    <c:dispBlanksAs val="gap"/>
+    <c:showDLblsOverMax val="0"/>
+  </c:chart>
+  <c:spPr>
+    <a:noFill/>
+    <a:ln>
+      <a:noFill/>
+    </a:ln>
+    <a:effectLst/>
+  </c:spPr>
+  <c:txPr>
+    <a:bodyPr/>
+    <a:lstStyle/>
+    <a:p>
+      <a:pPr>
+        <a:defRPr/>
+      </a:pPr>
+      <a:endParaRPr lang="en-US"/>
+    </a:p>
+  </c:txPr>
+  <c:externalData r:id="rId3">
+    <c:autoUpdate val="0"/>
+  </c:externalData>
+</c:chartSpace>
+</file>
+
+<file path=ppt/charts/chart3.xml><?xml version="1.0" encoding="utf-8"?>
+<c:chartSpace xmlns:c="http://schemas.openxmlformats.org/drawingml/2006/chart" xmlns:a="http://schemas.openxmlformats.org/drawingml/2006/main" xmlns:r="http://schemas.openxmlformats.org/officeDocument/2006/relationships">
+  <c:date1904 val="0"/>
+  <c:lang val="en-US"/>
+  <c:roundedCorners val="0"/>
+  <mc:AlternateContent xmlns:mc="http://schemas.openxmlformats.org/markup-compatibility/2006">
+    <mc:Choice xmlns:c14="http://schemas.microsoft.com/office/drawing/2007/8/2/chart" Requires="c14">
+      <c14:style val="102"/>
+    </mc:Choice>
+    <mc:Fallback>
+      <c:style val="2"/>
+    </mc:Fallback>
+  </mc:AlternateContent>
+  <c:chart>
+    <c:title>
+      <c:tx>
+        <c:rich>
+          <a:bodyPr rot="0" spcFirstLastPara="1" vertOverflow="ellipsis" vert="horz" wrap="square" anchor="ctr" anchorCtr="1"/>
+          <a:lstStyle/>
+          <a:p>
+            <a:pPr>
+              <a:defRPr sz="1862" b="0" i="0" u="none" strike="noStrike" kern="1200" spc="0" baseline="0">
+                <a:solidFill>
+                  <a:schemeClr val="tx1"/>
+                </a:solidFill>
+                <a:latin typeface="+mn-lt"/>
+                <a:ea typeface="+mn-ea"/>
+                <a:cs typeface="+mn-cs"/>
+              </a:defRPr>
+            </a:pPr>
+            <a:r>
+              <a:rPr lang="en-US" b="1" dirty="0" smtClean="0">
+                <a:solidFill>
+                  <a:schemeClr val="tx1"/>
+                </a:solidFill>
+              </a:rPr>
+              <a:t>Sparse</a:t>
+            </a:r>
+            <a:r>
+              <a:rPr lang="en-US" b="1" baseline="0" dirty="0" smtClean="0">
+                <a:solidFill>
+                  <a:schemeClr val="tx1"/>
+                </a:solidFill>
+              </a:rPr>
+              <a:t> </a:t>
+            </a:r>
+            <a:r>
+              <a:rPr lang="en-US" b="1" baseline="0" dirty="0" err="1" smtClean="0">
+                <a:solidFill>
+                  <a:schemeClr val="tx1"/>
+                </a:solidFill>
+              </a:rPr>
+              <a:t>Cholesky</a:t>
+            </a:r>
+            <a:endParaRPr lang="en-US" b="1" dirty="0">
+              <a:solidFill>
+                <a:schemeClr val="tx1"/>
+              </a:solidFill>
+            </a:endParaRPr>
+          </a:p>
+        </c:rich>
+      </c:tx>
+      <c:overlay val="0"/>
+      <c:spPr>
+        <a:noFill/>
+        <a:ln>
+          <a:noFill/>
+        </a:ln>
+        <a:effectLst/>
+      </c:spPr>
+      <c:txPr>
+        <a:bodyPr rot="0" spcFirstLastPara="1" vertOverflow="ellipsis" vert="horz" wrap="square" anchor="ctr" anchorCtr="1"/>
+        <a:lstStyle/>
+        <a:p>
+          <a:pPr>
+            <a:defRPr sz="1862" b="0" i="0" u="none" strike="noStrike" kern="1200" spc="0" baseline="0">
+              <a:solidFill>
+                <a:schemeClr val="tx1"/>
+              </a:solidFill>
+              <a:latin typeface="+mn-lt"/>
+              <a:ea typeface="+mn-ea"/>
+              <a:cs typeface="+mn-cs"/>
+            </a:defRPr>
+          </a:pPr>
+          <a:endParaRPr lang="en-US"/>
+        </a:p>
+      </c:txPr>
+    </c:title>
+    <c:autoTitleDeleted val="0"/>
+    <c:plotArea>
+      <c:layout>
+        <c:manualLayout>
+          <c:layoutTarget val="inner"/>
+          <c:xMode val="edge"/>
+          <c:yMode val="edge"/>
+          <c:x val="0.205013981809807"/>
+          <c:y val="0.136679676664781"/>
+          <c:w val="0.743636962487198"/>
+          <c:h val="0.679385086479722"/>
+        </c:manualLayout>
+      </c:layout>
+      <c:barChart>
+        <c:barDir val="col"/>
+        <c:grouping val="clustered"/>
+        <c:varyColors val="0"/>
+        <c:ser>
+          <c:idx val="0"/>
+          <c:order val="0"/>
+          <c:tx>
+            <c:strRef>
+              <c:f>Sheet1!$B$1</c:f>
+              <c:strCache>
+                <c:ptCount val="1"/>
+                <c:pt idx="0">
+                  <c:v>Blocking</c:v>
+                </c:pt>
+              </c:strCache>
+            </c:strRef>
+          </c:tx>
+          <c:spPr>
+            <a:solidFill>
+              <a:schemeClr val="accent6">
+                <a:lumMod val="75000"/>
+              </a:schemeClr>
+            </a:solidFill>
+            <a:ln>
+              <a:solidFill>
+                <a:schemeClr val="tx1"/>
+              </a:solidFill>
+            </a:ln>
+            <a:effectLst/>
+          </c:spPr>
+          <c:invertIfNegative val="0"/>
+          <c:cat>
+            <c:numRef>
+              <c:f>Sheet1!$A$2:$A$4</c:f>
+              <c:numCache>
+                <c:formatCode>General</c:formatCode>
+                <c:ptCount val="3"/>
+                <c:pt idx="0">
+                  <c:v>1.0</c:v>
+                </c:pt>
+                <c:pt idx="1">
+                  <c:v>2.0</c:v>
+                </c:pt>
+                <c:pt idx="2">
+                  <c:v>4.0</c:v>
+                </c:pt>
+              </c:numCache>
+            </c:numRef>
+          </c:cat>
+          <c:val>
+            <c:numRef>
+              <c:f>Sheet1!$B$2:$B$4</c:f>
+              <c:numCache>
+                <c:formatCode>General</c:formatCode>
+                <c:ptCount val="3"/>
+                <c:pt idx="0">
+                  <c:v>0.0979</c:v>
+                </c:pt>
+                <c:pt idx="1">
+                  <c:v>0.062</c:v>
+                </c:pt>
+                <c:pt idx="2">
+                  <c:v>0.0395</c:v>
+                </c:pt>
+              </c:numCache>
+            </c:numRef>
+          </c:val>
+        </c:ser>
+        <c:ser>
+          <c:idx val="1"/>
+          <c:order val="1"/>
+          <c:tx>
+            <c:strRef>
+              <c:f>Sheet1!$C$1</c:f>
+              <c:strCache>
+                <c:ptCount val="1"/>
+                <c:pt idx="0">
+                  <c:v>Non-blocking</c:v>
+                </c:pt>
+              </c:strCache>
+            </c:strRef>
+          </c:tx>
+          <c:spPr>
+            <a:solidFill>
+              <a:srgbClr val="FF0000"/>
+            </a:solidFill>
+            <a:ln>
+              <a:solidFill>
+                <a:schemeClr val="tx1"/>
+              </a:solidFill>
+            </a:ln>
+            <a:effectLst/>
+          </c:spPr>
+          <c:invertIfNegative val="0"/>
+          <c:cat>
+            <c:numRef>
+              <c:f>Sheet1!$A$2:$A$4</c:f>
+              <c:numCache>
+                <c:formatCode>General</c:formatCode>
+                <c:ptCount val="3"/>
+                <c:pt idx="0">
+                  <c:v>1.0</c:v>
+                </c:pt>
+                <c:pt idx="1">
+                  <c:v>2.0</c:v>
+                </c:pt>
+                <c:pt idx="2">
+                  <c:v>4.0</c:v>
+                </c:pt>
+              </c:numCache>
+            </c:numRef>
+          </c:cat>
+          <c:val>
+            <c:numRef>
+              <c:f>Sheet1!$C$2:$C$4</c:f>
+              <c:numCache>
+                <c:formatCode>General</c:formatCode>
+                <c:ptCount val="3"/>
+                <c:pt idx="0">
+                  <c:v>0.0946</c:v>
+                </c:pt>
+                <c:pt idx="1">
+                  <c:v>0.0552</c:v>
+                </c:pt>
+                <c:pt idx="2">
+                  <c:v>0.036</c:v>
+                </c:pt>
+              </c:numCache>
+            </c:numRef>
+          </c:val>
+        </c:ser>
+        <c:dLbls>
+          <c:showLegendKey val="0"/>
+          <c:showVal val="0"/>
+          <c:showCatName val="0"/>
+          <c:showSerName val="0"/>
+          <c:showPercent val="0"/>
+          <c:showBubbleSize val="0"/>
+        </c:dLbls>
+        <c:gapWidth val="219"/>
+        <c:overlap val="-27"/>
+        <c:axId val="2128287376"/>
+        <c:axId val="2128290656"/>
+      </c:barChart>
+      <c:catAx>
+        <c:axId val="2128287376"/>
+        <c:scaling>
+          <c:orientation val="minMax"/>
+        </c:scaling>
+        <c:delete val="0"/>
+        <c:axPos val="b"/>
+        <c:numFmt formatCode="General" sourceLinked="1"/>
+        <c:majorTickMark val="none"/>
+        <c:minorTickMark val="none"/>
+        <c:tickLblPos val="nextTo"/>
+        <c:spPr>
+          <a:noFill/>
+          <a:ln w="9525" cap="flat" cmpd="sng" algn="ctr">
+            <a:solidFill>
+              <a:schemeClr val="tx1">
+                <a:lumMod val="15000"/>
+                <a:lumOff val="85000"/>
+              </a:schemeClr>
+            </a:solidFill>
+            <a:round/>
+          </a:ln>
+          <a:effectLst/>
+        </c:spPr>
+        <c:txPr>
+          <a:bodyPr rot="-60000000" spcFirstLastPara="1" vertOverflow="ellipsis" vert="horz" wrap="square" anchor="ctr" anchorCtr="1"/>
+          <a:lstStyle/>
+          <a:p>
+            <a:pPr>
+              <a:defRPr sz="1400" b="0" i="0" u="none" strike="noStrike" kern="1200" baseline="0">
+                <a:solidFill>
+                  <a:schemeClr val="tx1"/>
+                </a:solidFill>
+                <a:latin typeface="+mn-lt"/>
+                <a:ea typeface="+mn-ea"/>
+                <a:cs typeface="+mn-cs"/>
+              </a:defRPr>
+            </a:pPr>
+            <a:endParaRPr lang="en-US"/>
+          </a:p>
+        </c:txPr>
+        <c:crossAx val="2128290656"/>
+        <c:crosses val="autoZero"/>
+        <c:auto val="1"/>
+        <c:lblAlgn val="ctr"/>
+        <c:lblOffset val="100"/>
+        <c:noMultiLvlLbl val="0"/>
+      </c:catAx>
+      <c:valAx>
+        <c:axId val="2128290656"/>
+        <c:scaling>
+          <c:orientation val="minMax"/>
+        </c:scaling>
+        <c:delete val="0"/>
+        <c:axPos val="l"/>
+        <c:majorGridlines>
+          <c:spPr>
+            <a:ln w="9525" cap="flat" cmpd="sng" algn="ctr">
+              <a:solidFill>
+                <a:schemeClr val="tx1">
+                  <a:lumMod val="15000"/>
+                  <a:lumOff val="85000"/>
+                </a:schemeClr>
+              </a:solidFill>
+              <a:round/>
+            </a:ln>
+            <a:effectLst/>
+          </c:spPr>
+        </c:majorGridlines>
+        <c:numFmt formatCode="General" sourceLinked="1"/>
+        <c:majorTickMark val="none"/>
+        <c:minorTickMark val="none"/>
+        <c:tickLblPos val="nextTo"/>
+        <c:spPr>
+          <a:noFill/>
+          <a:ln>
+            <a:noFill/>
+          </a:ln>
+          <a:effectLst/>
+        </c:spPr>
+        <c:txPr>
+          <a:bodyPr rot="-60000000" spcFirstLastPara="1" vertOverflow="ellipsis" vert="horz" wrap="square" anchor="ctr" anchorCtr="1"/>
+          <a:lstStyle/>
+          <a:p>
+            <a:pPr>
+              <a:defRPr sz="1400" b="0" i="0" u="none" strike="noStrike" kern="1200" baseline="0">
+                <a:solidFill>
+                  <a:schemeClr val="tx1"/>
+                </a:solidFill>
+                <a:latin typeface="+mn-lt"/>
+                <a:ea typeface="+mn-ea"/>
+                <a:cs typeface="+mn-cs"/>
+              </a:defRPr>
+            </a:pPr>
+            <a:endParaRPr lang="en-US"/>
+          </a:p>
+        </c:txPr>
+        <c:crossAx val="2128287376"/>
+        <c:crosses val="autoZero"/>
+        <c:crossBetween val="between"/>
+      </c:valAx>
+      <c:spPr>
+        <a:noFill/>
+        <a:ln>
+          <a:noFill/>
+        </a:ln>
+        <a:effectLst/>
+      </c:spPr>
+    </c:plotArea>
+    <c:legend>
+      <c:legendPos val="b"/>
+      <c:layout>
+        <c:manualLayout>
+          <c:xMode val="edge"/>
+          <c:yMode val="edge"/>
+          <c:x val="0.514084601223731"/>
+          <c:y val="0.17878794746346"/>
+          <c:w val="0.478015544052731"/>
+          <c:h val="0.143969794523942"/>
         </c:manualLayout>
       </c:layout>
       <c:overlay val="0"/>
@@ -529,7 +1370,7 @@
 </c:chartSpace>
 </file>
 
-<file path=ppt/charts/chart10.xml><?xml version="1.0" encoding="utf-8"?>
+<file path=ppt/charts/chart4.xml><?xml version="1.0" encoding="utf-8"?>
 <c:chartSpace xmlns:c="http://schemas.openxmlformats.org/drawingml/2006/chart" xmlns:a="http://schemas.openxmlformats.org/drawingml/2006/main" xmlns:r="http://schemas.openxmlformats.org/officeDocument/2006/relationships">
   <c:date1904 val="0"/>
   <c:lang val="en-US"/>
@@ -560,21 +1401,1275 @@
               </a:defRPr>
             </a:pPr>
             <a:r>
-              <a:rPr lang="en-US" b="1" smtClean="0">
-                <a:solidFill>
-                  <a:schemeClr val="tx1"/>
-                </a:solidFill>
-              </a:rPr>
-              <a:t>Communication Avoiding </a:t>
-            </a:r>
-            <a:r>
               <a:rPr lang="en-US" b="1" dirty="0" smtClean="0">
                 <a:solidFill>
                   <a:schemeClr val="tx1"/>
                 </a:solidFill>
               </a:rPr>
-              <a:t>(2.5D) Cannon</a:t>
-            </a:r>
+              <a:t>2.5 Cannon</a:t>
+            </a:r>
+            <a:endParaRPr lang="en-US" b="1" dirty="0">
+              <a:solidFill>
+                <a:schemeClr val="tx1"/>
+              </a:solidFill>
+            </a:endParaRPr>
+          </a:p>
+        </c:rich>
+      </c:tx>
+      <c:overlay val="0"/>
+      <c:spPr>
+        <a:noFill/>
+        <a:ln>
+          <a:noFill/>
+        </a:ln>
+        <a:effectLst/>
+      </c:spPr>
+      <c:txPr>
+        <a:bodyPr rot="0" spcFirstLastPara="1" vertOverflow="ellipsis" vert="horz" wrap="square" anchor="ctr" anchorCtr="1"/>
+        <a:lstStyle/>
+        <a:p>
+          <a:pPr>
+            <a:defRPr sz="1862" b="0" i="0" u="none" strike="noStrike" kern="1200" spc="0" baseline="0">
+              <a:solidFill>
+                <a:schemeClr val="tx1"/>
+              </a:solidFill>
+              <a:latin typeface="+mn-lt"/>
+              <a:ea typeface="+mn-ea"/>
+              <a:cs typeface="+mn-cs"/>
+            </a:defRPr>
+          </a:pPr>
+          <a:endParaRPr lang="en-US"/>
+        </a:p>
+      </c:txPr>
+    </c:title>
+    <c:autoTitleDeleted val="0"/>
+    <c:plotArea>
+      <c:layout>
+        <c:manualLayout>
+          <c:layoutTarget val="inner"/>
+          <c:xMode val="edge"/>
+          <c:yMode val="edge"/>
+          <c:x val="0.106976784690704"/>
+          <c:y val="0.115873483440533"/>
+          <c:w val="0.841674159606301"/>
+          <c:h val="0.713073672247676"/>
+        </c:manualLayout>
+      </c:layout>
+      <c:barChart>
+        <c:barDir val="col"/>
+        <c:grouping val="clustered"/>
+        <c:varyColors val="0"/>
+        <c:ser>
+          <c:idx val="0"/>
+          <c:order val="0"/>
+          <c:tx>
+            <c:strRef>
+              <c:f>Sheet1!$B$1</c:f>
+              <c:strCache>
+                <c:ptCount val="1"/>
+                <c:pt idx="0">
+                  <c:v>Blocking</c:v>
+                </c:pt>
+              </c:strCache>
+            </c:strRef>
+          </c:tx>
+          <c:spPr>
+            <a:solidFill>
+              <a:schemeClr val="accent6">
+                <a:lumMod val="75000"/>
+              </a:schemeClr>
+            </a:solidFill>
+            <a:ln>
+              <a:solidFill>
+                <a:schemeClr val="tx1"/>
+              </a:solidFill>
+            </a:ln>
+            <a:effectLst/>
+          </c:spPr>
+          <c:invertIfNegative val="0"/>
+          <c:cat>
+            <c:numRef>
+              <c:f>Sheet1!$A$2:$A$4</c:f>
+              <c:numCache>
+                <c:formatCode>General</c:formatCode>
+                <c:ptCount val="3"/>
+                <c:pt idx="0">
+                  <c:v>1.0</c:v>
+                </c:pt>
+                <c:pt idx="1">
+                  <c:v>2.0</c:v>
+                </c:pt>
+                <c:pt idx="2">
+                  <c:v>4.0</c:v>
+                </c:pt>
+              </c:numCache>
+            </c:numRef>
+          </c:cat>
+          <c:val>
+            <c:numRef>
+              <c:f>Sheet1!$B$2:$B$4</c:f>
+              <c:numCache>
+                <c:formatCode>General</c:formatCode>
+                <c:ptCount val="3"/>
+                <c:pt idx="0">
+                  <c:v>5.226999999999999</c:v>
+                </c:pt>
+                <c:pt idx="1">
+                  <c:v>3.83</c:v>
+                </c:pt>
+                <c:pt idx="2">
+                  <c:v>2.706</c:v>
+                </c:pt>
+              </c:numCache>
+            </c:numRef>
+          </c:val>
+        </c:ser>
+        <c:ser>
+          <c:idx val="1"/>
+          <c:order val="1"/>
+          <c:tx>
+            <c:strRef>
+              <c:f>Sheet1!$C$1</c:f>
+              <c:strCache>
+                <c:ptCount val="1"/>
+                <c:pt idx="0">
+                  <c:v>Non-blocking</c:v>
+                </c:pt>
+              </c:strCache>
+            </c:strRef>
+          </c:tx>
+          <c:spPr>
+            <a:solidFill>
+              <a:srgbClr val="FF0000"/>
+            </a:solidFill>
+            <a:ln>
+              <a:solidFill>
+                <a:schemeClr val="tx1"/>
+              </a:solidFill>
+            </a:ln>
+            <a:effectLst/>
+          </c:spPr>
+          <c:invertIfNegative val="0"/>
+          <c:cat>
+            <c:numRef>
+              <c:f>Sheet1!$A$2:$A$4</c:f>
+              <c:numCache>
+                <c:formatCode>General</c:formatCode>
+                <c:ptCount val="3"/>
+                <c:pt idx="0">
+                  <c:v>1.0</c:v>
+                </c:pt>
+                <c:pt idx="1">
+                  <c:v>2.0</c:v>
+                </c:pt>
+                <c:pt idx="2">
+                  <c:v>4.0</c:v>
+                </c:pt>
+              </c:numCache>
+            </c:numRef>
+          </c:cat>
+          <c:val>
+            <c:numRef>
+              <c:f>Sheet1!$C$2:$C$4</c:f>
+              <c:numCache>
+                <c:formatCode>General</c:formatCode>
+                <c:ptCount val="3"/>
+                <c:pt idx="0">
+                  <c:v>5.222</c:v>
+                </c:pt>
+                <c:pt idx="1">
+                  <c:v>3.52</c:v>
+                </c:pt>
+                <c:pt idx="2">
+                  <c:v>2.522</c:v>
+                </c:pt>
+              </c:numCache>
+            </c:numRef>
+          </c:val>
+        </c:ser>
+        <c:dLbls>
+          <c:showLegendKey val="0"/>
+          <c:showVal val="0"/>
+          <c:showCatName val="0"/>
+          <c:showSerName val="0"/>
+          <c:showPercent val="0"/>
+          <c:showBubbleSize val="0"/>
+        </c:dLbls>
+        <c:gapWidth val="219"/>
+        <c:overlap val="-27"/>
+        <c:axId val="-2141896704"/>
+        <c:axId val="-2141981040"/>
+      </c:barChart>
+      <c:catAx>
+        <c:axId val="-2141896704"/>
+        <c:scaling>
+          <c:orientation val="minMax"/>
+        </c:scaling>
+        <c:delete val="0"/>
+        <c:axPos val="b"/>
+        <c:numFmt formatCode="General" sourceLinked="1"/>
+        <c:majorTickMark val="none"/>
+        <c:minorTickMark val="none"/>
+        <c:tickLblPos val="nextTo"/>
+        <c:spPr>
+          <a:noFill/>
+          <a:ln w="9525" cap="flat" cmpd="sng" algn="ctr">
+            <a:solidFill>
+              <a:schemeClr val="tx1">
+                <a:lumMod val="15000"/>
+                <a:lumOff val="85000"/>
+              </a:schemeClr>
+            </a:solidFill>
+            <a:round/>
+          </a:ln>
+          <a:effectLst/>
+        </c:spPr>
+        <c:txPr>
+          <a:bodyPr rot="-60000000" spcFirstLastPara="1" vertOverflow="ellipsis" vert="horz" wrap="square" anchor="ctr" anchorCtr="1"/>
+          <a:lstStyle/>
+          <a:p>
+            <a:pPr>
+              <a:defRPr sz="1400" b="0" i="0" u="none" strike="noStrike" kern="1200" baseline="0">
+                <a:solidFill>
+                  <a:schemeClr val="tx1"/>
+                </a:solidFill>
+                <a:latin typeface="+mn-lt"/>
+                <a:ea typeface="+mn-ea"/>
+                <a:cs typeface="+mn-cs"/>
+              </a:defRPr>
+            </a:pPr>
+            <a:endParaRPr lang="en-US"/>
+          </a:p>
+        </c:txPr>
+        <c:crossAx val="-2141981040"/>
+        <c:crosses val="autoZero"/>
+        <c:auto val="1"/>
+        <c:lblAlgn val="ctr"/>
+        <c:lblOffset val="100"/>
+        <c:noMultiLvlLbl val="0"/>
+      </c:catAx>
+      <c:valAx>
+        <c:axId val="-2141981040"/>
+        <c:scaling>
+          <c:orientation val="minMax"/>
+        </c:scaling>
+        <c:delete val="0"/>
+        <c:axPos val="l"/>
+        <c:majorGridlines>
+          <c:spPr>
+            <a:ln w="9525" cap="flat" cmpd="sng" algn="ctr">
+              <a:solidFill>
+                <a:schemeClr val="tx1">
+                  <a:lumMod val="15000"/>
+                  <a:lumOff val="85000"/>
+                </a:schemeClr>
+              </a:solidFill>
+              <a:round/>
+            </a:ln>
+            <a:effectLst/>
+          </c:spPr>
+        </c:majorGridlines>
+        <c:numFmt formatCode="General" sourceLinked="1"/>
+        <c:majorTickMark val="none"/>
+        <c:minorTickMark val="none"/>
+        <c:tickLblPos val="nextTo"/>
+        <c:spPr>
+          <a:noFill/>
+          <a:ln>
+            <a:noFill/>
+          </a:ln>
+          <a:effectLst/>
+        </c:spPr>
+        <c:txPr>
+          <a:bodyPr rot="-60000000" spcFirstLastPara="1" vertOverflow="ellipsis" vert="horz" wrap="square" anchor="ctr" anchorCtr="1"/>
+          <a:lstStyle/>
+          <a:p>
+            <a:pPr>
+              <a:defRPr sz="1400" b="0" i="0" u="none" strike="noStrike" kern="1200" baseline="0">
+                <a:solidFill>
+                  <a:schemeClr val="tx1"/>
+                </a:solidFill>
+                <a:latin typeface="+mn-lt"/>
+                <a:ea typeface="+mn-ea"/>
+                <a:cs typeface="+mn-cs"/>
+              </a:defRPr>
+            </a:pPr>
+            <a:endParaRPr lang="en-US"/>
+          </a:p>
+        </c:txPr>
+        <c:crossAx val="-2141896704"/>
+        <c:crosses val="autoZero"/>
+        <c:crossBetween val="between"/>
+      </c:valAx>
+      <c:spPr>
+        <a:noFill/>
+        <a:ln>
+          <a:noFill/>
+        </a:ln>
+        <a:effectLst/>
+      </c:spPr>
+    </c:plotArea>
+    <c:legend>
+      <c:legendPos val="b"/>
+      <c:layout>
+        <c:manualLayout>
+          <c:xMode val="edge"/>
+          <c:yMode val="edge"/>
+          <c:x val="0.525637361212149"/>
+          <c:y val="0.173899344656241"/>
+          <c:w val="0.418766633626198"/>
+          <c:h val="0.135074791367712"/>
+        </c:manualLayout>
+      </c:layout>
+      <c:overlay val="0"/>
+      <c:spPr>
+        <a:noFill/>
+        <a:ln>
+          <a:noFill/>
+        </a:ln>
+        <a:effectLst/>
+      </c:spPr>
+      <c:txPr>
+        <a:bodyPr rot="0" spcFirstLastPara="1" vertOverflow="ellipsis" vert="horz" wrap="square" anchor="ctr" anchorCtr="1"/>
+        <a:lstStyle/>
+        <a:p>
+          <a:pPr>
+            <a:defRPr sz="1600" b="0" i="0" u="none" strike="noStrike" kern="1200" baseline="0">
+              <a:solidFill>
+                <a:schemeClr val="tx1"/>
+              </a:solidFill>
+              <a:latin typeface="+mn-lt"/>
+              <a:ea typeface="+mn-ea"/>
+              <a:cs typeface="+mn-cs"/>
+            </a:defRPr>
+          </a:pPr>
+          <a:endParaRPr lang="en-US"/>
+        </a:p>
+      </c:txPr>
+    </c:legend>
+    <c:plotVisOnly val="1"/>
+    <c:dispBlanksAs val="gap"/>
+    <c:showDLblsOverMax val="0"/>
+  </c:chart>
+  <c:spPr>
+    <a:noFill/>
+    <a:ln>
+      <a:noFill/>
+    </a:ln>
+    <a:effectLst/>
+  </c:spPr>
+  <c:txPr>
+    <a:bodyPr/>
+    <a:lstStyle/>
+    <a:p>
+      <a:pPr>
+        <a:defRPr/>
+      </a:pPr>
+      <a:endParaRPr lang="en-US"/>
+    </a:p>
+  </c:txPr>
+  <c:externalData r:id="rId3">
+    <c:autoUpdate val="0"/>
+  </c:externalData>
+</c:chartSpace>
+</file>
+
+<file path=ppt/charts/chart5.xml><?xml version="1.0" encoding="utf-8"?>
+<c:chartSpace xmlns:c="http://schemas.openxmlformats.org/drawingml/2006/chart" xmlns:a="http://schemas.openxmlformats.org/drawingml/2006/main" xmlns:r="http://schemas.openxmlformats.org/officeDocument/2006/relationships">
+  <c:date1904 val="0"/>
+  <c:lang val="en-US"/>
+  <c:roundedCorners val="0"/>
+  <mc:AlternateContent xmlns:mc="http://schemas.openxmlformats.org/markup-compatibility/2006">
+    <mc:Choice xmlns:c14="http://schemas.microsoft.com/office/drawing/2007/8/2/chart" Requires="c14">
+      <c14:style val="102"/>
+    </mc:Choice>
+    <mc:Fallback>
+      <c:style val="2"/>
+    </mc:Fallback>
+  </mc:AlternateContent>
+  <c:chart>
+    <c:title>
+      <c:tx>
+        <c:rich>
+          <a:bodyPr rot="0" spcFirstLastPara="1" vertOverflow="ellipsis" vert="horz" wrap="square" anchor="ctr" anchorCtr="1"/>
+          <a:lstStyle/>
+          <a:p>
+            <a:pPr>
+              <a:defRPr sz="1862" b="0" i="0" u="none" strike="noStrike" kern="1200" spc="0" baseline="0">
+                <a:solidFill>
+                  <a:schemeClr val="tx1"/>
+                </a:solidFill>
+                <a:latin typeface="+mn-lt"/>
+                <a:ea typeface="+mn-ea"/>
+                <a:cs typeface="+mn-cs"/>
+              </a:defRPr>
+            </a:pPr>
+            <a:r>
+              <a:rPr lang="en-US" b="1" dirty="0" smtClean="0">
+                <a:solidFill>
+                  <a:schemeClr val="tx1"/>
+                </a:solidFill>
+              </a:rPr>
+              <a:t>3D</a:t>
+            </a:r>
+            <a:r>
+              <a:rPr lang="en-US" b="1" baseline="0" dirty="0" smtClean="0">
+                <a:solidFill>
+                  <a:schemeClr val="tx1"/>
+                </a:solidFill>
+              </a:rPr>
+              <a:t> Stencil</a:t>
+            </a:r>
+            <a:endParaRPr lang="en-US" b="1" dirty="0">
+              <a:solidFill>
+                <a:schemeClr val="tx1"/>
+              </a:solidFill>
+            </a:endParaRPr>
+          </a:p>
+        </c:rich>
+      </c:tx>
+      <c:overlay val="0"/>
+      <c:spPr>
+        <a:noFill/>
+        <a:ln>
+          <a:noFill/>
+        </a:ln>
+        <a:effectLst/>
+      </c:spPr>
+      <c:txPr>
+        <a:bodyPr rot="0" spcFirstLastPara="1" vertOverflow="ellipsis" vert="horz" wrap="square" anchor="ctr" anchorCtr="1"/>
+        <a:lstStyle/>
+        <a:p>
+          <a:pPr>
+            <a:defRPr sz="1862" b="0" i="0" u="none" strike="noStrike" kern="1200" spc="0" baseline="0">
+              <a:solidFill>
+                <a:schemeClr val="tx1"/>
+              </a:solidFill>
+              <a:latin typeface="+mn-lt"/>
+              <a:ea typeface="+mn-ea"/>
+              <a:cs typeface="+mn-cs"/>
+            </a:defRPr>
+          </a:pPr>
+          <a:endParaRPr lang="en-US"/>
+        </a:p>
+      </c:txPr>
+    </c:title>
+    <c:autoTitleDeleted val="0"/>
+    <c:plotArea>
+      <c:layout>
+        <c:manualLayout>
+          <c:layoutTarget val="inner"/>
+          <c:xMode val="edge"/>
+          <c:yMode val="edge"/>
+          <c:x val="0.205013981809807"/>
+          <c:y val="0.112288154310818"/>
+          <c:w val="0.743636962487198"/>
+          <c:h val="0.703776529566112"/>
+        </c:manualLayout>
+      </c:layout>
+      <c:barChart>
+        <c:barDir val="col"/>
+        <c:grouping val="clustered"/>
+        <c:varyColors val="0"/>
+        <c:ser>
+          <c:idx val="0"/>
+          <c:order val="0"/>
+          <c:tx>
+            <c:strRef>
+              <c:f>Sheet1!$B$1</c:f>
+              <c:strCache>
+                <c:ptCount val="1"/>
+                <c:pt idx="0">
+                  <c:v>Blocking</c:v>
+                </c:pt>
+              </c:strCache>
+            </c:strRef>
+          </c:tx>
+          <c:spPr>
+            <a:solidFill>
+              <a:schemeClr val="accent6">
+                <a:lumMod val="75000"/>
+              </a:schemeClr>
+            </a:solidFill>
+            <a:ln>
+              <a:solidFill>
+                <a:schemeClr val="tx1"/>
+              </a:solidFill>
+            </a:ln>
+            <a:effectLst/>
+          </c:spPr>
+          <c:invertIfNegative val="0"/>
+          <c:cat>
+            <c:numRef>
+              <c:f>Sheet1!$A$2:$A$4</c:f>
+              <c:numCache>
+                <c:formatCode>General</c:formatCode>
+                <c:ptCount val="3"/>
+                <c:pt idx="0">
+                  <c:v>1.0</c:v>
+                </c:pt>
+                <c:pt idx="1">
+                  <c:v>2.0</c:v>
+                </c:pt>
+                <c:pt idx="2">
+                  <c:v>4.0</c:v>
+                </c:pt>
+              </c:numCache>
+            </c:numRef>
+          </c:cat>
+          <c:val>
+            <c:numRef>
+              <c:f>Sheet1!$B$2:$B$4</c:f>
+              <c:numCache>
+                <c:formatCode>General</c:formatCode>
+                <c:ptCount val="3"/>
+                <c:pt idx="0">
+                  <c:v>6.4</c:v>
+                </c:pt>
+                <c:pt idx="1">
+                  <c:v>3.906</c:v>
+                </c:pt>
+                <c:pt idx="2">
+                  <c:v>3.351999999999998</c:v>
+                </c:pt>
+              </c:numCache>
+            </c:numRef>
+          </c:val>
+        </c:ser>
+        <c:ser>
+          <c:idx val="1"/>
+          <c:order val="1"/>
+          <c:tx>
+            <c:strRef>
+              <c:f>Sheet1!$C$1</c:f>
+              <c:strCache>
+                <c:ptCount val="1"/>
+                <c:pt idx="0">
+                  <c:v>Non-blocking</c:v>
+                </c:pt>
+              </c:strCache>
+            </c:strRef>
+          </c:tx>
+          <c:spPr>
+            <a:solidFill>
+              <a:srgbClr val="FF0000"/>
+            </a:solidFill>
+            <a:ln>
+              <a:solidFill>
+                <a:schemeClr val="tx1"/>
+              </a:solidFill>
+            </a:ln>
+            <a:effectLst/>
+          </c:spPr>
+          <c:invertIfNegative val="0"/>
+          <c:cat>
+            <c:numRef>
+              <c:f>Sheet1!$A$2:$A$4</c:f>
+              <c:numCache>
+                <c:formatCode>General</c:formatCode>
+                <c:ptCount val="3"/>
+                <c:pt idx="0">
+                  <c:v>1.0</c:v>
+                </c:pt>
+                <c:pt idx="1">
+                  <c:v>2.0</c:v>
+                </c:pt>
+                <c:pt idx="2">
+                  <c:v>4.0</c:v>
+                </c:pt>
+              </c:numCache>
+            </c:numRef>
+          </c:cat>
+          <c:val>
+            <c:numRef>
+              <c:f>Sheet1!$C$2:$C$4</c:f>
+              <c:numCache>
+                <c:formatCode>General</c:formatCode>
+                <c:ptCount val="3"/>
+                <c:pt idx="0">
+                  <c:v>6.4</c:v>
+                </c:pt>
+                <c:pt idx="1">
+                  <c:v>3.68</c:v>
+                </c:pt>
+                <c:pt idx="2">
+                  <c:v>2.354</c:v>
+                </c:pt>
+              </c:numCache>
+            </c:numRef>
+          </c:val>
+        </c:ser>
+        <c:dLbls>
+          <c:showLegendKey val="0"/>
+          <c:showVal val="0"/>
+          <c:showCatName val="0"/>
+          <c:showSerName val="0"/>
+          <c:showPercent val="0"/>
+          <c:showBubbleSize val="0"/>
+        </c:dLbls>
+        <c:gapWidth val="219"/>
+        <c:overlap val="-27"/>
+        <c:axId val="-2143568656"/>
+        <c:axId val="-2143402896"/>
+      </c:barChart>
+      <c:catAx>
+        <c:axId val="-2143568656"/>
+        <c:scaling>
+          <c:orientation val="minMax"/>
+        </c:scaling>
+        <c:delete val="0"/>
+        <c:axPos val="b"/>
+        <c:numFmt formatCode="General" sourceLinked="1"/>
+        <c:majorTickMark val="none"/>
+        <c:minorTickMark val="none"/>
+        <c:tickLblPos val="nextTo"/>
+        <c:spPr>
+          <a:noFill/>
+          <a:ln w="9525" cap="flat" cmpd="sng" algn="ctr">
+            <a:solidFill>
+              <a:schemeClr val="tx1">
+                <a:lumMod val="15000"/>
+                <a:lumOff val="85000"/>
+              </a:schemeClr>
+            </a:solidFill>
+            <a:round/>
+          </a:ln>
+          <a:effectLst/>
+        </c:spPr>
+        <c:txPr>
+          <a:bodyPr rot="-60000000" spcFirstLastPara="1" vertOverflow="ellipsis" vert="horz" wrap="square" anchor="ctr" anchorCtr="1"/>
+          <a:lstStyle/>
+          <a:p>
+            <a:pPr>
+              <a:defRPr sz="1400" b="0" i="0" u="none" strike="noStrike" kern="1200" baseline="0">
+                <a:solidFill>
+                  <a:schemeClr val="tx1"/>
+                </a:solidFill>
+                <a:latin typeface="+mn-lt"/>
+                <a:ea typeface="+mn-ea"/>
+                <a:cs typeface="+mn-cs"/>
+              </a:defRPr>
+            </a:pPr>
+            <a:endParaRPr lang="en-US"/>
+          </a:p>
+        </c:txPr>
+        <c:crossAx val="-2143402896"/>
+        <c:crosses val="autoZero"/>
+        <c:auto val="1"/>
+        <c:lblAlgn val="ctr"/>
+        <c:lblOffset val="100"/>
+        <c:noMultiLvlLbl val="0"/>
+      </c:catAx>
+      <c:valAx>
+        <c:axId val="-2143402896"/>
+        <c:scaling>
+          <c:orientation val="minMax"/>
+        </c:scaling>
+        <c:delete val="0"/>
+        <c:axPos val="l"/>
+        <c:majorGridlines>
+          <c:spPr>
+            <a:ln w="9525" cap="flat" cmpd="sng" algn="ctr">
+              <a:solidFill>
+                <a:schemeClr val="tx1">
+                  <a:lumMod val="15000"/>
+                  <a:lumOff val="85000"/>
+                </a:schemeClr>
+              </a:solidFill>
+              <a:round/>
+            </a:ln>
+            <a:effectLst/>
+          </c:spPr>
+        </c:majorGridlines>
+        <c:numFmt formatCode="General" sourceLinked="1"/>
+        <c:majorTickMark val="none"/>
+        <c:minorTickMark val="none"/>
+        <c:tickLblPos val="nextTo"/>
+        <c:spPr>
+          <a:noFill/>
+          <a:ln>
+            <a:noFill/>
+          </a:ln>
+          <a:effectLst/>
+        </c:spPr>
+        <c:txPr>
+          <a:bodyPr rot="-60000000" spcFirstLastPara="1" vertOverflow="ellipsis" vert="horz" wrap="square" anchor="ctr" anchorCtr="1"/>
+          <a:lstStyle/>
+          <a:p>
+            <a:pPr>
+              <a:defRPr sz="1400" b="0" i="0" u="none" strike="noStrike" kern="1200" baseline="0">
+                <a:solidFill>
+                  <a:schemeClr val="tx1"/>
+                </a:solidFill>
+                <a:latin typeface="+mn-lt"/>
+                <a:ea typeface="+mn-ea"/>
+                <a:cs typeface="+mn-cs"/>
+              </a:defRPr>
+            </a:pPr>
+            <a:endParaRPr lang="en-US"/>
+          </a:p>
+        </c:txPr>
+        <c:crossAx val="-2143568656"/>
+        <c:crosses val="autoZero"/>
+        <c:crossBetween val="between"/>
+      </c:valAx>
+      <c:spPr>
+        <a:noFill/>
+        <a:ln>
+          <a:noFill/>
+        </a:ln>
+        <a:effectLst/>
+      </c:spPr>
+    </c:plotArea>
+    <c:legend>
+      <c:legendPos val="b"/>
+      <c:layout>
+        <c:manualLayout>
+          <c:xMode val="edge"/>
+          <c:yMode val="edge"/>
+          <c:x val="0.478238232870922"/>
+          <c:y val="0.158605491282136"/>
+          <c:w val="0.51751481767042"/>
+          <c:h val="0.117235589730077"/>
+        </c:manualLayout>
+      </c:layout>
+      <c:overlay val="0"/>
+      <c:spPr>
+        <a:noFill/>
+        <a:ln>
+          <a:noFill/>
+        </a:ln>
+        <a:effectLst/>
+      </c:spPr>
+      <c:txPr>
+        <a:bodyPr rot="0" spcFirstLastPara="1" vertOverflow="ellipsis" vert="horz" wrap="square" anchor="ctr" anchorCtr="1"/>
+        <a:lstStyle/>
+        <a:p>
+          <a:pPr>
+            <a:defRPr sz="1600" b="0" i="0" u="none" strike="noStrike" kern="1200" baseline="0">
+              <a:solidFill>
+                <a:schemeClr val="tx1"/>
+              </a:solidFill>
+              <a:latin typeface="+mn-lt"/>
+              <a:ea typeface="+mn-ea"/>
+              <a:cs typeface="+mn-cs"/>
+            </a:defRPr>
+          </a:pPr>
+          <a:endParaRPr lang="en-US"/>
+        </a:p>
+      </c:txPr>
+    </c:legend>
+    <c:plotVisOnly val="1"/>
+    <c:dispBlanksAs val="gap"/>
+    <c:showDLblsOverMax val="0"/>
+  </c:chart>
+  <c:spPr>
+    <a:noFill/>
+    <a:ln>
+      <a:noFill/>
+    </a:ln>
+    <a:effectLst/>
+  </c:spPr>
+  <c:txPr>
+    <a:bodyPr/>
+    <a:lstStyle/>
+    <a:p>
+      <a:pPr>
+        <a:defRPr/>
+      </a:pPr>
+      <a:endParaRPr lang="en-US"/>
+    </a:p>
+  </c:txPr>
+  <c:externalData r:id="rId3">
+    <c:autoUpdate val="0"/>
+  </c:externalData>
+</c:chartSpace>
+</file>
+
+<file path=ppt/charts/chart6.xml><?xml version="1.0" encoding="utf-8"?>
+<c:chartSpace xmlns:c="http://schemas.openxmlformats.org/drawingml/2006/chart" xmlns:a="http://schemas.openxmlformats.org/drawingml/2006/main" xmlns:r="http://schemas.openxmlformats.org/officeDocument/2006/relationships">
+  <c:date1904 val="0"/>
+  <c:lang val="en-US"/>
+  <c:roundedCorners val="0"/>
+  <mc:AlternateContent xmlns:mc="http://schemas.openxmlformats.org/markup-compatibility/2006">
+    <mc:Choice xmlns:c14="http://schemas.microsoft.com/office/drawing/2007/8/2/chart" Requires="c14">
+      <c14:style val="102"/>
+    </mc:Choice>
+    <mc:Fallback>
+      <c:style val="2"/>
+    </mc:Fallback>
+  </mc:AlternateContent>
+  <c:chart>
+    <c:title>
+      <c:tx>
+        <c:rich>
+          <a:bodyPr rot="0" spcFirstLastPara="1" vertOverflow="ellipsis" vert="horz" wrap="square" anchor="ctr" anchorCtr="1"/>
+          <a:lstStyle/>
+          <a:p>
+            <a:pPr>
+              <a:defRPr sz="1862" b="0" i="0" u="none" strike="noStrike" kern="1200" spc="0" baseline="0">
+                <a:solidFill>
+                  <a:schemeClr val="tx1"/>
+                </a:solidFill>
+                <a:latin typeface="+mn-lt"/>
+                <a:ea typeface="+mn-ea"/>
+                <a:cs typeface="+mn-cs"/>
+              </a:defRPr>
+            </a:pPr>
+            <a:r>
+              <a:rPr lang="en-US" b="1" dirty="0" smtClean="0">
+                <a:solidFill>
+                  <a:schemeClr val="tx1"/>
+                </a:solidFill>
+              </a:rPr>
+              <a:t>Sparse</a:t>
+            </a:r>
+            <a:r>
+              <a:rPr lang="en-US" b="1" baseline="0" dirty="0" smtClean="0">
+                <a:solidFill>
+                  <a:schemeClr val="tx1"/>
+                </a:solidFill>
+              </a:rPr>
+              <a:t> </a:t>
+            </a:r>
+            <a:r>
+              <a:rPr lang="en-US" b="1" baseline="0" dirty="0" err="1" smtClean="0">
+                <a:solidFill>
+                  <a:schemeClr val="tx1"/>
+                </a:solidFill>
+              </a:rPr>
+              <a:t>Cholesky</a:t>
+            </a:r>
+            <a:endParaRPr lang="en-US" b="1" dirty="0">
+              <a:solidFill>
+                <a:schemeClr val="tx1"/>
+              </a:solidFill>
+            </a:endParaRPr>
+          </a:p>
+        </c:rich>
+      </c:tx>
+      <c:overlay val="0"/>
+      <c:spPr>
+        <a:noFill/>
+        <a:ln>
+          <a:noFill/>
+        </a:ln>
+        <a:effectLst/>
+      </c:spPr>
+      <c:txPr>
+        <a:bodyPr rot="0" spcFirstLastPara="1" vertOverflow="ellipsis" vert="horz" wrap="square" anchor="ctr" anchorCtr="1"/>
+        <a:lstStyle/>
+        <a:p>
+          <a:pPr>
+            <a:defRPr sz="1862" b="0" i="0" u="none" strike="noStrike" kern="1200" spc="0" baseline="0">
+              <a:solidFill>
+                <a:schemeClr val="tx1"/>
+              </a:solidFill>
+              <a:latin typeface="+mn-lt"/>
+              <a:ea typeface="+mn-ea"/>
+              <a:cs typeface="+mn-cs"/>
+            </a:defRPr>
+          </a:pPr>
+          <a:endParaRPr lang="en-US"/>
+        </a:p>
+      </c:txPr>
+    </c:title>
+    <c:autoTitleDeleted val="0"/>
+    <c:plotArea>
+      <c:layout>
+        <c:manualLayout>
+          <c:layoutTarget val="inner"/>
+          <c:xMode val="edge"/>
+          <c:yMode val="edge"/>
+          <c:x val="0.205013981809807"/>
+          <c:y val="0.136679676664781"/>
+          <c:w val="0.743636962487198"/>
+          <c:h val="0.679385086479722"/>
+        </c:manualLayout>
+      </c:layout>
+      <c:barChart>
+        <c:barDir val="col"/>
+        <c:grouping val="clustered"/>
+        <c:varyColors val="0"/>
+        <c:ser>
+          <c:idx val="0"/>
+          <c:order val="0"/>
+          <c:tx>
+            <c:strRef>
+              <c:f>Sheet1!$B$1</c:f>
+              <c:strCache>
+                <c:ptCount val="1"/>
+                <c:pt idx="0">
+                  <c:v>No Overlap</c:v>
+                </c:pt>
+              </c:strCache>
+            </c:strRef>
+          </c:tx>
+          <c:spPr>
+            <a:solidFill>
+              <a:schemeClr val="accent6">
+                <a:lumMod val="75000"/>
+              </a:schemeClr>
+            </a:solidFill>
+            <a:ln>
+              <a:solidFill>
+                <a:schemeClr val="tx1"/>
+              </a:solidFill>
+            </a:ln>
+            <a:effectLst/>
+          </c:spPr>
+          <c:invertIfNegative val="0"/>
+          <c:cat>
+            <c:numRef>
+              <c:f>Sheet1!$A$2:$A$5</c:f>
+              <c:numCache>
+                <c:formatCode>General</c:formatCode>
+                <c:ptCount val="4"/>
+                <c:pt idx="0">
+                  <c:v>1.0</c:v>
+                </c:pt>
+                <c:pt idx="1">
+                  <c:v>2.0</c:v>
+                </c:pt>
+                <c:pt idx="2">
+                  <c:v>4.0</c:v>
+                </c:pt>
+                <c:pt idx="3">
+                  <c:v>8.0</c:v>
+                </c:pt>
+              </c:numCache>
+            </c:numRef>
+          </c:cat>
+          <c:val>
+            <c:numRef>
+              <c:f>Sheet1!$B$2:$B$5</c:f>
+              <c:numCache>
+                <c:formatCode>General</c:formatCode>
+                <c:ptCount val="4"/>
+                <c:pt idx="0">
+                  <c:v>0.9641</c:v>
+                </c:pt>
+                <c:pt idx="1">
+                  <c:v>0.531</c:v>
+                </c:pt>
+                <c:pt idx="2">
+                  <c:v>0.2487</c:v>
+                </c:pt>
+                <c:pt idx="3">
+                  <c:v>0.1478</c:v>
+                </c:pt>
+              </c:numCache>
+            </c:numRef>
+          </c:val>
+        </c:ser>
+        <c:ser>
+          <c:idx val="1"/>
+          <c:order val="1"/>
+          <c:tx>
+            <c:strRef>
+              <c:f>Sheet1!$C$1</c:f>
+              <c:strCache>
+                <c:ptCount val="1"/>
+                <c:pt idx="0">
+                  <c:v>Overlap</c:v>
+                </c:pt>
+              </c:strCache>
+            </c:strRef>
+          </c:tx>
+          <c:spPr>
+            <a:solidFill>
+              <a:srgbClr val="FF0000"/>
+            </a:solidFill>
+            <a:ln>
+              <a:solidFill>
+                <a:schemeClr val="tx1"/>
+              </a:solidFill>
+            </a:ln>
+            <a:effectLst/>
+          </c:spPr>
+          <c:invertIfNegative val="0"/>
+          <c:cat>
+            <c:numRef>
+              <c:f>Sheet1!$A$2:$A$5</c:f>
+              <c:numCache>
+                <c:formatCode>General</c:formatCode>
+                <c:ptCount val="4"/>
+                <c:pt idx="0">
+                  <c:v>1.0</c:v>
+                </c:pt>
+                <c:pt idx="1">
+                  <c:v>2.0</c:v>
+                </c:pt>
+                <c:pt idx="2">
+                  <c:v>4.0</c:v>
+                </c:pt>
+                <c:pt idx="3">
+                  <c:v>8.0</c:v>
+                </c:pt>
+              </c:numCache>
+            </c:numRef>
+          </c:cat>
+          <c:val>
+            <c:numRef>
+              <c:f>Sheet1!$C$2:$C$5</c:f>
+              <c:numCache>
+                <c:formatCode>General</c:formatCode>
+                <c:ptCount val="4"/>
+                <c:pt idx="0">
+                  <c:v>0.9357</c:v>
+                </c:pt>
+                <c:pt idx="1">
+                  <c:v>0.508</c:v>
+                </c:pt>
+                <c:pt idx="2">
+                  <c:v>0.2333</c:v>
+                </c:pt>
+                <c:pt idx="3">
+                  <c:v>0.1334</c:v>
+                </c:pt>
+              </c:numCache>
+            </c:numRef>
+          </c:val>
+        </c:ser>
+        <c:dLbls>
+          <c:showLegendKey val="0"/>
+          <c:showVal val="0"/>
+          <c:showCatName val="0"/>
+          <c:showSerName val="0"/>
+          <c:showPercent val="0"/>
+          <c:showBubbleSize val="0"/>
+        </c:dLbls>
+        <c:gapWidth val="219"/>
+        <c:overlap val="-27"/>
+        <c:axId val="-2141985056"/>
+        <c:axId val="-2141906400"/>
+      </c:barChart>
+      <c:catAx>
+        <c:axId val="-2141985056"/>
+        <c:scaling>
+          <c:orientation val="minMax"/>
+        </c:scaling>
+        <c:delete val="0"/>
+        <c:axPos val="b"/>
+        <c:numFmt formatCode="General" sourceLinked="1"/>
+        <c:majorTickMark val="none"/>
+        <c:minorTickMark val="none"/>
+        <c:tickLblPos val="nextTo"/>
+        <c:spPr>
+          <a:noFill/>
+          <a:ln w="9525" cap="flat" cmpd="sng" algn="ctr">
+            <a:solidFill>
+              <a:schemeClr val="tx1">
+                <a:lumMod val="15000"/>
+                <a:lumOff val="85000"/>
+              </a:schemeClr>
+            </a:solidFill>
+            <a:round/>
+          </a:ln>
+          <a:effectLst/>
+        </c:spPr>
+        <c:txPr>
+          <a:bodyPr rot="-60000000" spcFirstLastPara="1" vertOverflow="ellipsis" vert="horz" wrap="square" anchor="ctr" anchorCtr="1"/>
+          <a:lstStyle/>
+          <a:p>
+            <a:pPr>
+              <a:defRPr sz="1400" b="0" i="0" u="none" strike="noStrike" kern="1200" baseline="0">
+                <a:solidFill>
+                  <a:schemeClr val="tx1"/>
+                </a:solidFill>
+                <a:latin typeface="+mn-lt"/>
+                <a:ea typeface="+mn-ea"/>
+                <a:cs typeface="+mn-cs"/>
+              </a:defRPr>
+            </a:pPr>
+            <a:endParaRPr lang="en-US"/>
+          </a:p>
+        </c:txPr>
+        <c:crossAx val="-2141906400"/>
+        <c:crosses val="autoZero"/>
+        <c:auto val="1"/>
+        <c:lblAlgn val="ctr"/>
+        <c:lblOffset val="100"/>
+        <c:noMultiLvlLbl val="0"/>
+      </c:catAx>
+      <c:valAx>
+        <c:axId val="-2141906400"/>
+        <c:scaling>
+          <c:orientation val="minMax"/>
+          <c:max val="1.0"/>
+        </c:scaling>
+        <c:delete val="0"/>
+        <c:axPos val="l"/>
+        <c:majorGridlines>
+          <c:spPr>
+            <a:ln w="9525" cap="flat" cmpd="sng" algn="ctr">
+              <a:solidFill>
+                <a:schemeClr val="tx1">
+                  <a:lumMod val="15000"/>
+                  <a:lumOff val="85000"/>
+                </a:schemeClr>
+              </a:solidFill>
+              <a:round/>
+            </a:ln>
+            <a:effectLst/>
+          </c:spPr>
+        </c:majorGridlines>
+        <c:numFmt formatCode="General" sourceLinked="1"/>
+        <c:majorTickMark val="none"/>
+        <c:minorTickMark val="none"/>
+        <c:tickLblPos val="nextTo"/>
+        <c:spPr>
+          <a:noFill/>
+          <a:ln>
+            <a:noFill/>
+          </a:ln>
+          <a:effectLst/>
+        </c:spPr>
+        <c:txPr>
+          <a:bodyPr rot="-60000000" spcFirstLastPara="1" vertOverflow="ellipsis" vert="horz" wrap="square" anchor="ctr" anchorCtr="1"/>
+          <a:lstStyle/>
+          <a:p>
+            <a:pPr>
+              <a:defRPr sz="1400" b="0" i="0" u="none" strike="noStrike" kern="1200" baseline="0">
+                <a:solidFill>
+                  <a:schemeClr val="tx1"/>
+                </a:solidFill>
+                <a:latin typeface="+mn-lt"/>
+                <a:ea typeface="+mn-ea"/>
+                <a:cs typeface="+mn-cs"/>
+              </a:defRPr>
+            </a:pPr>
+            <a:endParaRPr lang="en-US"/>
+          </a:p>
+        </c:txPr>
+        <c:crossAx val="-2141985056"/>
+        <c:crosses val="autoZero"/>
+        <c:crossBetween val="between"/>
+      </c:valAx>
+      <c:spPr>
+        <a:noFill/>
+        <a:ln>
+          <a:noFill/>
+        </a:ln>
+        <a:effectLst/>
+      </c:spPr>
+    </c:plotArea>
+    <c:legend>
+      <c:legendPos val="b"/>
+      <c:layout>
+        <c:manualLayout>
+          <c:xMode val="edge"/>
+          <c:yMode val="edge"/>
+          <c:x val="0.407436562455972"/>
+          <c:y val="0.200740271548136"/>
+          <c:w val="0.478015544052731"/>
+          <c:h val="0.143969794523942"/>
+        </c:manualLayout>
+      </c:layout>
+      <c:overlay val="0"/>
+      <c:spPr>
+        <a:noFill/>
+        <a:ln>
+          <a:noFill/>
+        </a:ln>
+        <a:effectLst/>
+      </c:spPr>
+      <c:txPr>
+        <a:bodyPr rot="0" spcFirstLastPara="1" vertOverflow="ellipsis" vert="horz" wrap="square" anchor="ctr" anchorCtr="1"/>
+        <a:lstStyle/>
+        <a:p>
+          <a:pPr>
+            <a:defRPr sz="1600" b="0" i="0" u="none" strike="noStrike" kern="1200" baseline="0">
+              <a:solidFill>
+                <a:schemeClr val="tx1"/>
+              </a:solidFill>
+              <a:latin typeface="+mn-lt"/>
+              <a:ea typeface="+mn-ea"/>
+              <a:cs typeface="+mn-cs"/>
+            </a:defRPr>
+          </a:pPr>
+          <a:endParaRPr lang="en-US"/>
+        </a:p>
+      </c:txPr>
+    </c:legend>
+    <c:plotVisOnly val="1"/>
+    <c:dispBlanksAs val="gap"/>
+    <c:showDLblsOverMax val="0"/>
+  </c:chart>
+  <c:spPr>
+    <a:noFill/>
+    <a:ln>
+      <a:noFill/>
+    </a:ln>
+    <a:effectLst/>
+  </c:spPr>
+  <c:txPr>
+    <a:bodyPr/>
+    <a:lstStyle/>
+    <a:p>
+      <a:pPr>
+        <a:defRPr/>
+      </a:pPr>
+      <a:endParaRPr lang="en-US"/>
+    </a:p>
+  </c:txPr>
+  <c:externalData r:id="rId3">
+    <c:autoUpdate val="0"/>
+  </c:externalData>
+</c:chartSpace>
+</file>
+
+<file path=ppt/charts/chart7.xml><?xml version="1.0" encoding="utf-8"?>
+<c:chartSpace xmlns:c="http://schemas.openxmlformats.org/drawingml/2006/chart" xmlns:a="http://schemas.openxmlformats.org/drawingml/2006/main" xmlns:r="http://schemas.openxmlformats.org/officeDocument/2006/relationships">
+  <c:date1904 val="0"/>
+  <c:lang val="en-US"/>
+  <c:roundedCorners val="0"/>
+  <mc:AlternateContent xmlns:mc="http://schemas.openxmlformats.org/markup-compatibility/2006">
+    <mc:Choice xmlns:c14="http://schemas.microsoft.com/office/drawing/2007/8/2/chart" Requires="c14">
+      <c14:style val="102"/>
+    </mc:Choice>
+    <mc:Fallback>
+      <c:style val="2"/>
+    </mc:Fallback>
+  </mc:AlternateContent>
+  <c:chart>
+    <c:title>
+      <c:tx>
+        <c:rich>
+          <a:bodyPr rot="0" spcFirstLastPara="1" vertOverflow="ellipsis" vert="horz" wrap="square" anchor="ctr" anchorCtr="1"/>
+          <a:lstStyle/>
+          <a:p>
+            <a:pPr>
+              <a:defRPr sz="1862" b="0" i="0" u="none" strike="noStrike" kern="1200" spc="0" baseline="0">
+                <a:solidFill>
+                  <a:schemeClr val="tx1"/>
+                </a:solidFill>
+                <a:latin typeface="+mn-lt"/>
+                <a:ea typeface="+mn-ea"/>
+                <a:cs typeface="+mn-cs"/>
+              </a:defRPr>
+            </a:pPr>
+            <a:r>
+              <a:rPr lang="en-US" b="1" dirty="0" smtClean="0">
+                <a:solidFill>
+                  <a:schemeClr val="tx1"/>
+                </a:solidFill>
+              </a:rPr>
+              <a:t>3D</a:t>
+            </a:r>
+            <a:r>
+              <a:rPr lang="en-US" b="1" baseline="0" dirty="0" smtClean="0">
+                <a:solidFill>
+                  <a:schemeClr val="tx1"/>
+                </a:solidFill>
+              </a:rPr>
+              <a:t> Stencil</a:t>
+            </a:r>
+            <a:endParaRPr lang="en-US" b="1" dirty="0">
+              <a:solidFill>
+                <a:schemeClr val="tx1"/>
+              </a:solidFill>
+            </a:endParaRPr>
           </a:p>
         </c:rich>
       </c:tx>
@@ -650,78 +2745,37 @@
           </c:spPr>
           <c:invertIfNegative val="0"/>
           <c:cat>
-            <c:strRef>
-              <c:f>Sheet1!$A$2:$A$11</c:f>
-              <c:strCache>
-                <c:ptCount val="10"/>
+            <c:numRef>
+              <c:f>Sheet1!$A$2:$A$4</c:f>
+              <c:numCache>
+                <c:formatCode>General</c:formatCode>
+                <c:ptCount val="3"/>
                 <c:pt idx="0">
-                  <c:v>16, 1</c:v>
+                  <c:v>4.0</c:v>
                 </c:pt>
                 <c:pt idx="1">
-                  <c:v>32, 2</c:v>
+                  <c:v>8.0</c:v>
                 </c:pt>
                 <c:pt idx="2">
-                  <c:v>64, 4</c:v>
-                </c:pt>
-                <c:pt idx="3">
-                  <c:v>64, 1</c:v>
-                </c:pt>
-                <c:pt idx="4">
-                  <c:v>128, 2</c:v>
-                </c:pt>
-                <c:pt idx="5">
-                  <c:v>256, 1</c:v>
-                </c:pt>
-                <c:pt idx="6">
-                  <c:v>256, 4</c:v>
-                </c:pt>
-                <c:pt idx="7">
-                  <c:v>512, 2</c:v>
-                </c:pt>
-                <c:pt idx="8">
-                  <c:v>512, 8</c:v>
-                </c:pt>
-                <c:pt idx="9">
-                  <c:v>1024, 4</c:v>
-                </c:pt>
-              </c:strCache>
-            </c:strRef>
+                  <c:v>16.0</c:v>
+                </c:pt>
+              </c:numCache>
+            </c:numRef>
           </c:cat>
           <c:val>
             <c:numRef>
-              <c:f>Sheet1!$B$2:$B$11</c:f>
+              <c:f>Sheet1!$B$2:$B$4</c:f>
               <c:numCache>
                 <c:formatCode>General</c:formatCode>
-                <c:ptCount val="10"/>
+                <c:ptCount val="3"/>
                 <c:pt idx="0">
-                  <c:v>0.286</c:v>
+                  <c:v>2.692</c:v>
                 </c:pt>
                 <c:pt idx="1">
-                  <c:v>0.285</c:v>
+                  <c:v>1.911</c:v>
                 </c:pt>
                 <c:pt idx="2">
-                  <c:v>0.197</c:v>
-                </c:pt>
-                <c:pt idx="3">
-                  <c:v>0.589</c:v>
-                </c:pt>
-                <c:pt idx="4">
-                  <c:v>0.385</c:v>
-                </c:pt>
-                <c:pt idx="5">
-                  <c:v>1.119</c:v>
-                </c:pt>
-                <c:pt idx="6">
-                  <c:v>0.347</c:v>
-                </c:pt>
-                <c:pt idx="7">
-                  <c:v>0.883</c:v>
-                </c:pt>
-                <c:pt idx="8">
-                  <c:v>0.523</c:v>
-                </c:pt>
-                <c:pt idx="9">
-                  <c:v>0.713</c:v>
+                  <c:v>1.554</c:v>
                 </c:pt>
               </c:numCache>
             </c:numRef>
@@ -754,78 +2808,37 @@
           </c:spPr>
           <c:invertIfNegative val="0"/>
           <c:cat>
-            <c:strRef>
-              <c:f>Sheet1!$A$2:$A$11</c:f>
-              <c:strCache>
-                <c:ptCount val="10"/>
+            <c:numRef>
+              <c:f>Sheet1!$A$2:$A$4</c:f>
+              <c:numCache>
+                <c:formatCode>General</c:formatCode>
+                <c:ptCount val="3"/>
                 <c:pt idx="0">
-                  <c:v>16, 1</c:v>
+                  <c:v>4.0</c:v>
                 </c:pt>
                 <c:pt idx="1">
-                  <c:v>32, 2</c:v>
+                  <c:v>8.0</c:v>
                 </c:pt>
                 <c:pt idx="2">
-                  <c:v>64, 4</c:v>
-                </c:pt>
-                <c:pt idx="3">
-                  <c:v>64, 1</c:v>
-                </c:pt>
-                <c:pt idx="4">
-                  <c:v>128, 2</c:v>
-                </c:pt>
-                <c:pt idx="5">
-                  <c:v>256, 1</c:v>
-                </c:pt>
-                <c:pt idx="6">
-                  <c:v>256, 4</c:v>
-                </c:pt>
-                <c:pt idx="7">
-                  <c:v>512, 2</c:v>
-                </c:pt>
-                <c:pt idx="8">
-                  <c:v>512, 8</c:v>
-                </c:pt>
-                <c:pt idx="9">
-                  <c:v>1024, 4</c:v>
-                </c:pt>
-              </c:strCache>
-            </c:strRef>
+                  <c:v>16.0</c:v>
+                </c:pt>
+              </c:numCache>
+            </c:numRef>
           </c:cat>
           <c:val>
             <c:numRef>
-              <c:f>Sheet1!$C$2:$C$11</c:f>
+              <c:f>Sheet1!$C$2:$C$4</c:f>
               <c:numCache>
                 <c:formatCode>General</c:formatCode>
-                <c:ptCount val="10"/>
+                <c:ptCount val="3"/>
                 <c:pt idx="0">
-                  <c:v>0.264</c:v>
+                  <c:v>1.963</c:v>
                 </c:pt>
                 <c:pt idx="1">
-                  <c:v>0.283</c:v>
+                  <c:v>1.241</c:v>
                 </c:pt>
                 <c:pt idx="2">
-                  <c:v>0.202</c:v>
-                </c:pt>
-                <c:pt idx="3">
-                  <c:v>0.403</c:v>
-                </c:pt>
-                <c:pt idx="4">
-                  <c:v>0.284</c:v>
-                </c:pt>
-                <c:pt idx="5">
-                  <c:v>0.748</c:v>
-                </c:pt>
-                <c:pt idx="6">
-                  <c:v>0.259</c:v>
-                </c:pt>
-                <c:pt idx="7">
-                  <c:v>0.532</c:v>
-                </c:pt>
-                <c:pt idx="8">
-                  <c:v>0.447</c:v>
-                </c:pt>
-                <c:pt idx="9">
-                  <c:v>0.366</c:v>
+                  <c:v>0.841</c:v>
                 </c:pt>
               </c:numCache>
             </c:numRef>
@@ -841,11 +2854,11 @@
         </c:dLbls>
         <c:gapWidth val="219"/>
         <c:overlap val="-27"/>
-        <c:axId val="2081164976"/>
-        <c:axId val="2130490272"/>
+        <c:axId val="-2143566848"/>
+        <c:axId val="2126639504"/>
       </c:barChart>
       <c:catAx>
-        <c:axId val="2081164976"/>
+        <c:axId val="-2143566848"/>
         <c:scaling>
           <c:orientation val="minMax"/>
         </c:scaling>
@@ -873,6 +2886,894 @@
           <a:lstStyle/>
           <a:p>
             <a:pPr>
+              <a:defRPr sz="1400" b="0" i="0" u="none" strike="noStrike" kern="1200" baseline="0">
+                <a:solidFill>
+                  <a:schemeClr val="tx1"/>
+                </a:solidFill>
+                <a:latin typeface="+mn-lt"/>
+                <a:ea typeface="+mn-ea"/>
+                <a:cs typeface="+mn-cs"/>
+              </a:defRPr>
+            </a:pPr>
+            <a:endParaRPr lang="en-US"/>
+          </a:p>
+        </c:txPr>
+        <c:crossAx val="2126639504"/>
+        <c:crosses val="autoZero"/>
+        <c:auto val="1"/>
+        <c:lblAlgn val="ctr"/>
+        <c:lblOffset val="100"/>
+        <c:noMultiLvlLbl val="0"/>
+      </c:catAx>
+      <c:valAx>
+        <c:axId val="2126639504"/>
+        <c:scaling>
+          <c:orientation val="minMax"/>
+        </c:scaling>
+        <c:delete val="0"/>
+        <c:axPos val="l"/>
+        <c:majorGridlines>
+          <c:spPr>
+            <a:ln w="9525" cap="flat" cmpd="sng" algn="ctr">
+              <a:solidFill>
+                <a:schemeClr val="tx1">
+                  <a:lumMod val="15000"/>
+                  <a:lumOff val="85000"/>
+                </a:schemeClr>
+              </a:solidFill>
+              <a:round/>
+            </a:ln>
+            <a:effectLst/>
+          </c:spPr>
+        </c:majorGridlines>
+        <c:numFmt formatCode="General" sourceLinked="1"/>
+        <c:majorTickMark val="none"/>
+        <c:minorTickMark val="none"/>
+        <c:tickLblPos val="nextTo"/>
+        <c:spPr>
+          <a:noFill/>
+          <a:ln>
+            <a:noFill/>
+          </a:ln>
+          <a:effectLst/>
+        </c:spPr>
+        <c:txPr>
+          <a:bodyPr rot="-60000000" spcFirstLastPara="1" vertOverflow="ellipsis" vert="horz" wrap="square" anchor="ctr" anchorCtr="1"/>
+          <a:lstStyle/>
+          <a:p>
+            <a:pPr>
+              <a:defRPr sz="1400" b="0" i="0" u="none" strike="noStrike" kern="1200" baseline="0">
+                <a:solidFill>
+                  <a:schemeClr val="tx1"/>
+                </a:solidFill>
+                <a:latin typeface="+mn-lt"/>
+                <a:ea typeface="+mn-ea"/>
+                <a:cs typeface="+mn-cs"/>
+              </a:defRPr>
+            </a:pPr>
+            <a:endParaRPr lang="en-US"/>
+          </a:p>
+        </c:txPr>
+        <c:crossAx val="-2143566848"/>
+        <c:crosses val="autoZero"/>
+        <c:crossBetween val="between"/>
+      </c:valAx>
+      <c:spPr>
+        <a:noFill/>
+        <a:ln>
+          <a:noFill/>
+        </a:ln>
+        <a:effectLst/>
+      </c:spPr>
+    </c:plotArea>
+    <c:legend>
+      <c:legendPos val="b"/>
+      <c:layout>
+        <c:manualLayout>
+          <c:xMode val="edge"/>
+          <c:yMode val="edge"/>
+          <c:x val="0.462438523423847"/>
+          <c:y val="0.16582938106468"/>
+          <c:w val="0.51751481767042"/>
+          <c:h val="0.117235589730077"/>
+        </c:manualLayout>
+      </c:layout>
+      <c:overlay val="0"/>
+      <c:spPr>
+        <a:noFill/>
+        <a:ln>
+          <a:noFill/>
+        </a:ln>
+        <a:effectLst/>
+      </c:spPr>
+      <c:txPr>
+        <a:bodyPr rot="0" spcFirstLastPara="1" vertOverflow="ellipsis" vert="horz" wrap="square" anchor="ctr" anchorCtr="1"/>
+        <a:lstStyle/>
+        <a:p>
+          <a:pPr>
+            <a:defRPr sz="1600" b="0" i="0" u="none" strike="noStrike" kern="1200" baseline="0">
+              <a:solidFill>
+                <a:schemeClr val="tx1"/>
+              </a:solidFill>
+              <a:latin typeface="+mn-lt"/>
+              <a:ea typeface="+mn-ea"/>
+              <a:cs typeface="+mn-cs"/>
+            </a:defRPr>
+          </a:pPr>
+          <a:endParaRPr lang="en-US"/>
+        </a:p>
+      </c:txPr>
+    </c:legend>
+    <c:plotVisOnly val="1"/>
+    <c:dispBlanksAs val="gap"/>
+    <c:showDLblsOverMax val="0"/>
+  </c:chart>
+  <c:spPr>
+    <a:noFill/>
+    <a:ln>
+      <a:noFill/>
+    </a:ln>
+    <a:effectLst/>
+  </c:spPr>
+  <c:txPr>
+    <a:bodyPr/>
+    <a:lstStyle/>
+    <a:p>
+      <a:pPr>
+        <a:defRPr/>
+      </a:pPr>
+      <a:endParaRPr lang="en-US"/>
+    </a:p>
+  </c:txPr>
+  <c:externalData r:id="rId3">
+    <c:autoUpdate val="0"/>
+  </c:externalData>
+</c:chartSpace>
+</file>
+
+<file path=ppt/charts/chart8.xml><?xml version="1.0" encoding="utf-8"?>
+<c:chartSpace xmlns:c="http://schemas.openxmlformats.org/drawingml/2006/chart" xmlns:a="http://schemas.openxmlformats.org/drawingml/2006/main" xmlns:r="http://schemas.openxmlformats.org/officeDocument/2006/relationships">
+  <c:date1904 val="0"/>
+  <c:lang val="en-US"/>
+  <c:roundedCorners val="0"/>
+  <mc:AlternateContent xmlns:mc="http://schemas.openxmlformats.org/markup-compatibility/2006">
+    <mc:Choice xmlns:c14="http://schemas.microsoft.com/office/drawing/2007/8/2/chart" Requires="c14">
+      <c14:style val="102"/>
+    </mc:Choice>
+    <mc:Fallback>
+      <c:style val="2"/>
+    </mc:Fallback>
+  </mc:AlternateContent>
+  <c:chart>
+    <c:title>
+      <c:tx>
+        <c:rich>
+          <a:bodyPr rot="0" spcFirstLastPara="1" vertOverflow="ellipsis" vert="horz" wrap="square" anchor="ctr" anchorCtr="1"/>
+          <a:lstStyle/>
+          <a:p>
+            <a:pPr>
+              <a:defRPr sz="1862" b="0" i="0" u="none" strike="noStrike" kern="1200" spc="0" baseline="0">
+                <a:solidFill>
+                  <a:schemeClr val="tx1"/>
+                </a:solidFill>
+                <a:latin typeface="+mn-lt"/>
+                <a:ea typeface="+mn-ea"/>
+                <a:cs typeface="+mn-cs"/>
+              </a:defRPr>
+            </a:pPr>
+            <a:r>
+              <a:rPr lang="en-US" b="1" dirty="0" smtClean="0">
+                <a:solidFill>
+                  <a:schemeClr val="tx1"/>
+                </a:solidFill>
+              </a:rPr>
+              <a:t>Original 2D Cannon</a:t>
+            </a:r>
+          </a:p>
+        </c:rich>
+      </c:tx>
+      <c:overlay val="0"/>
+      <c:spPr>
+        <a:noFill/>
+        <a:ln>
+          <a:noFill/>
+        </a:ln>
+        <a:effectLst/>
+      </c:spPr>
+      <c:txPr>
+        <a:bodyPr rot="0" spcFirstLastPara="1" vertOverflow="ellipsis" vert="horz" wrap="square" anchor="ctr" anchorCtr="1"/>
+        <a:lstStyle/>
+        <a:p>
+          <a:pPr>
+            <a:defRPr sz="1862" b="0" i="0" u="none" strike="noStrike" kern="1200" spc="0" baseline="0">
+              <a:solidFill>
+                <a:schemeClr val="tx1"/>
+              </a:solidFill>
+              <a:latin typeface="+mn-lt"/>
+              <a:ea typeface="+mn-ea"/>
+              <a:cs typeface="+mn-cs"/>
+            </a:defRPr>
+          </a:pPr>
+          <a:endParaRPr lang="en-US"/>
+        </a:p>
+      </c:txPr>
+    </c:title>
+    <c:autoTitleDeleted val="0"/>
+    <c:plotArea>
+      <c:layout>
+        <c:manualLayout>
+          <c:layoutTarget val="inner"/>
+          <c:xMode val="edge"/>
+          <c:yMode val="edge"/>
+          <c:x val="0.205013981809807"/>
+          <c:y val="0.112288154310818"/>
+          <c:w val="0.743636962487198"/>
+          <c:h val="0.703776529566112"/>
+        </c:manualLayout>
+      </c:layout>
+      <c:barChart>
+        <c:barDir val="col"/>
+        <c:grouping val="clustered"/>
+        <c:varyColors val="0"/>
+        <c:ser>
+          <c:idx val="0"/>
+          <c:order val="0"/>
+          <c:tx>
+            <c:strRef>
+              <c:f>Sheet1!$B$1</c:f>
+              <c:strCache>
+                <c:ptCount val="1"/>
+                <c:pt idx="0">
+                  <c:v>No Overlap</c:v>
+                </c:pt>
+              </c:strCache>
+            </c:strRef>
+          </c:tx>
+          <c:spPr>
+            <a:solidFill>
+              <a:schemeClr val="accent6">
+                <a:lumMod val="75000"/>
+              </a:schemeClr>
+            </a:solidFill>
+            <a:ln>
+              <a:solidFill>
+                <a:schemeClr val="tx1"/>
+              </a:solidFill>
+            </a:ln>
+            <a:effectLst/>
+          </c:spPr>
+          <c:invertIfNegative val="0"/>
+          <c:cat>
+            <c:numRef>
+              <c:f>Sheet1!$A$2:$A$4</c:f>
+              <c:numCache>
+                <c:formatCode>General</c:formatCode>
+                <c:ptCount val="3"/>
+                <c:pt idx="0">
+                  <c:v>4.0</c:v>
+                </c:pt>
+                <c:pt idx="1">
+                  <c:v>8.0</c:v>
+                </c:pt>
+                <c:pt idx="2">
+                  <c:v>16.0</c:v>
+                </c:pt>
+              </c:numCache>
+            </c:numRef>
+          </c:cat>
+          <c:val>
+            <c:numRef>
+              <c:f>Sheet1!$B$2:$B$4</c:f>
+              <c:numCache>
+                <c:formatCode>General</c:formatCode>
+                <c:ptCount val="3"/>
+                <c:pt idx="0">
+                  <c:v>1.146</c:v>
+                </c:pt>
+                <c:pt idx="1">
+                  <c:v>1.916</c:v>
+                </c:pt>
+                <c:pt idx="2">
+                  <c:v>2.027</c:v>
+                </c:pt>
+              </c:numCache>
+            </c:numRef>
+          </c:val>
+        </c:ser>
+        <c:ser>
+          <c:idx val="1"/>
+          <c:order val="1"/>
+          <c:tx>
+            <c:strRef>
+              <c:f>Sheet1!$C$1</c:f>
+              <c:strCache>
+                <c:ptCount val="1"/>
+                <c:pt idx="0">
+                  <c:v>Overlap</c:v>
+                </c:pt>
+              </c:strCache>
+            </c:strRef>
+          </c:tx>
+          <c:spPr>
+            <a:solidFill>
+              <a:srgbClr val="FF0000"/>
+            </a:solidFill>
+            <a:ln>
+              <a:solidFill>
+                <a:schemeClr val="tx1"/>
+              </a:solidFill>
+            </a:ln>
+            <a:effectLst/>
+          </c:spPr>
+          <c:invertIfNegative val="0"/>
+          <c:cat>
+            <c:numRef>
+              <c:f>Sheet1!$A$2:$A$4</c:f>
+              <c:numCache>
+                <c:formatCode>General</c:formatCode>
+                <c:ptCount val="3"/>
+                <c:pt idx="0">
+                  <c:v>4.0</c:v>
+                </c:pt>
+                <c:pt idx="1">
+                  <c:v>8.0</c:v>
+                </c:pt>
+                <c:pt idx="2">
+                  <c:v>16.0</c:v>
+                </c:pt>
+              </c:numCache>
+            </c:numRef>
+          </c:cat>
+          <c:val>
+            <c:numRef>
+              <c:f>Sheet1!$C$2:$C$4</c:f>
+              <c:numCache>
+                <c:formatCode>General</c:formatCode>
+                <c:ptCount val="3"/>
+                <c:pt idx="0">
+                  <c:v>1.049</c:v>
+                </c:pt>
+                <c:pt idx="1">
+                  <c:v>1.803</c:v>
+                </c:pt>
+                <c:pt idx="2">
+                  <c:v>1.792</c:v>
+                </c:pt>
+              </c:numCache>
+            </c:numRef>
+          </c:val>
+        </c:ser>
+        <c:dLbls>
+          <c:showLegendKey val="0"/>
+          <c:showVal val="0"/>
+          <c:showCatName val="0"/>
+          <c:showSerName val="0"/>
+          <c:showPercent val="0"/>
+          <c:showBubbleSize val="0"/>
+        </c:dLbls>
+        <c:gapWidth val="219"/>
+        <c:overlap val="-27"/>
+        <c:axId val="-2147345424"/>
+        <c:axId val="-2140645184"/>
+      </c:barChart>
+      <c:catAx>
+        <c:axId val="-2147345424"/>
+        <c:scaling>
+          <c:orientation val="minMax"/>
+        </c:scaling>
+        <c:delete val="0"/>
+        <c:axPos val="b"/>
+        <c:numFmt formatCode="General" sourceLinked="1"/>
+        <c:majorTickMark val="none"/>
+        <c:minorTickMark val="none"/>
+        <c:tickLblPos val="nextTo"/>
+        <c:spPr>
+          <a:noFill/>
+          <a:ln w="9525" cap="flat" cmpd="sng" algn="ctr">
+            <a:solidFill>
+              <a:schemeClr val="tx1">
+                <a:lumMod val="15000"/>
+                <a:lumOff val="85000"/>
+              </a:schemeClr>
+            </a:solidFill>
+            <a:round/>
+          </a:ln>
+          <a:effectLst/>
+        </c:spPr>
+        <c:txPr>
+          <a:bodyPr rot="-60000000" spcFirstLastPara="1" vertOverflow="ellipsis" vert="horz" wrap="square" anchor="ctr" anchorCtr="1"/>
+          <a:lstStyle/>
+          <a:p>
+            <a:pPr>
+              <a:defRPr sz="1400" b="0" i="0" u="none" strike="noStrike" kern="1200" baseline="0">
+                <a:solidFill>
+                  <a:schemeClr val="tx1"/>
+                </a:solidFill>
+                <a:latin typeface="+mn-lt"/>
+                <a:ea typeface="+mn-ea"/>
+                <a:cs typeface="+mn-cs"/>
+              </a:defRPr>
+            </a:pPr>
+            <a:endParaRPr lang="en-US"/>
+          </a:p>
+        </c:txPr>
+        <c:crossAx val="-2140645184"/>
+        <c:crosses val="autoZero"/>
+        <c:auto val="1"/>
+        <c:lblAlgn val="ctr"/>
+        <c:lblOffset val="100"/>
+        <c:noMultiLvlLbl val="0"/>
+      </c:catAx>
+      <c:valAx>
+        <c:axId val="-2140645184"/>
+        <c:scaling>
+          <c:orientation val="minMax"/>
+        </c:scaling>
+        <c:delete val="0"/>
+        <c:axPos val="l"/>
+        <c:majorGridlines>
+          <c:spPr>
+            <a:ln w="9525" cap="flat" cmpd="sng" algn="ctr">
+              <a:solidFill>
+                <a:schemeClr val="tx1">
+                  <a:lumMod val="15000"/>
+                  <a:lumOff val="85000"/>
+                </a:schemeClr>
+              </a:solidFill>
+              <a:round/>
+            </a:ln>
+            <a:effectLst/>
+          </c:spPr>
+        </c:majorGridlines>
+        <c:numFmt formatCode="General" sourceLinked="1"/>
+        <c:majorTickMark val="none"/>
+        <c:minorTickMark val="none"/>
+        <c:tickLblPos val="nextTo"/>
+        <c:spPr>
+          <a:noFill/>
+          <a:ln>
+            <a:noFill/>
+          </a:ln>
+          <a:effectLst/>
+        </c:spPr>
+        <c:txPr>
+          <a:bodyPr rot="-60000000" spcFirstLastPara="1" vertOverflow="ellipsis" vert="horz" wrap="square" anchor="ctr" anchorCtr="1"/>
+          <a:lstStyle/>
+          <a:p>
+            <a:pPr>
+              <a:defRPr sz="1400" b="0" i="0" u="none" strike="noStrike" kern="1200" baseline="0">
+                <a:solidFill>
+                  <a:schemeClr val="tx1"/>
+                </a:solidFill>
+                <a:latin typeface="+mn-lt"/>
+                <a:ea typeface="+mn-ea"/>
+                <a:cs typeface="+mn-cs"/>
+              </a:defRPr>
+            </a:pPr>
+            <a:endParaRPr lang="en-US"/>
+          </a:p>
+        </c:txPr>
+        <c:crossAx val="-2147345424"/>
+        <c:crosses val="autoZero"/>
+        <c:crossBetween val="between"/>
+      </c:valAx>
+      <c:spPr>
+        <a:noFill/>
+        <a:ln>
+          <a:noFill/>
+        </a:ln>
+        <a:effectLst/>
+      </c:spPr>
+    </c:plotArea>
+    <c:legend>
+      <c:legendPos val="b"/>
+      <c:layout>
+        <c:manualLayout>
+          <c:xMode val="edge"/>
+          <c:yMode val="edge"/>
+          <c:x val="0.150691283940995"/>
+          <c:y val="0.132118017832515"/>
+          <c:w val="0.44641612515858"/>
+          <c:h val="0.117235589730077"/>
+        </c:manualLayout>
+      </c:layout>
+      <c:overlay val="0"/>
+      <c:spPr>
+        <a:noFill/>
+        <a:ln>
+          <a:noFill/>
+        </a:ln>
+        <a:effectLst/>
+      </c:spPr>
+      <c:txPr>
+        <a:bodyPr rot="0" spcFirstLastPara="1" vertOverflow="ellipsis" vert="horz" wrap="square" anchor="ctr" anchorCtr="1"/>
+        <a:lstStyle/>
+        <a:p>
+          <a:pPr>
+            <a:defRPr sz="1600" b="0" i="0" u="none" strike="noStrike" kern="1200" baseline="0">
+              <a:solidFill>
+                <a:schemeClr val="tx1"/>
+              </a:solidFill>
+              <a:latin typeface="+mn-lt"/>
+              <a:ea typeface="+mn-ea"/>
+              <a:cs typeface="+mn-cs"/>
+            </a:defRPr>
+          </a:pPr>
+          <a:endParaRPr lang="en-US"/>
+        </a:p>
+      </c:txPr>
+    </c:legend>
+    <c:plotVisOnly val="1"/>
+    <c:dispBlanksAs val="gap"/>
+    <c:showDLblsOverMax val="0"/>
+  </c:chart>
+  <c:spPr>
+    <a:noFill/>
+    <a:ln>
+      <a:noFill/>
+    </a:ln>
+    <a:effectLst/>
+  </c:spPr>
+  <c:txPr>
+    <a:bodyPr/>
+    <a:lstStyle/>
+    <a:p>
+      <a:pPr>
+        <a:defRPr/>
+      </a:pPr>
+      <a:endParaRPr lang="en-US"/>
+    </a:p>
+  </c:txPr>
+  <c:externalData r:id="rId3">
+    <c:autoUpdate val="0"/>
+  </c:externalData>
+</c:chartSpace>
+</file>
+
+<file path=ppt/charts/chart9.xml><?xml version="1.0" encoding="utf-8"?>
+<c:chartSpace xmlns:c="http://schemas.openxmlformats.org/drawingml/2006/chart" xmlns:a="http://schemas.openxmlformats.org/drawingml/2006/main" xmlns:r="http://schemas.openxmlformats.org/officeDocument/2006/relationships">
+  <c:date1904 val="0"/>
+  <c:lang val="en-US"/>
+  <c:roundedCorners val="0"/>
+  <mc:AlternateContent xmlns:mc="http://schemas.openxmlformats.org/markup-compatibility/2006">
+    <mc:Choice xmlns:c14="http://schemas.microsoft.com/office/drawing/2007/8/2/chart" Requires="c14">
+      <c14:style val="102"/>
+    </mc:Choice>
+    <mc:Fallback>
+      <c:style val="2"/>
+    </mc:Fallback>
+  </mc:AlternateContent>
+  <c:chart>
+    <c:title>
+      <c:tx>
+        <c:rich>
+          <a:bodyPr rot="0" spcFirstLastPara="1" vertOverflow="ellipsis" vert="horz" wrap="square" anchor="ctr" anchorCtr="1"/>
+          <a:lstStyle/>
+          <a:p>
+            <a:pPr>
+              <a:defRPr sz="1862" b="0" i="0" u="none" strike="noStrike" kern="1200" spc="0" baseline="0">
+                <a:solidFill>
+                  <a:schemeClr val="tx1"/>
+                </a:solidFill>
+                <a:latin typeface="+mn-lt"/>
+                <a:ea typeface="+mn-ea"/>
+                <a:cs typeface="+mn-cs"/>
+              </a:defRPr>
+            </a:pPr>
+            <a:r>
+              <a:rPr lang="en-US" b="1" smtClean="0">
+                <a:solidFill>
+                  <a:schemeClr val="tx1"/>
+                </a:solidFill>
+              </a:rPr>
+              <a:t>Communication Avoiding </a:t>
+            </a:r>
+            <a:r>
+              <a:rPr lang="en-US" b="1" dirty="0" smtClean="0">
+                <a:solidFill>
+                  <a:schemeClr val="tx1"/>
+                </a:solidFill>
+              </a:rPr>
+              <a:t>(2.5D) Cannon</a:t>
+            </a:r>
+          </a:p>
+        </c:rich>
+      </c:tx>
+      <c:overlay val="0"/>
+      <c:spPr>
+        <a:noFill/>
+        <a:ln>
+          <a:noFill/>
+        </a:ln>
+        <a:effectLst/>
+      </c:spPr>
+      <c:txPr>
+        <a:bodyPr rot="0" spcFirstLastPara="1" vertOverflow="ellipsis" vert="horz" wrap="square" anchor="ctr" anchorCtr="1"/>
+        <a:lstStyle/>
+        <a:p>
+          <a:pPr>
+            <a:defRPr sz="1862" b="0" i="0" u="none" strike="noStrike" kern="1200" spc="0" baseline="0">
+              <a:solidFill>
+                <a:schemeClr val="tx1"/>
+              </a:solidFill>
+              <a:latin typeface="+mn-lt"/>
+              <a:ea typeface="+mn-ea"/>
+              <a:cs typeface="+mn-cs"/>
+            </a:defRPr>
+          </a:pPr>
+          <a:endParaRPr lang="en-US"/>
+        </a:p>
+      </c:txPr>
+    </c:title>
+    <c:autoTitleDeleted val="0"/>
+    <c:plotArea>
+      <c:layout>
+        <c:manualLayout>
+          <c:layoutTarget val="inner"/>
+          <c:xMode val="edge"/>
+          <c:yMode val="edge"/>
+          <c:x val="0.205013981809807"/>
+          <c:y val="0.112288154310818"/>
+          <c:w val="0.743636962487198"/>
+          <c:h val="0.703776529566112"/>
+        </c:manualLayout>
+      </c:layout>
+      <c:barChart>
+        <c:barDir val="col"/>
+        <c:grouping val="clustered"/>
+        <c:varyColors val="0"/>
+        <c:ser>
+          <c:idx val="0"/>
+          <c:order val="0"/>
+          <c:tx>
+            <c:strRef>
+              <c:f>Sheet1!$B$1</c:f>
+              <c:strCache>
+                <c:ptCount val="1"/>
+                <c:pt idx="0">
+                  <c:v>No Overlap</c:v>
+                </c:pt>
+              </c:strCache>
+            </c:strRef>
+          </c:tx>
+          <c:spPr>
+            <a:solidFill>
+              <a:schemeClr val="accent6">
+                <a:lumMod val="75000"/>
+              </a:schemeClr>
+            </a:solidFill>
+            <a:ln>
+              <a:solidFill>
+                <a:schemeClr val="tx1"/>
+              </a:solidFill>
+            </a:ln>
+            <a:effectLst/>
+          </c:spPr>
+          <c:invertIfNegative val="0"/>
+          <c:cat>
+            <c:strRef>
+              <c:f>Sheet1!$A$2:$A$11</c:f>
+              <c:strCache>
+                <c:ptCount val="10"/>
+                <c:pt idx="0">
+                  <c:v>16, 1</c:v>
+                </c:pt>
+                <c:pt idx="1">
+                  <c:v>32, 2</c:v>
+                </c:pt>
+                <c:pt idx="2">
+                  <c:v>64, 4</c:v>
+                </c:pt>
+                <c:pt idx="3">
+                  <c:v>64, 1</c:v>
+                </c:pt>
+                <c:pt idx="4">
+                  <c:v>128, 2</c:v>
+                </c:pt>
+                <c:pt idx="5">
+                  <c:v>256, 1</c:v>
+                </c:pt>
+                <c:pt idx="6">
+                  <c:v>256, 4</c:v>
+                </c:pt>
+                <c:pt idx="7">
+                  <c:v>512, 2</c:v>
+                </c:pt>
+                <c:pt idx="8">
+                  <c:v>512, 8</c:v>
+                </c:pt>
+                <c:pt idx="9">
+                  <c:v>1024, 4</c:v>
+                </c:pt>
+              </c:strCache>
+            </c:strRef>
+          </c:cat>
+          <c:val>
+            <c:numRef>
+              <c:f>Sheet1!$B$2:$B$11</c:f>
+              <c:numCache>
+                <c:formatCode>General</c:formatCode>
+                <c:ptCount val="10"/>
+                <c:pt idx="0">
+                  <c:v>0.286</c:v>
+                </c:pt>
+                <c:pt idx="1">
+                  <c:v>0.285</c:v>
+                </c:pt>
+                <c:pt idx="2">
+                  <c:v>0.197</c:v>
+                </c:pt>
+                <c:pt idx="3">
+                  <c:v>0.589</c:v>
+                </c:pt>
+                <c:pt idx="4">
+                  <c:v>0.385</c:v>
+                </c:pt>
+                <c:pt idx="5">
+                  <c:v>1.119</c:v>
+                </c:pt>
+                <c:pt idx="6">
+                  <c:v>0.347</c:v>
+                </c:pt>
+                <c:pt idx="7">
+                  <c:v>0.883</c:v>
+                </c:pt>
+                <c:pt idx="8">
+                  <c:v>0.523</c:v>
+                </c:pt>
+                <c:pt idx="9">
+                  <c:v>0.713</c:v>
+                </c:pt>
+              </c:numCache>
+            </c:numRef>
+          </c:val>
+        </c:ser>
+        <c:ser>
+          <c:idx val="1"/>
+          <c:order val="1"/>
+          <c:tx>
+            <c:strRef>
+              <c:f>Sheet1!$C$1</c:f>
+              <c:strCache>
+                <c:ptCount val="1"/>
+                <c:pt idx="0">
+                  <c:v>Overlap</c:v>
+                </c:pt>
+              </c:strCache>
+            </c:strRef>
+          </c:tx>
+          <c:spPr>
+            <a:solidFill>
+              <a:srgbClr val="FF0000"/>
+            </a:solidFill>
+            <a:ln>
+              <a:solidFill>
+                <a:schemeClr val="tx1"/>
+              </a:solidFill>
+            </a:ln>
+            <a:effectLst/>
+          </c:spPr>
+          <c:invertIfNegative val="0"/>
+          <c:cat>
+            <c:strRef>
+              <c:f>Sheet1!$A$2:$A$11</c:f>
+              <c:strCache>
+                <c:ptCount val="10"/>
+                <c:pt idx="0">
+                  <c:v>16, 1</c:v>
+                </c:pt>
+                <c:pt idx="1">
+                  <c:v>32, 2</c:v>
+                </c:pt>
+                <c:pt idx="2">
+                  <c:v>64, 4</c:v>
+                </c:pt>
+                <c:pt idx="3">
+                  <c:v>64, 1</c:v>
+                </c:pt>
+                <c:pt idx="4">
+                  <c:v>128, 2</c:v>
+                </c:pt>
+                <c:pt idx="5">
+                  <c:v>256, 1</c:v>
+                </c:pt>
+                <c:pt idx="6">
+                  <c:v>256, 4</c:v>
+                </c:pt>
+                <c:pt idx="7">
+                  <c:v>512, 2</c:v>
+                </c:pt>
+                <c:pt idx="8">
+                  <c:v>512, 8</c:v>
+                </c:pt>
+                <c:pt idx="9">
+                  <c:v>1024, 4</c:v>
+                </c:pt>
+              </c:strCache>
+            </c:strRef>
+          </c:cat>
+          <c:val>
+            <c:numRef>
+              <c:f>Sheet1!$C$2:$C$11</c:f>
+              <c:numCache>
+                <c:formatCode>General</c:formatCode>
+                <c:ptCount val="10"/>
+                <c:pt idx="0">
+                  <c:v>0.264</c:v>
+                </c:pt>
+                <c:pt idx="1">
+                  <c:v>0.283</c:v>
+                </c:pt>
+                <c:pt idx="2">
+                  <c:v>0.202</c:v>
+                </c:pt>
+                <c:pt idx="3">
+                  <c:v>0.403</c:v>
+                </c:pt>
+                <c:pt idx="4">
+                  <c:v>0.284</c:v>
+                </c:pt>
+                <c:pt idx="5">
+                  <c:v>0.748</c:v>
+                </c:pt>
+                <c:pt idx="6">
+                  <c:v>0.259</c:v>
+                </c:pt>
+                <c:pt idx="7">
+                  <c:v>0.532</c:v>
+                </c:pt>
+                <c:pt idx="8">
+                  <c:v>0.447</c:v>
+                </c:pt>
+                <c:pt idx="9">
+                  <c:v>0.366</c:v>
+                </c:pt>
+              </c:numCache>
+            </c:numRef>
+          </c:val>
+        </c:ser>
+        <c:dLbls>
+          <c:showLegendKey val="0"/>
+          <c:showVal val="0"/>
+          <c:showCatName val="0"/>
+          <c:showSerName val="0"/>
+          <c:showPercent val="0"/>
+          <c:showBubbleSize val="0"/>
+        </c:dLbls>
+        <c:gapWidth val="219"/>
+        <c:overlap val="-27"/>
+        <c:axId val="2122631376"/>
+        <c:axId val="2119104400"/>
+      </c:barChart>
+      <c:catAx>
+        <c:axId val="2122631376"/>
+        <c:scaling>
+          <c:orientation val="minMax"/>
+        </c:scaling>
+        <c:delete val="0"/>
+        <c:axPos val="b"/>
+        <c:numFmt formatCode="General" sourceLinked="1"/>
+        <c:majorTickMark val="none"/>
+        <c:minorTickMark val="none"/>
+        <c:tickLblPos val="nextTo"/>
+        <c:spPr>
+          <a:noFill/>
+          <a:ln w="9525" cap="flat" cmpd="sng" algn="ctr">
+            <a:solidFill>
+              <a:schemeClr val="tx1">
+                <a:lumMod val="15000"/>
+                <a:lumOff val="85000"/>
+              </a:schemeClr>
+            </a:solidFill>
+            <a:round/>
+          </a:ln>
+          <a:effectLst/>
+        </c:spPr>
+        <c:txPr>
+          <a:bodyPr rot="-60000000" spcFirstLastPara="1" vertOverflow="ellipsis" vert="horz" wrap="square" anchor="ctr" anchorCtr="1"/>
+          <a:lstStyle/>
+          <a:p>
+            <a:pPr>
               <a:defRPr sz="1800" b="0" i="0" u="none" strike="noStrike" kern="1200" baseline="0">
                 <a:solidFill>
                   <a:schemeClr val="tx1"/>
@@ -885,7 +3786,7 @@
             <a:endParaRPr lang="en-US"/>
           </a:p>
         </c:txPr>
-        <c:crossAx val="2130490272"/>
+        <c:crossAx val="2119104400"/>
         <c:crosses val="autoZero"/>
         <c:auto val="1"/>
         <c:lblAlgn val="ctr"/>
@@ -893,7 +3794,7 @@
         <c:noMultiLvlLbl val="0"/>
       </c:catAx>
       <c:valAx>
-        <c:axId val="2130490272"/>
+        <c:axId val="2119104400"/>
         <c:scaling>
           <c:orientation val="minMax"/>
           <c:max val="1.2"/>
@@ -943,7 +3844,7 @@
             <a:endParaRPr lang="en-US"/>
           </a:p>
         </c:txPr>
-        <c:crossAx val="2081164976"/>
+        <c:crossAx val="2122631376"/>
         <c:crosses val="autoZero"/>
         <c:crossBetween val="between"/>
       </c:valAx>
@@ -1023,3469 +3924,7 @@
 </c:chartSpace>
 </file>
 
-<file path=ppt/charts/chart2.xml><?xml version="1.0" encoding="utf-8"?>
-<c:chartSpace xmlns:c="http://schemas.openxmlformats.org/drawingml/2006/chart" xmlns:a="http://schemas.openxmlformats.org/drawingml/2006/main" xmlns:r="http://schemas.openxmlformats.org/officeDocument/2006/relationships">
-  <c:date1904 val="0"/>
-  <c:lang val="en-US"/>
-  <c:roundedCorners val="0"/>
-  <mc:AlternateContent xmlns:mc="http://schemas.openxmlformats.org/markup-compatibility/2006">
-    <mc:Choice xmlns:c14="http://schemas.microsoft.com/office/drawing/2007/8/2/chart" Requires="c14">
-      <c14:style val="102"/>
-    </mc:Choice>
-    <mc:Fallback>
-      <c:style val="2"/>
-    </mc:Fallback>
-  </mc:AlternateContent>
-  <c:chart>
-    <c:title>
-      <c:tx>
-        <c:rich>
-          <a:bodyPr rot="0" spcFirstLastPara="1" vertOverflow="ellipsis" vert="horz" wrap="square" anchor="ctr" anchorCtr="1"/>
-          <a:lstStyle/>
-          <a:p>
-            <a:pPr>
-              <a:defRPr sz="1862" b="0" i="0" u="none" strike="noStrike" kern="1200" spc="0" baseline="0">
-                <a:solidFill>
-                  <a:schemeClr val="tx1"/>
-                </a:solidFill>
-                <a:latin typeface="+mn-lt"/>
-                <a:ea typeface="+mn-ea"/>
-                <a:cs typeface="+mn-cs"/>
-              </a:defRPr>
-            </a:pPr>
-            <a:r>
-              <a:rPr lang="en-US" b="1" dirty="0" smtClean="0">
-                <a:solidFill>
-                  <a:schemeClr val="tx1"/>
-                </a:solidFill>
-              </a:rPr>
-              <a:t>2.5D Cannon</a:t>
-            </a:r>
-            <a:endParaRPr lang="en-US" b="1" dirty="0">
-              <a:solidFill>
-                <a:schemeClr val="tx1"/>
-              </a:solidFill>
-            </a:endParaRPr>
-          </a:p>
-        </c:rich>
-      </c:tx>
-      <c:layout/>
-      <c:overlay val="0"/>
-      <c:spPr>
-        <a:noFill/>
-        <a:ln>
-          <a:noFill/>
-        </a:ln>
-        <a:effectLst/>
-      </c:spPr>
-      <c:txPr>
-        <a:bodyPr rot="0" spcFirstLastPara="1" vertOverflow="ellipsis" vert="horz" wrap="square" anchor="ctr" anchorCtr="1"/>
-        <a:lstStyle/>
-        <a:p>
-          <a:pPr>
-            <a:defRPr sz="1862" b="0" i="0" u="none" strike="noStrike" kern="1200" spc="0" baseline="0">
-              <a:solidFill>
-                <a:schemeClr val="tx1"/>
-              </a:solidFill>
-              <a:latin typeface="+mn-lt"/>
-              <a:ea typeface="+mn-ea"/>
-              <a:cs typeface="+mn-cs"/>
-            </a:defRPr>
-          </a:pPr>
-          <a:endParaRPr lang="en-US"/>
-        </a:p>
-      </c:txPr>
-    </c:title>
-    <c:autoTitleDeleted val="0"/>
-    <c:plotArea>
-      <c:layout/>
-      <c:barChart>
-        <c:barDir val="col"/>
-        <c:grouping val="clustered"/>
-        <c:varyColors val="0"/>
-        <c:ser>
-          <c:idx val="0"/>
-          <c:order val="0"/>
-          <c:tx>
-            <c:strRef>
-              <c:f>Sheet1!$B$1</c:f>
-              <c:strCache>
-                <c:ptCount val="1"/>
-                <c:pt idx="0">
-                  <c:v>Coarse-Grained</c:v>
-                </c:pt>
-              </c:strCache>
-            </c:strRef>
-          </c:tx>
-          <c:spPr>
-            <a:solidFill>
-              <a:schemeClr val="accent6">
-                <a:lumMod val="75000"/>
-              </a:schemeClr>
-            </a:solidFill>
-            <a:ln>
-              <a:solidFill>
-                <a:schemeClr val="tx1"/>
-              </a:solidFill>
-            </a:ln>
-            <a:effectLst/>
-          </c:spPr>
-          <c:invertIfNegative val="0"/>
-          <c:cat>
-            <c:numRef>
-              <c:f>Sheet1!$A$2:$A$4</c:f>
-              <c:numCache>
-                <c:formatCode>General</c:formatCode>
-                <c:ptCount val="3"/>
-                <c:pt idx="0">
-                  <c:v>1024.0</c:v>
-                </c:pt>
-                <c:pt idx="1">
-                  <c:v>2048.0</c:v>
-                </c:pt>
-                <c:pt idx="2">
-                  <c:v>4096.0</c:v>
-                </c:pt>
-              </c:numCache>
-            </c:numRef>
-          </c:cat>
-          <c:val>
-            <c:numRef>
-              <c:f>Sheet1!$B$2:$B$4</c:f>
-              <c:numCache>
-                <c:formatCode>General</c:formatCode>
-                <c:ptCount val="3"/>
-                <c:pt idx="0">
-                  <c:v>0.022</c:v>
-                </c:pt>
-                <c:pt idx="1">
-                  <c:v>0.1485</c:v>
-                </c:pt>
-                <c:pt idx="2">
-                  <c:v>0.8555</c:v>
-                </c:pt>
-              </c:numCache>
-            </c:numRef>
-          </c:val>
-        </c:ser>
-        <c:ser>
-          <c:idx val="1"/>
-          <c:order val="1"/>
-          <c:tx>
-            <c:strRef>
-              <c:f>Sheet1!$C$1</c:f>
-              <c:strCache>
-                <c:ptCount val="1"/>
-                <c:pt idx="0">
-                  <c:v>Fine-Grained</c:v>
-                </c:pt>
-              </c:strCache>
-            </c:strRef>
-          </c:tx>
-          <c:spPr>
-            <a:solidFill>
-              <a:srgbClr val="FF0000"/>
-            </a:solidFill>
-            <a:ln>
-              <a:solidFill>
-                <a:schemeClr val="tx1"/>
-              </a:solidFill>
-            </a:ln>
-            <a:effectLst/>
-          </c:spPr>
-          <c:invertIfNegative val="0"/>
-          <c:cat>
-            <c:numRef>
-              <c:f>Sheet1!$A$2:$A$4</c:f>
-              <c:numCache>
-                <c:formatCode>General</c:formatCode>
-                <c:ptCount val="3"/>
-                <c:pt idx="0">
-                  <c:v>1024.0</c:v>
-                </c:pt>
-                <c:pt idx="1">
-                  <c:v>2048.0</c:v>
-                </c:pt>
-                <c:pt idx="2">
-                  <c:v>4096.0</c:v>
-                </c:pt>
-              </c:numCache>
-            </c:numRef>
-          </c:cat>
-          <c:val>
-            <c:numRef>
-              <c:f>Sheet1!$C$2:$C$4</c:f>
-              <c:numCache>
-                <c:formatCode>General</c:formatCode>
-                <c:ptCount val="3"/>
-                <c:pt idx="0">
-                  <c:v>0.023</c:v>
-                </c:pt>
-                <c:pt idx="1">
-                  <c:v>0.151</c:v>
-                </c:pt>
-                <c:pt idx="2">
-                  <c:v>0.865</c:v>
-                </c:pt>
-              </c:numCache>
-            </c:numRef>
-          </c:val>
-        </c:ser>
-        <c:dLbls>
-          <c:showLegendKey val="0"/>
-          <c:showVal val="0"/>
-          <c:showCatName val="0"/>
-          <c:showSerName val="0"/>
-          <c:showPercent val="0"/>
-          <c:showBubbleSize val="0"/>
-        </c:dLbls>
-        <c:gapWidth val="219"/>
-        <c:overlap val="-27"/>
-        <c:axId val="2130122464"/>
-        <c:axId val="2129463696"/>
-      </c:barChart>
-      <c:catAx>
-        <c:axId val="2130122464"/>
-        <c:scaling>
-          <c:orientation val="minMax"/>
-        </c:scaling>
-        <c:delete val="0"/>
-        <c:axPos val="b"/>
-        <c:numFmt formatCode="General" sourceLinked="1"/>
-        <c:majorTickMark val="none"/>
-        <c:minorTickMark val="none"/>
-        <c:tickLblPos val="nextTo"/>
-        <c:spPr>
-          <a:noFill/>
-          <a:ln w="9525" cap="flat" cmpd="sng" algn="ctr">
-            <a:solidFill>
-              <a:schemeClr val="tx1">
-                <a:lumMod val="15000"/>
-                <a:lumOff val="85000"/>
-              </a:schemeClr>
-            </a:solidFill>
-            <a:round/>
-          </a:ln>
-          <a:effectLst/>
-        </c:spPr>
-        <c:txPr>
-          <a:bodyPr rot="-60000000" spcFirstLastPara="1" vertOverflow="ellipsis" vert="horz" wrap="square" anchor="ctr" anchorCtr="1"/>
-          <a:lstStyle/>
-          <a:p>
-            <a:pPr>
-              <a:defRPr sz="1400" b="0" i="0" u="none" strike="noStrike" kern="1200" baseline="0">
-                <a:solidFill>
-                  <a:schemeClr val="tx1"/>
-                </a:solidFill>
-                <a:latin typeface="+mn-lt"/>
-                <a:ea typeface="+mn-ea"/>
-                <a:cs typeface="+mn-cs"/>
-              </a:defRPr>
-            </a:pPr>
-            <a:endParaRPr lang="en-US"/>
-          </a:p>
-        </c:txPr>
-        <c:crossAx val="2129463696"/>
-        <c:crosses val="autoZero"/>
-        <c:auto val="1"/>
-        <c:lblAlgn val="ctr"/>
-        <c:lblOffset val="100"/>
-        <c:noMultiLvlLbl val="0"/>
-      </c:catAx>
-      <c:valAx>
-        <c:axId val="2129463696"/>
-        <c:scaling>
-          <c:orientation val="minMax"/>
-        </c:scaling>
-        <c:delete val="0"/>
-        <c:axPos val="l"/>
-        <c:majorGridlines>
-          <c:spPr>
-            <a:ln w="9525" cap="flat" cmpd="sng" algn="ctr">
-              <a:solidFill>
-                <a:schemeClr val="tx1">
-                  <a:lumMod val="15000"/>
-                  <a:lumOff val="85000"/>
-                </a:schemeClr>
-              </a:solidFill>
-              <a:round/>
-            </a:ln>
-            <a:effectLst/>
-          </c:spPr>
-        </c:majorGridlines>
-        <c:numFmt formatCode="General" sourceLinked="1"/>
-        <c:majorTickMark val="none"/>
-        <c:minorTickMark val="none"/>
-        <c:tickLblPos val="nextTo"/>
-        <c:spPr>
-          <a:noFill/>
-          <a:ln>
-            <a:noFill/>
-          </a:ln>
-          <a:effectLst/>
-        </c:spPr>
-        <c:txPr>
-          <a:bodyPr rot="-60000000" spcFirstLastPara="1" vertOverflow="ellipsis" vert="horz" wrap="square" anchor="ctr" anchorCtr="1"/>
-          <a:lstStyle/>
-          <a:p>
-            <a:pPr>
-              <a:defRPr sz="1400" b="0" i="0" u="none" strike="noStrike" kern="1200" baseline="0">
-                <a:solidFill>
-                  <a:schemeClr val="tx1"/>
-                </a:solidFill>
-                <a:latin typeface="+mn-lt"/>
-                <a:ea typeface="+mn-ea"/>
-                <a:cs typeface="+mn-cs"/>
-              </a:defRPr>
-            </a:pPr>
-            <a:endParaRPr lang="en-US"/>
-          </a:p>
-        </c:txPr>
-        <c:crossAx val="2130122464"/>
-        <c:crosses val="autoZero"/>
-        <c:crossBetween val="between"/>
-      </c:valAx>
-      <c:spPr>
-        <a:noFill/>
-        <a:ln>
-          <a:noFill/>
-        </a:ln>
-        <a:effectLst/>
-      </c:spPr>
-    </c:plotArea>
-    <c:legend>
-      <c:legendPos val="b"/>
-      <c:layout>
-        <c:manualLayout>
-          <c:xMode val="edge"/>
-          <c:yMode val="edge"/>
-          <c:x val="0.077649351574326"/>
-          <c:y val="0.272331949337451"/>
-          <c:w val="0.623505053574389"/>
-          <c:h val="0.12852378383455"/>
-        </c:manualLayout>
-      </c:layout>
-      <c:overlay val="0"/>
-      <c:spPr>
-        <a:noFill/>
-        <a:ln>
-          <a:noFill/>
-        </a:ln>
-        <a:effectLst/>
-      </c:spPr>
-      <c:txPr>
-        <a:bodyPr rot="0" spcFirstLastPara="1" vertOverflow="ellipsis" vert="horz" wrap="square" anchor="ctr" anchorCtr="1"/>
-        <a:lstStyle/>
-        <a:p>
-          <a:pPr>
-            <a:defRPr sz="1600" b="0" i="0" u="none" strike="noStrike" kern="1200" baseline="0">
-              <a:solidFill>
-                <a:schemeClr val="tx1"/>
-              </a:solidFill>
-              <a:latin typeface="+mn-lt"/>
-              <a:ea typeface="+mn-ea"/>
-              <a:cs typeface="+mn-cs"/>
-            </a:defRPr>
-          </a:pPr>
-          <a:endParaRPr lang="en-US"/>
-        </a:p>
-      </c:txPr>
-    </c:legend>
-    <c:plotVisOnly val="1"/>
-    <c:dispBlanksAs val="gap"/>
-    <c:showDLblsOverMax val="0"/>
-  </c:chart>
-  <c:spPr>
-    <a:noFill/>
-    <a:ln>
-      <a:noFill/>
-    </a:ln>
-    <a:effectLst/>
-  </c:spPr>
-  <c:txPr>
-    <a:bodyPr/>
-    <a:lstStyle/>
-    <a:p>
-      <a:pPr>
-        <a:defRPr/>
-      </a:pPr>
-      <a:endParaRPr lang="en-US"/>
-    </a:p>
-  </c:txPr>
-  <c:externalData r:id="rId3">
-    <c:autoUpdate val="0"/>
-  </c:externalData>
-</c:chartSpace>
-</file>
-
-<file path=ppt/charts/chart3.xml><?xml version="1.0" encoding="utf-8"?>
-<c:chartSpace xmlns:c="http://schemas.openxmlformats.org/drawingml/2006/chart" xmlns:a="http://schemas.openxmlformats.org/drawingml/2006/main" xmlns:r="http://schemas.openxmlformats.org/officeDocument/2006/relationships">
-  <c:date1904 val="0"/>
-  <c:lang val="en-US"/>
-  <c:roundedCorners val="0"/>
-  <mc:AlternateContent xmlns:mc="http://schemas.openxmlformats.org/markup-compatibility/2006">
-    <mc:Choice xmlns:c14="http://schemas.microsoft.com/office/drawing/2007/8/2/chart" Requires="c14">
-      <c14:style val="102"/>
-    </mc:Choice>
-    <mc:Fallback>
-      <c:style val="2"/>
-    </mc:Fallback>
-  </mc:AlternateContent>
-  <c:chart>
-    <c:title>
-      <c:tx>
-        <c:rich>
-          <a:bodyPr rot="0" spcFirstLastPara="1" vertOverflow="ellipsis" vert="horz" wrap="square" anchor="ctr" anchorCtr="1"/>
-          <a:lstStyle/>
-          <a:p>
-            <a:pPr>
-              <a:defRPr sz="1862" b="0" i="0" u="none" strike="noStrike" kern="1200" spc="0" baseline="0">
-                <a:solidFill>
-                  <a:schemeClr val="tx1">
-                    <a:lumMod val="65000"/>
-                    <a:lumOff val="35000"/>
-                  </a:schemeClr>
-                </a:solidFill>
-                <a:latin typeface="+mn-lt"/>
-                <a:ea typeface="+mn-ea"/>
-                <a:cs typeface="+mn-cs"/>
-              </a:defRPr>
-            </a:pPr>
-            <a:r>
-              <a:rPr lang="en-US" b="1" dirty="0" smtClean="0"/>
-              <a:t>Sparse </a:t>
-            </a:r>
-            <a:r>
-              <a:rPr lang="en-US" b="1" dirty="0" err="1" smtClean="0"/>
-              <a:t>Cholesky</a:t>
-            </a:r>
-            <a:endParaRPr lang="en-US" b="1" dirty="0"/>
-          </a:p>
-        </c:rich>
-      </c:tx>
-      <c:layout>
-        <c:manualLayout>
-          <c:xMode val="edge"/>
-          <c:yMode val="edge"/>
-          <c:x val="0.270091310052728"/>
-          <c:y val="0.00259457904589361"/>
-        </c:manualLayout>
-      </c:layout>
-      <c:overlay val="0"/>
-      <c:spPr>
-        <a:noFill/>
-        <a:ln>
-          <a:noFill/>
-        </a:ln>
-        <a:effectLst/>
-      </c:spPr>
-      <c:txPr>
-        <a:bodyPr rot="0" spcFirstLastPara="1" vertOverflow="ellipsis" vert="horz" wrap="square" anchor="ctr" anchorCtr="1"/>
-        <a:lstStyle/>
-        <a:p>
-          <a:pPr>
-            <a:defRPr sz="1862" b="0" i="0" u="none" strike="noStrike" kern="1200" spc="0" baseline="0">
-              <a:solidFill>
-                <a:schemeClr val="tx1">
-                  <a:lumMod val="65000"/>
-                  <a:lumOff val="35000"/>
-                </a:schemeClr>
-              </a:solidFill>
-              <a:latin typeface="+mn-lt"/>
-              <a:ea typeface="+mn-ea"/>
-              <a:cs typeface="+mn-cs"/>
-            </a:defRPr>
-          </a:pPr>
-          <a:endParaRPr lang="en-US"/>
-        </a:p>
-      </c:txPr>
-    </c:title>
-    <c:autoTitleDeleted val="0"/>
-    <c:plotArea>
-      <c:layout>
-        <c:manualLayout>
-          <c:layoutTarget val="inner"/>
-          <c:xMode val="edge"/>
-          <c:yMode val="edge"/>
-          <c:x val="0.116950152632472"/>
-          <c:y val="0.123975728632365"/>
-          <c:w val="0.838566844401096"/>
-          <c:h val="0.629289610386161"/>
-        </c:manualLayout>
-      </c:layout>
-      <c:lineChart>
-        <c:grouping val="standard"/>
-        <c:varyColors val="0"/>
-        <c:ser>
-          <c:idx val="0"/>
-          <c:order val="0"/>
-          <c:tx>
-            <c:strRef>
-              <c:f>Sheet1!$B$1</c:f>
-              <c:strCache>
-                <c:ptCount val="1"/>
-                <c:pt idx="0">
-                  <c:v>30% filled</c:v>
-                </c:pt>
-              </c:strCache>
-            </c:strRef>
-          </c:tx>
-          <c:spPr>
-            <a:ln w="19050" cap="rnd">
-              <a:solidFill>
-                <a:schemeClr val="accent1"/>
-              </a:solidFill>
-              <a:round/>
-            </a:ln>
-            <a:effectLst/>
-          </c:spPr>
-          <c:marker>
-            <c:symbol val="circle"/>
-            <c:size val="9"/>
-            <c:spPr>
-              <a:solidFill>
-                <a:schemeClr val="accent1"/>
-              </a:solidFill>
-              <a:ln w="50800">
-                <a:solidFill>
-                  <a:schemeClr val="accent1">
-                    <a:lumMod val="75000"/>
-                  </a:schemeClr>
-                </a:solidFill>
-              </a:ln>
-              <a:effectLst/>
-            </c:spPr>
-          </c:marker>
-          <c:cat>
-            <c:numRef>
-              <c:f>Sheet1!$A$2:$A$5</c:f>
-              <c:numCache>
-                <c:formatCode>General</c:formatCode>
-                <c:ptCount val="4"/>
-                <c:pt idx="0">
-                  <c:v>1.0</c:v>
-                </c:pt>
-                <c:pt idx="1">
-                  <c:v>2.0</c:v>
-                </c:pt>
-                <c:pt idx="2">
-                  <c:v>3.0</c:v>
-                </c:pt>
-                <c:pt idx="3">
-                  <c:v>4.0</c:v>
-                </c:pt>
-              </c:numCache>
-            </c:numRef>
-          </c:cat>
-          <c:val>
-            <c:numRef>
-              <c:f>Sheet1!$B$2:$B$5</c:f>
-              <c:numCache>
-                <c:formatCode>General</c:formatCode>
-                <c:ptCount val="4"/>
-                <c:pt idx="0">
-                  <c:v>6.55</c:v>
-                </c:pt>
-                <c:pt idx="1">
-                  <c:v>5.75</c:v>
-                </c:pt>
-                <c:pt idx="2">
-                  <c:v>5.81</c:v>
-                </c:pt>
-                <c:pt idx="3">
-                  <c:v>5.95</c:v>
-                </c:pt>
-              </c:numCache>
-            </c:numRef>
-          </c:val>
-          <c:smooth val="0"/>
-        </c:ser>
-        <c:ser>
-          <c:idx val="1"/>
-          <c:order val="1"/>
-          <c:tx>
-            <c:strRef>
-              <c:f>Sheet1!$C$1</c:f>
-              <c:strCache>
-                <c:ptCount val="1"/>
-                <c:pt idx="0">
-                  <c:v>50% filled</c:v>
-                </c:pt>
-              </c:strCache>
-            </c:strRef>
-          </c:tx>
-          <c:spPr>
-            <a:ln w="19050" cap="rnd">
-              <a:solidFill>
-                <a:schemeClr val="accent6">
-                  <a:lumMod val="75000"/>
-                </a:schemeClr>
-              </a:solidFill>
-              <a:round/>
-            </a:ln>
-            <a:effectLst/>
-          </c:spPr>
-          <c:marker>
-            <c:symbol val="square"/>
-            <c:size val="9"/>
-            <c:spPr>
-              <a:solidFill>
-                <a:schemeClr val="accent6">
-                  <a:lumMod val="50000"/>
-                </a:schemeClr>
-              </a:solidFill>
-              <a:ln w="50800">
-                <a:noFill/>
-              </a:ln>
-              <a:effectLst/>
-            </c:spPr>
-          </c:marker>
-          <c:cat>
-            <c:numRef>
-              <c:f>Sheet1!$A$2:$A$5</c:f>
-              <c:numCache>
-                <c:formatCode>General</c:formatCode>
-                <c:ptCount val="4"/>
-                <c:pt idx="0">
-                  <c:v>1.0</c:v>
-                </c:pt>
-                <c:pt idx="1">
-                  <c:v>2.0</c:v>
-                </c:pt>
-                <c:pt idx="2">
-                  <c:v>3.0</c:v>
-                </c:pt>
-                <c:pt idx="3">
-                  <c:v>4.0</c:v>
-                </c:pt>
-              </c:numCache>
-            </c:numRef>
-          </c:cat>
-          <c:val>
-            <c:numRef>
-              <c:f>Sheet1!$C$2:$C$5</c:f>
-              <c:numCache>
-                <c:formatCode>General</c:formatCode>
-                <c:ptCount val="4"/>
-                <c:pt idx="0">
-                  <c:v>25.39</c:v>
-                </c:pt>
-                <c:pt idx="1">
-                  <c:v>21.8</c:v>
-                </c:pt>
-                <c:pt idx="2">
-                  <c:v>22.01</c:v>
-                </c:pt>
-                <c:pt idx="3">
-                  <c:v>22.32</c:v>
-                </c:pt>
-              </c:numCache>
-            </c:numRef>
-          </c:val>
-          <c:smooth val="0"/>
-        </c:ser>
-        <c:ser>
-          <c:idx val="2"/>
-          <c:order val="2"/>
-          <c:tx>
-            <c:strRef>
-              <c:f>Sheet1!$D$1</c:f>
-              <c:strCache>
-                <c:ptCount val="1"/>
-                <c:pt idx="0">
-                  <c:v>70% filled</c:v>
-                </c:pt>
-              </c:strCache>
-            </c:strRef>
-          </c:tx>
-          <c:spPr>
-            <a:ln w="19050" cap="rnd">
-              <a:solidFill>
-                <a:schemeClr val="accent3"/>
-              </a:solidFill>
-              <a:round/>
-            </a:ln>
-            <a:effectLst/>
-          </c:spPr>
-          <c:marker>
-            <c:symbol val="triangle"/>
-            <c:size val="9"/>
-            <c:spPr>
-              <a:solidFill>
-                <a:srgbClr val="FF0000"/>
-              </a:solidFill>
-              <a:ln w="9525">
-                <a:solidFill>
-                  <a:srgbClr val="FF0000"/>
-                </a:solidFill>
-              </a:ln>
-              <a:effectLst/>
-            </c:spPr>
-          </c:marker>
-          <c:cat>
-            <c:numRef>
-              <c:f>Sheet1!$A$2:$A$5</c:f>
-              <c:numCache>
-                <c:formatCode>General</c:formatCode>
-                <c:ptCount val="4"/>
-                <c:pt idx="0">
-                  <c:v>1.0</c:v>
-                </c:pt>
-                <c:pt idx="1">
-                  <c:v>2.0</c:v>
-                </c:pt>
-                <c:pt idx="2">
-                  <c:v>3.0</c:v>
-                </c:pt>
-                <c:pt idx="3">
-                  <c:v>4.0</c:v>
-                </c:pt>
-              </c:numCache>
-            </c:numRef>
-          </c:cat>
-          <c:val>
-            <c:numRef>
-              <c:f>Sheet1!$D$2:$D$5</c:f>
-              <c:numCache>
-                <c:formatCode>General</c:formatCode>
-                <c:ptCount val="4"/>
-                <c:pt idx="0">
-                  <c:v>46.8</c:v>
-                </c:pt>
-                <c:pt idx="1">
-                  <c:v>42.55</c:v>
-                </c:pt>
-                <c:pt idx="2">
-                  <c:v>41.29</c:v>
-                </c:pt>
-                <c:pt idx="3">
-                  <c:v>39.89</c:v>
-                </c:pt>
-              </c:numCache>
-            </c:numRef>
-          </c:val>
-          <c:smooth val="0"/>
-        </c:ser>
-        <c:dLbls>
-          <c:showLegendKey val="0"/>
-          <c:showVal val="0"/>
-          <c:showCatName val="0"/>
-          <c:showSerName val="0"/>
-          <c:showPercent val="0"/>
-          <c:showBubbleSize val="0"/>
-        </c:dLbls>
-        <c:marker val="1"/>
-        <c:smooth val="0"/>
-        <c:axId val="2127833536"/>
-        <c:axId val="2109509040"/>
-      </c:lineChart>
-      <c:catAx>
-        <c:axId val="2127833536"/>
-        <c:scaling>
-          <c:orientation val="minMax"/>
-        </c:scaling>
-        <c:delete val="0"/>
-        <c:axPos val="b"/>
-        <c:numFmt formatCode="General" sourceLinked="1"/>
-        <c:majorTickMark val="none"/>
-        <c:minorTickMark val="none"/>
-        <c:tickLblPos val="nextTo"/>
-        <c:spPr>
-          <a:noFill/>
-          <a:ln w="9525" cap="flat" cmpd="sng" algn="ctr">
-            <a:solidFill>
-              <a:schemeClr val="tx1">
-                <a:lumMod val="25000"/>
-                <a:lumOff val="75000"/>
-              </a:schemeClr>
-            </a:solidFill>
-            <a:round/>
-          </a:ln>
-          <a:effectLst/>
-        </c:spPr>
-        <c:txPr>
-          <a:bodyPr rot="-60000000" spcFirstLastPara="1" vertOverflow="ellipsis" vert="horz" wrap="square" anchor="ctr" anchorCtr="1"/>
-          <a:lstStyle/>
-          <a:p>
-            <a:pPr>
-              <a:defRPr sz="1400" b="0" i="0" u="none" strike="noStrike" kern="1200" baseline="0">
-                <a:solidFill>
-                  <a:schemeClr val="tx1">
-                    <a:lumMod val="65000"/>
-                    <a:lumOff val="35000"/>
-                  </a:schemeClr>
-                </a:solidFill>
-                <a:latin typeface="+mn-lt"/>
-                <a:ea typeface="+mn-ea"/>
-                <a:cs typeface="+mn-cs"/>
-              </a:defRPr>
-            </a:pPr>
-            <a:endParaRPr lang="en-US"/>
-          </a:p>
-        </c:txPr>
-        <c:crossAx val="2109509040"/>
-        <c:crosses val="autoZero"/>
-        <c:auto val="1"/>
-        <c:lblAlgn val="ctr"/>
-        <c:lblOffset val="100"/>
-        <c:noMultiLvlLbl val="0"/>
-      </c:catAx>
-      <c:valAx>
-        <c:axId val="2109509040"/>
-        <c:scaling>
-          <c:logBase val="2.0"/>
-          <c:orientation val="minMax"/>
-          <c:min val="4.0"/>
-        </c:scaling>
-        <c:delete val="0"/>
-        <c:axPos val="l"/>
-        <c:majorGridlines>
-          <c:spPr>
-            <a:ln w="9525" cap="flat" cmpd="sng" algn="ctr">
-              <a:solidFill>
-                <a:schemeClr val="tx1">
-                  <a:lumMod val="15000"/>
-                  <a:lumOff val="85000"/>
-                </a:schemeClr>
-              </a:solidFill>
-              <a:round/>
-            </a:ln>
-            <a:effectLst/>
-          </c:spPr>
-        </c:majorGridlines>
-        <c:numFmt formatCode="General" sourceLinked="1"/>
-        <c:majorTickMark val="none"/>
-        <c:minorTickMark val="none"/>
-        <c:tickLblPos val="nextTo"/>
-        <c:spPr>
-          <a:noFill/>
-          <a:ln w="25400" cap="flat" cmpd="sng" algn="ctr">
-            <a:noFill/>
-            <a:round/>
-          </a:ln>
-          <a:effectLst/>
-        </c:spPr>
-        <c:txPr>
-          <a:bodyPr rot="-60000000" spcFirstLastPara="1" vertOverflow="ellipsis" vert="horz" wrap="square" anchor="ctr" anchorCtr="1"/>
-          <a:lstStyle/>
-          <a:p>
-            <a:pPr>
-              <a:defRPr sz="1400" b="0" i="0" u="none" strike="noStrike" kern="1200" baseline="0">
-                <a:solidFill>
-                  <a:schemeClr val="tx1">
-                    <a:lumMod val="65000"/>
-                    <a:lumOff val="35000"/>
-                  </a:schemeClr>
-                </a:solidFill>
-                <a:latin typeface="+mn-lt"/>
-                <a:ea typeface="+mn-ea"/>
-                <a:cs typeface="+mn-cs"/>
-              </a:defRPr>
-            </a:pPr>
-            <a:endParaRPr lang="en-US"/>
-          </a:p>
-        </c:txPr>
-        <c:crossAx val="2127833536"/>
-        <c:crosses val="autoZero"/>
-        <c:crossBetween val="between"/>
-      </c:valAx>
-      <c:spPr>
-        <a:noFill/>
-        <a:ln>
-          <a:noFill/>
-        </a:ln>
-        <a:effectLst/>
-      </c:spPr>
-    </c:plotArea>
-    <c:legend>
-      <c:legendPos val="b"/>
-      <c:layout>
-        <c:manualLayout>
-          <c:xMode val="edge"/>
-          <c:yMode val="edge"/>
-          <c:x val="0.0739522514973609"/>
-          <c:y val="0.124928572464652"/>
-          <c:w val="0.9"/>
-          <c:h val="0.0683281242308333"/>
-        </c:manualLayout>
-      </c:layout>
-      <c:overlay val="0"/>
-      <c:spPr>
-        <a:noFill/>
-        <a:ln>
-          <a:noFill/>
-        </a:ln>
-        <a:effectLst/>
-      </c:spPr>
-      <c:txPr>
-        <a:bodyPr rot="0" spcFirstLastPara="1" vertOverflow="ellipsis" vert="horz" wrap="square" anchor="ctr" anchorCtr="1"/>
-        <a:lstStyle/>
-        <a:p>
-          <a:pPr>
-            <a:defRPr sz="1400" b="0" i="0" u="none" strike="noStrike" kern="1200" baseline="0">
-              <a:solidFill>
-                <a:schemeClr val="tx1"/>
-              </a:solidFill>
-              <a:latin typeface="+mn-lt"/>
-              <a:ea typeface="+mn-ea"/>
-              <a:cs typeface="+mn-cs"/>
-            </a:defRPr>
-          </a:pPr>
-          <a:endParaRPr lang="en-US"/>
-        </a:p>
-      </c:txPr>
-    </c:legend>
-    <c:plotVisOnly val="1"/>
-    <c:dispBlanksAs val="gap"/>
-    <c:showDLblsOverMax val="0"/>
-  </c:chart>
-  <c:spPr>
-    <a:noFill/>
-    <a:ln>
-      <a:noFill/>
-    </a:ln>
-    <a:effectLst/>
-  </c:spPr>
-  <c:txPr>
-    <a:bodyPr/>
-    <a:lstStyle/>
-    <a:p>
-      <a:pPr>
-        <a:defRPr/>
-      </a:pPr>
-      <a:endParaRPr lang="en-US"/>
-    </a:p>
-  </c:txPr>
-  <c:externalData r:id="rId3">
-    <c:autoUpdate val="0"/>
-  </c:externalData>
-</c:chartSpace>
-</file>
-
-<file path=ppt/charts/chart4.xml><?xml version="1.0" encoding="utf-8"?>
-<c:chartSpace xmlns:c="http://schemas.openxmlformats.org/drawingml/2006/chart" xmlns:a="http://schemas.openxmlformats.org/drawingml/2006/main" xmlns:r="http://schemas.openxmlformats.org/officeDocument/2006/relationships">
-  <c:date1904 val="0"/>
-  <c:lang val="en-US"/>
-  <c:roundedCorners val="0"/>
-  <mc:AlternateContent xmlns:mc="http://schemas.openxmlformats.org/markup-compatibility/2006">
-    <mc:Choice xmlns:c14="http://schemas.microsoft.com/office/drawing/2007/8/2/chart" Requires="c14">
-      <c14:style val="102"/>
-    </mc:Choice>
-    <mc:Fallback>
-      <c:style val="2"/>
-    </mc:Fallback>
-  </mc:AlternateContent>
-  <c:chart>
-    <c:title>
-      <c:tx>
-        <c:rich>
-          <a:bodyPr rot="0" spcFirstLastPara="1" vertOverflow="ellipsis" vert="horz" wrap="square" anchor="ctr" anchorCtr="1"/>
-          <a:lstStyle/>
-          <a:p>
-            <a:pPr>
-              <a:defRPr sz="1862" b="0" i="0" u="none" strike="noStrike" kern="1200" spc="0" baseline="0">
-                <a:solidFill>
-                  <a:schemeClr val="tx1"/>
-                </a:solidFill>
-                <a:latin typeface="+mn-lt"/>
-                <a:ea typeface="+mn-ea"/>
-                <a:cs typeface="+mn-cs"/>
-              </a:defRPr>
-            </a:pPr>
-            <a:r>
-              <a:rPr lang="en-US" b="1" dirty="0" smtClean="0">
-                <a:solidFill>
-                  <a:schemeClr val="tx1"/>
-                </a:solidFill>
-              </a:rPr>
-              <a:t>Sparse</a:t>
-            </a:r>
-            <a:r>
-              <a:rPr lang="en-US" b="1" baseline="0" dirty="0" smtClean="0">
-                <a:solidFill>
-                  <a:schemeClr val="tx1"/>
-                </a:solidFill>
-              </a:rPr>
-              <a:t> </a:t>
-            </a:r>
-            <a:r>
-              <a:rPr lang="en-US" b="1" baseline="0" dirty="0" err="1" smtClean="0">
-                <a:solidFill>
-                  <a:schemeClr val="tx1"/>
-                </a:solidFill>
-              </a:rPr>
-              <a:t>Cholesky</a:t>
-            </a:r>
-            <a:endParaRPr lang="en-US" b="1" dirty="0">
-              <a:solidFill>
-                <a:schemeClr val="tx1"/>
-              </a:solidFill>
-            </a:endParaRPr>
-          </a:p>
-        </c:rich>
-      </c:tx>
-      <c:layout/>
-      <c:overlay val="0"/>
-      <c:spPr>
-        <a:noFill/>
-        <a:ln>
-          <a:noFill/>
-        </a:ln>
-        <a:effectLst/>
-      </c:spPr>
-      <c:txPr>
-        <a:bodyPr rot="0" spcFirstLastPara="1" vertOverflow="ellipsis" vert="horz" wrap="square" anchor="ctr" anchorCtr="1"/>
-        <a:lstStyle/>
-        <a:p>
-          <a:pPr>
-            <a:defRPr sz="1862" b="0" i="0" u="none" strike="noStrike" kern="1200" spc="0" baseline="0">
-              <a:solidFill>
-                <a:schemeClr val="tx1"/>
-              </a:solidFill>
-              <a:latin typeface="+mn-lt"/>
-              <a:ea typeface="+mn-ea"/>
-              <a:cs typeface="+mn-cs"/>
-            </a:defRPr>
-          </a:pPr>
-          <a:endParaRPr lang="en-US"/>
-        </a:p>
-      </c:txPr>
-    </c:title>
-    <c:autoTitleDeleted val="0"/>
-    <c:plotArea>
-      <c:layout>
-        <c:manualLayout>
-          <c:layoutTarget val="inner"/>
-          <c:xMode val="edge"/>
-          <c:yMode val="edge"/>
-          <c:x val="0.205013981809807"/>
-          <c:y val="0.136679676664781"/>
-          <c:w val="0.743636962487198"/>
-          <c:h val="0.679385086479722"/>
-        </c:manualLayout>
-      </c:layout>
-      <c:barChart>
-        <c:barDir val="col"/>
-        <c:grouping val="clustered"/>
-        <c:varyColors val="0"/>
-        <c:ser>
-          <c:idx val="0"/>
-          <c:order val="0"/>
-          <c:tx>
-            <c:strRef>
-              <c:f>Sheet1!$B$1</c:f>
-              <c:strCache>
-                <c:ptCount val="1"/>
-                <c:pt idx="0">
-                  <c:v>Blocking</c:v>
-                </c:pt>
-              </c:strCache>
-            </c:strRef>
-          </c:tx>
-          <c:spPr>
-            <a:solidFill>
-              <a:schemeClr val="accent6">
-                <a:lumMod val="75000"/>
-              </a:schemeClr>
-            </a:solidFill>
-            <a:ln>
-              <a:solidFill>
-                <a:schemeClr val="tx1"/>
-              </a:solidFill>
-            </a:ln>
-            <a:effectLst/>
-          </c:spPr>
-          <c:invertIfNegative val="0"/>
-          <c:cat>
-            <c:numRef>
-              <c:f>Sheet1!$A$2:$A$4</c:f>
-              <c:numCache>
-                <c:formatCode>General</c:formatCode>
-                <c:ptCount val="3"/>
-                <c:pt idx="0">
-                  <c:v>1.0</c:v>
-                </c:pt>
-                <c:pt idx="1">
-                  <c:v>2.0</c:v>
-                </c:pt>
-                <c:pt idx="2">
-                  <c:v>4.0</c:v>
-                </c:pt>
-              </c:numCache>
-            </c:numRef>
-          </c:cat>
-          <c:val>
-            <c:numRef>
-              <c:f>Sheet1!$B$2:$B$4</c:f>
-              <c:numCache>
-                <c:formatCode>General</c:formatCode>
-                <c:ptCount val="3"/>
-                <c:pt idx="0">
-                  <c:v>0.0979</c:v>
-                </c:pt>
-                <c:pt idx="1">
-                  <c:v>0.062</c:v>
-                </c:pt>
-                <c:pt idx="2">
-                  <c:v>0.0395</c:v>
-                </c:pt>
-              </c:numCache>
-            </c:numRef>
-          </c:val>
-        </c:ser>
-        <c:ser>
-          <c:idx val="1"/>
-          <c:order val="1"/>
-          <c:tx>
-            <c:strRef>
-              <c:f>Sheet1!$C$1</c:f>
-              <c:strCache>
-                <c:ptCount val="1"/>
-                <c:pt idx="0">
-                  <c:v>Non-blocking</c:v>
-                </c:pt>
-              </c:strCache>
-            </c:strRef>
-          </c:tx>
-          <c:spPr>
-            <a:solidFill>
-              <a:srgbClr val="FF0000"/>
-            </a:solidFill>
-            <a:ln>
-              <a:solidFill>
-                <a:schemeClr val="tx1"/>
-              </a:solidFill>
-            </a:ln>
-            <a:effectLst/>
-          </c:spPr>
-          <c:invertIfNegative val="0"/>
-          <c:cat>
-            <c:numRef>
-              <c:f>Sheet1!$A$2:$A$4</c:f>
-              <c:numCache>
-                <c:formatCode>General</c:formatCode>
-                <c:ptCount val="3"/>
-                <c:pt idx="0">
-                  <c:v>1.0</c:v>
-                </c:pt>
-                <c:pt idx="1">
-                  <c:v>2.0</c:v>
-                </c:pt>
-                <c:pt idx="2">
-                  <c:v>4.0</c:v>
-                </c:pt>
-              </c:numCache>
-            </c:numRef>
-          </c:cat>
-          <c:val>
-            <c:numRef>
-              <c:f>Sheet1!$C$2:$C$4</c:f>
-              <c:numCache>
-                <c:formatCode>General</c:formatCode>
-                <c:ptCount val="3"/>
-                <c:pt idx="0">
-                  <c:v>0.0946</c:v>
-                </c:pt>
-                <c:pt idx="1">
-                  <c:v>0.0552</c:v>
-                </c:pt>
-                <c:pt idx="2">
-                  <c:v>0.036</c:v>
-                </c:pt>
-              </c:numCache>
-            </c:numRef>
-          </c:val>
-        </c:ser>
-        <c:dLbls>
-          <c:showLegendKey val="0"/>
-          <c:showVal val="0"/>
-          <c:showCatName val="0"/>
-          <c:showSerName val="0"/>
-          <c:showPercent val="0"/>
-          <c:showBubbleSize val="0"/>
-        </c:dLbls>
-        <c:gapWidth val="219"/>
-        <c:overlap val="-27"/>
-        <c:axId val="2130368544"/>
-        <c:axId val="2145667264"/>
-      </c:barChart>
-      <c:catAx>
-        <c:axId val="2130368544"/>
-        <c:scaling>
-          <c:orientation val="minMax"/>
-        </c:scaling>
-        <c:delete val="0"/>
-        <c:axPos val="b"/>
-        <c:numFmt formatCode="General" sourceLinked="1"/>
-        <c:majorTickMark val="none"/>
-        <c:minorTickMark val="none"/>
-        <c:tickLblPos val="nextTo"/>
-        <c:spPr>
-          <a:noFill/>
-          <a:ln w="9525" cap="flat" cmpd="sng" algn="ctr">
-            <a:solidFill>
-              <a:schemeClr val="tx1">
-                <a:lumMod val="15000"/>
-                <a:lumOff val="85000"/>
-              </a:schemeClr>
-            </a:solidFill>
-            <a:round/>
-          </a:ln>
-          <a:effectLst/>
-        </c:spPr>
-        <c:txPr>
-          <a:bodyPr rot="-60000000" spcFirstLastPara="1" vertOverflow="ellipsis" vert="horz" wrap="square" anchor="ctr" anchorCtr="1"/>
-          <a:lstStyle/>
-          <a:p>
-            <a:pPr>
-              <a:defRPr sz="1400" b="0" i="0" u="none" strike="noStrike" kern="1200" baseline="0">
-                <a:solidFill>
-                  <a:schemeClr val="tx1"/>
-                </a:solidFill>
-                <a:latin typeface="+mn-lt"/>
-                <a:ea typeface="+mn-ea"/>
-                <a:cs typeface="+mn-cs"/>
-              </a:defRPr>
-            </a:pPr>
-            <a:endParaRPr lang="en-US"/>
-          </a:p>
-        </c:txPr>
-        <c:crossAx val="2145667264"/>
-        <c:crosses val="autoZero"/>
-        <c:auto val="1"/>
-        <c:lblAlgn val="ctr"/>
-        <c:lblOffset val="100"/>
-        <c:noMultiLvlLbl val="0"/>
-      </c:catAx>
-      <c:valAx>
-        <c:axId val="2145667264"/>
-        <c:scaling>
-          <c:orientation val="minMax"/>
-        </c:scaling>
-        <c:delete val="0"/>
-        <c:axPos val="l"/>
-        <c:majorGridlines>
-          <c:spPr>
-            <a:ln w="9525" cap="flat" cmpd="sng" algn="ctr">
-              <a:solidFill>
-                <a:schemeClr val="tx1">
-                  <a:lumMod val="15000"/>
-                  <a:lumOff val="85000"/>
-                </a:schemeClr>
-              </a:solidFill>
-              <a:round/>
-            </a:ln>
-            <a:effectLst/>
-          </c:spPr>
-        </c:majorGridlines>
-        <c:numFmt formatCode="General" sourceLinked="1"/>
-        <c:majorTickMark val="none"/>
-        <c:minorTickMark val="none"/>
-        <c:tickLblPos val="nextTo"/>
-        <c:spPr>
-          <a:noFill/>
-          <a:ln>
-            <a:noFill/>
-          </a:ln>
-          <a:effectLst/>
-        </c:spPr>
-        <c:txPr>
-          <a:bodyPr rot="-60000000" spcFirstLastPara="1" vertOverflow="ellipsis" vert="horz" wrap="square" anchor="ctr" anchorCtr="1"/>
-          <a:lstStyle/>
-          <a:p>
-            <a:pPr>
-              <a:defRPr sz="1400" b="0" i="0" u="none" strike="noStrike" kern="1200" baseline="0">
-                <a:solidFill>
-                  <a:schemeClr val="tx1"/>
-                </a:solidFill>
-                <a:latin typeface="+mn-lt"/>
-                <a:ea typeface="+mn-ea"/>
-                <a:cs typeface="+mn-cs"/>
-              </a:defRPr>
-            </a:pPr>
-            <a:endParaRPr lang="en-US"/>
-          </a:p>
-        </c:txPr>
-        <c:crossAx val="2130368544"/>
-        <c:crosses val="autoZero"/>
-        <c:crossBetween val="between"/>
-      </c:valAx>
-      <c:spPr>
-        <a:noFill/>
-        <a:ln>
-          <a:noFill/>
-        </a:ln>
-        <a:effectLst/>
-      </c:spPr>
-    </c:plotArea>
-    <c:legend>
-      <c:legendPos val="b"/>
-      <c:layout>
-        <c:manualLayout>
-          <c:xMode val="edge"/>
-          <c:yMode val="edge"/>
-          <c:x val="0.514084601223731"/>
-          <c:y val="0.17878794746346"/>
-          <c:w val="0.478015544052731"/>
-          <c:h val="0.143969794523942"/>
-        </c:manualLayout>
-      </c:layout>
-      <c:overlay val="0"/>
-      <c:spPr>
-        <a:noFill/>
-        <a:ln>
-          <a:noFill/>
-        </a:ln>
-        <a:effectLst/>
-      </c:spPr>
-      <c:txPr>
-        <a:bodyPr rot="0" spcFirstLastPara="1" vertOverflow="ellipsis" vert="horz" wrap="square" anchor="ctr" anchorCtr="1"/>
-        <a:lstStyle/>
-        <a:p>
-          <a:pPr>
-            <a:defRPr sz="1600" b="0" i="0" u="none" strike="noStrike" kern="1200" baseline="0">
-              <a:solidFill>
-                <a:schemeClr val="tx1"/>
-              </a:solidFill>
-              <a:latin typeface="+mn-lt"/>
-              <a:ea typeface="+mn-ea"/>
-              <a:cs typeface="+mn-cs"/>
-            </a:defRPr>
-          </a:pPr>
-          <a:endParaRPr lang="en-US"/>
-        </a:p>
-      </c:txPr>
-    </c:legend>
-    <c:plotVisOnly val="1"/>
-    <c:dispBlanksAs val="gap"/>
-    <c:showDLblsOverMax val="0"/>
-  </c:chart>
-  <c:spPr>
-    <a:noFill/>
-    <a:ln>
-      <a:noFill/>
-    </a:ln>
-    <a:effectLst/>
-  </c:spPr>
-  <c:txPr>
-    <a:bodyPr/>
-    <a:lstStyle/>
-    <a:p>
-      <a:pPr>
-        <a:defRPr/>
-      </a:pPr>
-      <a:endParaRPr lang="en-US"/>
-    </a:p>
-  </c:txPr>
-  <c:externalData r:id="rId3">
-    <c:autoUpdate val="0"/>
-  </c:externalData>
-</c:chartSpace>
-</file>
-
-<file path=ppt/charts/chart5.xml><?xml version="1.0" encoding="utf-8"?>
-<c:chartSpace xmlns:c="http://schemas.openxmlformats.org/drawingml/2006/chart" xmlns:a="http://schemas.openxmlformats.org/drawingml/2006/main" xmlns:r="http://schemas.openxmlformats.org/officeDocument/2006/relationships">
-  <c:date1904 val="0"/>
-  <c:lang val="en-US"/>
-  <c:roundedCorners val="0"/>
-  <mc:AlternateContent xmlns:mc="http://schemas.openxmlformats.org/markup-compatibility/2006">
-    <mc:Choice xmlns:c14="http://schemas.microsoft.com/office/drawing/2007/8/2/chart" Requires="c14">
-      <c14:style val="102"/>
-    </mc:Choice>
-    <mc:Fallback>
-      <c:style val="2"/>
-    </mc:Fallback>
-  </mc:AlternateContent>
-  <c:chart>
-    <c:title>
-      <c:tx>
-        <c:rich>
-          <a:bodyPr rot="0" spcFirstLastPara="1" vertOverflow="ellipsis" vert="horz" wrap="square" anchor="ctr" anchorCtr="1"/>
-          <a:lstStyle/>
-          <a:p>
-            <a:pPr>
-              <a:defRPr sz="1862" b="0" i="0" u="none" strike="noStrike" kern="1200" spc="0" baseline="0">
-                <a:solidFill>
-                  <a:schemeClr val="tx1"/>
-                </a:solidFill>
-                <a:latin typeface="+mn-lt"/>
-                <a:ea typeface="+mn-ea"/>
-                <a:cs typeface="+mn-cs"/>
-              </a:defRPr>
-            </a:pPr>
-            <a:r>
-              <a:rPr lang="en-US" b="1" dirty="0" smtClean="0">
-                <a:solidFill>
-                  <a:schemeClr val="tx1"/>
-                </a:solidFill>
-              </a:rPr>
-              <a:t>2.5 Cannon</a:t>
-            </a:r>
-            <a:endParaRPr lang="en-US" b="1" dirty="0">
-              <a:solidFill>
-                <a:schemeClr val="tx1"/>
-              </a:solidFill>
-            </a:endParaRPr>
-          </a:p>
-        </c:rich>
-      </c:tx>
-      <c:layout/>
-      <c:overlay val="0"/>
-      <c:spPr>
-        <a:noFill/>
-        <a:ln>
-          <a:noFill/>
-        </a:ln>
-        <a:effectLst/>
-      </c:spPr>
-      <c:txPr>
-        <a:bodyPr rot="0" spcFirstLastPara="1" vertOverflow="ellipsis" vert="horz" wrap="square" anchor="ctr" anchorCtr="1"/>
-        <a:lstStyle/>
-        <a:p>
-          <a:pPr>
-            <a:defRPr sz="1862" b="0" i="0" u="none" strike="noStrike" kern="1200" spc="0" baseline="0">
-              <a:solidFill>
-                <a:schemeClr val="tx1"/>
-              </a:solidFill>
-              <a:latin typeface="+mn-lt"/>
-              <a:ea typeface="+mn-ea"/>
-              <a:cs typeface="+mn-cs"/>
-            </a:defRPr>
-          </a:pPr>
-          <a:endParaRPr lang="en-US"/>
-        </a:p>
-      </c:txPr>
-    </c:title>
-    <c:autoTitleDeleted val="0"/>
-    <c:plotArea>
-      <c:layout>
-        <c:manualLayout>
-          <c:layoutTarget val="inner"/>
-          <c:xMode val="edge"/>
-          <c:yMode val="edge"/>
-          <c:x val="0.106976784690704"/>
-          <c:y val="0.115873483440533"/>
-          <c:w val="0.841674159606301"/>
-          <c:h val="0.713073672247676"/>
-        </c:manualLayout>
-      </c:layout>
-      <c:barChart>
-        <c:barDir val="col"/>
-        <c:grouping val="clustered"/>
-        <c:varyColors val="0"/>
-        <c:ser>
-          <c:idx val="0"/>
-          <c:order val="0"/>
-          <c:tx>
-            <c:strRef>
-              <c:f>Sheet1!$B$1</c:f>
-              <c:strCache>
-                <c:ptCount val="1"/>
-                <c:pt idx="0">
-                  <c:v>Blocking</c:v>
-                </c:pt>
-              </c:strCache>
-            </c:strRef>
-          </c:tx>
-          <c:spPr>
-            <a:solidFill>
-              <a:schemeClr val="accent6">
-                <a:lumMod val="75000"/>
-              </a:schemeClr>
-            </a:solidFill>
-            <a:ln>
-              <a:solidFill>
-                <a:schemeClr val="tx1"/>
-              </a:solidFill>
-            </a:ln>
-            <a:effectLst/>
-          </c:spPr>
-          <c:invertIfNegative val="0"/>
-          <c:cat>
-            <c:numRef>
-              <c:f>Sheet1!$A$2:$A$4</c:f>
-              <c:numCache>
-                <c:formatCode>General</c:formatCode>
-                <c:ptCount val="3"/>
-                <c:pt idx="0">
-                  <c:v>1.0</c:v>
-                </c:pt>
-                <c:pt idx="1">
-                  <c:v>2.0</c:v>
-                </c:pt>
-                <c:pt idx="2">
-                  <c:v>4.0</c:v>
-                </c:pt>
-              </c:numCache>
-            </c:numRef>
-          </c:cat>
-          <c:val>
-            <c:numRef>
-              <c:f>Sheet1!$B$2:$B$4</c:f>
-              <c:numCache>
-                <c:formatCode>General</c:formatCode>
-                <c:ptCount val="3"/>
-                <c:pt idx="0">
-                  <c:v>5.226999999999999</c:v>
-                </c:pt>
-                <c:pt idx="1">
-                  <c:v>3.83</c:v>
-                </c:pt>
-                <c:pt idx="2">
-                  <c:v>2.706</c:v>
-                </c:pt>
-              </c:numCache>
-            </c:numRef>
-          </c:val>
-        </c:ser>
-        <c:ser>
-          <c:idx val="1"/>
-          <c:order val="1"/>
-          <c:tx>
-            <c:strRef>
-              <c:f>Sheet1!$C$1</c:f>
-              <c:strCache>
-                <c:ptCount val="1"/>
-                <c:pt idx="0">
-                  <c:v>Non-blocking</c:v>
-                </c:pt>
-              </c:strCache>
-            </c:strRef>
-          </c:tx>
-          <c:spPr>
-            <a:solidFill>
-              <a:srgbClr val="FF0000"/>
-            </a:solidFill>
-            <a:ln>
-              <a:solidFill>
-                <a:schemeClr val="tx1"/>
-              </a:solidFill>
-            </a:ln>
-            <a:effectLst/>
-          </c:spPr>
-          <c:invertIfNegative val="0"/>
-          <c:cat>
-            <c:numRef>
-              <c:f>Sheet1!$A$2:$A$4</c:f>
-              <c:numCache>
-                <c:formatCode>General</c:formatCode>
-                <c:ptCount val="3"/>
-                <c:pt idx="0">
-                  <c:v>1.0</c:v>
-                </c:pt>
-                <c:pt idx="1">
-                  <c:v>2.0</c:v>
-                </c:pt>
-                <c:pt idx="2">
-                  <c:v>4.0</c:v>
-                </c:pt>
-              </c:numCache>
-            </c:numRef>
-          </c:cat>
-          <c:val>
-            <c:numRef>
-              <c:f>Sheet1!$C$2:$C$4</c:f>
-              <c:numCache>
-                <c:formatCode>General</c:formatCode>
-                <c:ptCount val="3"/>
-                <c:pt idx="0">
-                  <c:v>5.222</c:v>
-                </c:pt>
-                <c:pt idx="1">
-                  <c:v>3.52</c:v>
-                </c:pt>
-                <c:pt idx="2">
-                  <c:v>2.522</c:v>
-                </c:pt>
-              </c:numCache>
-            </c:numRef>
-          </c:val>
-        </c:ser>
-        <c:dLbls>
-          <c:showLegendKey val="0"/>
-          <c:showVal val="0"/>
-          <c:showCatName val="0"/>
-          <c:showSerName val="0"/>
-          <c:showPercent val="0"/>
-          <c:showBubbleSize val="0"/>
-        </c:dLbls>
-        <c:gapWidth val="219"/>
-        <c:overlap val="-27"/>
-        <c:axId val="2121886032"/>
-        <c:axId val="2144576304"/>
-      </c:barChart>
-      <c:catAx>
-        <c:axId val="2121886032"/>
-        <c:scaling>
-          <c:orientation val="minMax"/>
-        </c:scaling>
-        <c:delete val="0"/>
-        <c:axPos val="b"/>
-        <c:numFmt formatCode="General" sourceLinked="1"/>
-        <c:majorTickMark val="none"/>
-        <c:minorTickMark val="none"/>
-        <c:tickLblPos val="nextTo"/>
-        <c:spPr>
-          <a:noFill/>
-          <a:ln w="9525" cap="flat" cmpd="sng" algn="ctr">
-            <a:solidFill>
-              <a:schemeClr val="tx1">
-                <a:lumMod val="15000"/>
-                <a:lumOff val="85000"/>
-              </a:schemeClr>
-            </a:solidFill>
-            <a:round/>
-          </a:ln>
-          <a:effectLst/>
-        </c:spPr>
-        <c:txPr>
-          <a:bodyPr rot="-60000000" spcFirstLastPara="1" vertOverflow="ellipsis" vert="horz" wrap="square" anchor="ctr" anchorCtr="1"/>
-          <a:lstStyle/>
-          <a:p>
-            <a:pPr>
-              <a:defRPr sz="1400" b="0" i="0" u="none" strike="noStrike" kern="1200" baseline="0">
-                <a:solidFill>
-                  <a:schemeClr val="tx1"/>
-                </a:solidFill>
-                <a:latin typeface="+mn-lt"/>
-                <a:ea typeface="+mn-ea"/>
-                <a:cs typeface="+mn-cs"/>
-              </a:defRPr>
-            </a:pPr>
-            <a:endParaRPr lang="en-US"/>
-          </a:p>
-        </c:txPr>
-        <c:crossAx val="2144576304"/>
-        <c:crosses val="autoZero"/>
-        <c:auto val="1"/>
-        <c:lblAlgn val="ctr"/>
-        <c:lblOffset val="100"/>
-        <c:noMultiLvlLbl val="0"/>
-      </c:catAx>
-      <c:valAx>
-        <c:axId val="2144576304"/>
-        <c:scaling>
-          <c:orientation val="minMax"/>
-        </c:scaling>
-        <c:delete val="0"/>
-        <c:axPos val="l"/>
-        <c:majorGridlines>
-          <c:spPr>
-            <a:ln w="9525" cap="flat" cmpd="sng" algn="ctr">
-              <a:solidFill>
-                <a:schemeClr val="tx1">
-                  <a:lumMod val="15000"/>
-                  <a:lumOff val="85000"/>
-                </a:schemeClr>
-              </a:solidFill>
-              <a:round/>
-            </a:ln>
-            <a:effectLst/>
-          </c:spPr>
-        </c:majorGridlines>
-        <c:numFmt formatCode="General" sourceLinked="1"/>
-        <c:majorTickMark val="none"/>
-        <c:minorTickMark val="none"/>
-        <c:tickLblPos val="nextTo"/>
-        <c:spPr>
-          <a:noFill/>
-          <a:ln>
-            <a:noFill/>
-          </a:ln>
-          <a:effectLst/>
-        </c:spPr>
-        <c:txPr>
-          <a:bodyPr rot="-60000000" spcFirstLastPara="1" vertOverflow="ellipsis" vert="horz" wrap="square" anchor="ctr" anchorCtr="1"/>
-          <a:lstStyle/>
-          <a:p>
-            <a:pPr>
-              <a:defRPr sz="1400" b="0" i="0" u="none" strike="noStrike" kern="1200" baseline="0">
-                <a:solidFill>
-                  <a:schemeClr val="tx1"/>
-                </a:solidFill>
-                <a:latin typeface="+mn-lt"/>
-                <a:ea typeface="+mn-ea"/>
-                <a:cs typeface="+mn-cs"/>
-              </a:defRPr>
-            </a:pPr>
-            <a:endParaRPr lang="en-US"/>
-          </a:p>
-        </c:txPr>
-        <c:crossAx val="2121886032"/>
-        <c:crosses val="autoZero"/>
-        <c:crossBetween val="between"/>
-      </c:valAx>
-      <c:spPr>
-        <a:noFill/>
-        <a:ln>
-          <a:noFill/>
-        </a:ln>
-        <a:effectLst/>
-      </c:spPr>
-    </c:plotArea>
-    <c:legend>
-      <c:legendPos val="b"/>
-      <c:layout>
-        <c:manualLayout>
-          <c:xMode val="edge"/>
-          <c:yMode val="edge"/>
-          <c:x val="0.525637361212149"/>
-          <c:y val="0.173899344656241"/>
-          <c:w val="0.418766633626198"/>
-          <c:h val="0.135074791367712"/>
-        </c:manualLayout>
-      </c:layout>
-      <c:overlay val="0"/>
-      <c:spPr>
-        <a:noFill/>
-        <a:ln>
-          <a:noFill/>
-        </a:ln>
-        <a:effectLst/>
-      </c:spPr>
-      <c:txPr>
-        <a:bodyPr rot="0" spcFirstLastPara="1" vertOverflow="ellipsis" vert="horz" wrap="square" anchor="ctr" anchorCtr="1"/>
-        <a:lstStyle/>
-        <a:p>
-          <a:pPr>
-            <a:defRPr sz="1600" b="0" i="0" u="none" strike="noStrike" kern="1200" baseline="0">
-              <a:solidFill>
-                <a:schemeClr val="tx1"/>
-              </a:solidFill>
-              <a:latin typeface="+mn-lt"/>
-              <a:ea typeface="+mn-ea"/>
-              <a:cs typeface="+mn-cs"/>
-            </a:defRPr>
-          </a:pPr>
-          <a:endParaRPr lang="en-US"/>
-        </a:p>
-      </c:txPr>
-    </c:legend>
-    <c:plotVisOnly val="1"/>
-    <c:dispBlanksAs val="gap"/>
-    <c:showDLblsOverMax val="0"/>
-  </c:chart>
-  <c:spPr>
-    <a:noFill/>
-    <a:ln>
-      <a:noFill/>
-    </a:ln>
-    <a:effectLst/>
-  </c:spPr>
-  <c:txPr>
-    <a:bodyPr/>
-    <a:lstStyle/>
-    <a:p>
-      <a:pPr>
-        <a:defRPr/>
-      </a:pPr>
-      <a:endParaRPr lang="en-US"/>
-    </a:p>
-  </c:txPr>
-  <c:externalData r:id="rId3">
-    <c:autoUpdate val="0"/>
-  </c:externalData>
-</c:chartSpace>
-</file>
-
-<file path=ppt/charts/chart6.xml><?xml version="1.0" encoding="utf-8"?>
-<c:chartSpace xmlns:c="http://schemas.openxmlformats.org/drawingml/2006/chart" xmlns:a="http://schemas.openxmlformats.org/drawingml/2006/main" xmlns:r="http://schemas.openxmlformats.org/officeDocument/2006/relationships">
-  <c:date1904 val="0"/>
-  <c:lang val="en-US"/>
-  <c:roundedCorners val="0"/>
-  <mc:AlternateContent xmlns:mc="http://schemas.openxmlformats.org/markup-compatibility/2006">
-    <mc:Choice xmlns:c14="http://schemas.microsoft.com/office/drawing/2007/8/2/chart" Requires="c14">
-      <c14:style val="102"/>
-    </mc:Choice>
-    <mc:Fallback>
-      <c:style val="2"/>
-    </mc:Fallback>
-  </mc:AlternateContent>
-  <c:chart>
-    <c:title>
-      <c:tx>
-        <c:rich>
-          <a:bodyPr rot="0" spcFirstLastPara="1" vertOverflow="ellipsis" vert="horz" wrap="square" anchor="ctr" anchorCtr="1"/>
-          <a:lstStyle/>
-          <a:p>
-            <a:pPr>
-              <a:defRPr sz="1862" b="0" i="0" u="none" strike="noStrike" kern="1200" spc="0" baseline="0">
-                <a:solidFill>
-                  <a:schemeClr val="tx1"/>
-                </a:solidFill>
-                <a:latin typeface="+mn-lt"/>
-                <a:ea typeface="+mn-ea"/>
-                <a:cs typeface="+mn-cs"/>
-              </a:defRPr>
-            </a:pPr>
-            <a:r>
-              <a:rPr lang="en-US" b="1" dirty="0" smtClean="0">
-                <a:solidFill>
-                  <a:schemeClr val="tx1"/>
-                </a:solidFill>
-              </a:rPr>
-              <a:t>3D</a:t>
-            </a:r>
-            <a:r>
-              <a:rPr lang="en-US" b="1" baseline="0" dirty="0" smtClean="0">
-                <a:solidFill>
-                  <a:schemeClr val="tx1"/>
-                </a:solidFill>
-              </a:rPr>
-              <a:t> Stencil</a:t>
-            </a:r>
-            <a:endParaRPr lang="en-US" b="1" dirty="0">
-              <a:solidFill>
-                <a:schemeClr val="tx1"/>
-              </a:solidFill>
-            </a:endParaRPr>
-          </a:p>
-        </c:rich>
-      </c:tx>
-      <c:layout/>
-      <c:overlay val="0"/>
-      <c:spPr>
-        <a:noFill/>
-        <a:ln>
-          <a:noFill/>
-        </a:ln>
-        <a:effectLst/>
-      </c:spPr>
-      <c:txPr>
-        <a:bodyPr rot="0" spcFirstLastPara="1" vertOverflow="ellipsis" vert="horz" wrap="square" anchor="ctr" anchorCtr="1"/>
-        <a:lstStyle/>
-        <a:p>
-          <a:pPr>
-            <a:defRPr sz="1862" b="0" i="0" u="none" strike="noStrike" kern="1200" spc="0" baseline="0">
-              <a:solidFill>
-                <a:schemeClr val="tx1"/>
-              </a:solidFill>
-              <a:latin typeface="+mn-lt"/>
-              <a:ea typeface="+mn-ea"/>
-              <a:cs typeface="+mn-cs"/>
-            </a:defRPr>
-          </a:pPr>
-          <a:endParaRPr lang="en-US"/>
-        </a:p>
-      </c:txPr>
-    </c:title>
-    <c:autoTitleDeleted val="0"/>
-    <c:plotArea>
-      <c:layout>
-        <c:manualLayout>
-          <c:layoutTarget val="inner"/>
-          <c:xMode val="edge"/>
-          <c:yMode val="edge"/>
-          <c:x val="0.205013981809807"/>
-          <c:y val="0.112288154310818"/>
-          <c:w val="0.743636962487198"/>
-          <c:h val="0.703776529566112"/>
-        </c:manualLayout>
-      </c:layout>
-      <c:barChart>
-        <c:barDir val="col"/>
-        <c:grouping val="clustered"/>
-        <c:varyColors val="0"/>
-        <c:ser>
-          <c:idx val="0"/>
-          <c:order val="0"/>
-          <c:tx>
-            <c:strRef>
-              <c:f>Sheet1!$B$1</c:f>
-              <c:strCache>
-                <c:ptCount val="1"/>
-                <c:pt idx="0">
-                  <c:v>Blocking</c:v>
-                </c:pt>
-              </c:strCache>
-            </c:strRef>
-          </c:tx>
-          <c:spPr>
-            <a:solidFill>
-              <a:schemeClr val="accent6">
-                <a:lumMod val="75000"/>
-              </a:schemeClr>
-            </a:solidFill>
-            <a:ln>
-              <a:solidFill>
-                <a:schemeClr val="tx1"/>
-              </a:solidFill>
-            </a:ln>
-            <a:effectLst/>
-          </c:spPr>
-          <c:invertIfNegative val="0"/>
-          <c:cat>
-            <c:numRef>
-              <c:f>Sheet1!$A$2:$A$4</c:f>
-              <c:numCache>
-                <c:formatCode>General</c:formatCode>
-                <c:ptCount val="3"/>
-                <c:pt idx="0">
-                  <c:v>1.0</c:v>
-                </c:pt>
-                <c:pt idx="1">
-                  <c:v>2.0</c:v>
-                </c:pt>
-                <c:pt idx="2">
-                  <c:v>4.0</c:v>
-                </c:pt>
-              </c:numCache>
-            </c:numRef>
-          </c:cat>
-          <c:val>
-            <c:numRef>
-              <c:f>Sheet1!$B$2:$B$4</c:f>
-              <c:numCache>
-                <c:formatCode>General</c:formatCode>
-                <c:ptCount val="3"/>
-                <c:pt idx="0">
-                  <c:v>6.4</c:v>
-                </c:pt>
-                <c:pt idx="1">
-                  <c:v>3.906</c:v>
-                </c:pt>
-                <c:pt idx="2">
-                  <c:v>3.351999999999998</c:v>
-                </c:pt>
-              </c:numCache>
-            </c:numRef>
-          </c:val>
-        </c:ser>
-        <c:ser>
-          <c:idx val="1"/>
-          <c:order val="1"/>
-          <c:tx>
-            <c:strRef>
-              <c:f>Sheet1!$C$1</c:f>
-              <c:strCache>
-                <c:ptCount val="1"/>
-                <c:pt idx="0">
-                  <c:v>Non-blocking</c:v>
-                </c:pt>
-              </c:strCache>
-            </c:strRef>
-          </c:tx>
-          <c:spPr>
-            <a:solidFill>
-              <a:srgbClr val="FF0000"/>
-            </a:solidFill>
-            <a:ln>
-              <a:solidFill>
-                <a:schemeClr val="tx1"/>
-              </a:solidFill>
-            </a:ln>
-            <a:effectLst/>
-          </c:spPr>
-          <c:invertIfNegative val="0"/>
-          <c:cat>
-            <c:numRef>
-              <c:f>Sheet1!$A$2:$A$4</c:f>
-              <c:numCache>
-                <c:formatCode>General</c:formatCode>
-                <c:ptCount val="3"/>
-                <c:pt idx="0">
-                  <c:v>1.0</c:v>
-                </c:pt>
-                <c:pt idx="1">
-                  <c:v>2.0</c:v>
-                </c:pt>
-                <c:pt idx="2">
-                  <c:v>4.0</c:v>
-                </c:pt>
-              </c:numCache>
-            </c:numRef>
-          </c:cat>
-          <c:val>
-            <c:numRef>
-              <c:f>Sheet1!$C$2:$C$4</c:f>
-              <c:numCache>
-                <c:formatCode>General</c:formatCode>
-                <c:ptCount val="3"/>
-                <c:pt idx="0">
-                  <c:v>6.4</c:v>
-                </c:pt>
-                <c:pt idx="1">
-                  <c:v>3.68</c:v>
-                </c:pt>
-                <c:pt idx="2">
-                  <c:v>2.354</c:v>
-                </c:pt>
-              </c:numCache>
-            </c:numRef>
-          </c:val>
-        </c:ser>
-        <c:dLbls>
-          <c:showLegendKey val="0"/>
-          <c:showVal val="0"/>
-          <c:showCatName val="0"/>
-          <c:showSerName val="0"/>
-          <c:showPercent val="0"/>
-          <c:showBubbleSize val="0"/>
-        </c:dLbls>
-        <c:gapWidth val="219"/>
-        <c:overlap val="-27"/>
-        <c:axId val="2108408368"/>
-        <c:axId val="2107678384"/>
-      </c:barChart>
-      <c:catAx>
-        <c:axId val="2108408368"/>
-        <c:scaling>
-          <c:orientation val="minMax"/>
-        </c:scaling>
-        <c:delete val="0"/>
-        <c:axPos val="b"/>
-        <c:numFmt formatCode="General" sourceLinked="1"/>
-        <c:majorTickMark val="none"/>
-        <c:minorTickMark val="none"/>
-        <c:tickLblPos val="nextTo"/>
-        <c:spPr>
-          <a:noFill/>
-          <a:ln w="9525" cap="flat" cmpd="sng" algn="ctr">
-            <a:solidFill>
-              <a:schemeClr val="tx1">
-                <a:lumMod val="15000"/>
-                <a:lumOff val="85000"/>
-              </a:schemeClr>
-            </a:solidFill>
-            <a:round/>
-          </a:ln>
-          <a:effectLst/>
-        </c:spPr>
-        <c:txPr>
-          <a:bodyPr rot="-60000000" spcFirstLastPara="1" vertOverflow="ellipsis" vert="horz" wrap="square" anchor="ctr" anchorCtr="1"/>
-          <a:lstStyle/>
-          <a:p>
-            <a:pPr>
-              <a:defRPr sz="1400" b="0" i="0" u="none" strike="noStrike" kern="1200" baseline="0">
-                <a:solidFill>
-                  <a:schemeClr val="tx1"/>
-                </a:solidFill>
-                <a:latin typeface="+mn-lt"/>
-                <a:ea typeface="+mn-ea"/>
-                <a:cs typeface="+mn-cs"/>
-              </a:defRPr>
-            </a:pPr>
-            <a:endParaRPr lang="en-US"/>
-          </a:p>
-        </c:txPr>
-        <c:crossAx val="2107678384"/>
-        <c:crosses val="autoZero"/>
-        <c:auto val="1"/>
-        <c:lblAlgn val="ctr"/>
-        <c:lblOffset val="100"/>
-        <c:noMultiLvlLbl val="0"/>
-      </c:catAx>
-      <c:valAx>
-        <c:axId val="2107678384"/>
-        <c:scaling>
-          <c:orientation val="minMax"/>
-        </c:scaling>
-        <c:delete val="0"/>
-        <c:axPos val="l"/>
-        <c:majorGridlines>
-          <c:spPr>
-            <a:ln w="9525" cap="flat" cmpd="sng" algn="ctr">
-              <a:solidFill>
-                <a:schemeClr val="tx1">
-                  <a:lumMod val="15000"/>
-                  <a:lumOff val="85000"/>
-                </a:schemeClr>
-              </a:solidFill>
-              <a:round/>
-            </a:ln>
-            <a:effectLst/>
-          </c:spPr>
-        </c:majorGridlines>
-        <c:numFmt formatCode="General" sourceLinked="1"/>
-        <c:majorTickMark val="none"/>
-        <c:minorTickMark val="none"/>
-        <c:tickLblPos val="nextTo"/>
-        <c:spPr>
-          <a:noFill/>
-          <a:ln>
-            <a:noFill/>
-          </a:ln>
-          <a:effectLst/>
-        </c:spPr>
-        <c:txPr>
-          <a:bodyPr rot="-60000000" spcFirstLastPara="1" vertOverflow="ellipsis" vert="horz" wrap="square" anchor="ctr" anchorCtr="1"/>
-          <a:lstStyle/>
-          <a:p>
-            <a:pPr>
-              <a:defRPr sz="1400" b="0" i="0" u="none" strike="noStrike" kern="1200" baseline="0">
-                <a:solidFill>
-                  <a:schemeClr val="tx1"/>
-                </a:solidFill>
-                <a:latin typeface="+mn-lt"/>
-                <a:ea typeface="+mn-ea"/>
-                <a:cs typeface="+mn-cs"/>
-              </a:defRPr>
-            </a:pPr>
-            <a:endParaRPr lang="en-US"/>
-          </a:p>
-        </c:txPr>
-        <c:crossAx val="2108408368"/>
-        <c:crosses val="autoZero"/>
-        <c:crossBetween val="between"/>
-      </c:valAx>
-      <c:spPr>
-        <a:noFill/>
-        <a:ln>
-          <a:noFill/>
-        </a:ln>
-        <a:effectLst/>
-      </c:spPr>
-    </c:plotArea>
-    <c:legend>
-      <c:legendPos val="b"/>
-      <c:layout>
-        <c:manualLayout>
-          <c:xMode val="edge"/>
-          <c:yMode val="edge"/>
-          <c:x val="0.478238232870922"/>
-          <c:y val="0.158605491282136"/>
-          <c:w val="0.51751481767042"/>
-          <c:h val="0.117235589730077"/>
-        </c:manualLayout>
-      </c:layout>
-      <c:overlay val="0"/>
-      <c:spPr>
-        <a:noFill/>
-        <a:ln>
-          <a:noFill/>
-        </a:ln>
-        <a:effectLst/>
-      </c:spPr>
-      <c:txPr>
-        <a:bodyPr rot="0" spcFirstLastPara="1" vertOverflow="ellipsis" vert="horz" wrap="square" anchor="ctr" anchorCtr="1"/>
-        <a:lstStyle/>
-        <a:p>
-          <a:pPr>
-            <a:defRPr sz="1600" b="0" i="0" u="none" strike="noStrike" kern="1200" baseline="0">
-              <a:solidFill>
-                <a:schemeClr val="tx1"/>
-              </a:solidFill>
-              <a:latin typeface="+mn-lt"/>
-              <a:ea typeface="+mn-ea"/>
-              <a:cs typeface="+mn-cs"/>
-            </a:defRPr>
-          </a:pPr>
-          <a:endParaRPr lang="en-US"/>
-        </a:p>
-      </c:txPr>
-    </c:legend>
-    <c:plotVisOnly val="1"/>
-    <c:dispBlanksAs val="gap"/>
-    <c:showDLblsOverMax val="0"/>
-  </c:chart>
-  <c:spPr>
-    <a:noFill/>
-    <a:ln>
-      <a:noFill/>
-    </a:ln>
-    <a:effectLst/>
-  </c:spPr>
-  <c:txPr>
-    <a:bodyPr/>
-    <a:lstStyle/>
-    <a:p>
-      <a:pPr>
-        <a:defRPr/>
-      </a:pPr>
-      <a:endParaRPr lang="en-US"/>
-    </a:p>
-  </c:txPr>
-  <c:externalData r:id="rId3">
-    <c:autoUpdate val="0"/>
-  </c:externalData>
-</c:chartSpace>
-</file>
-
-<file path=ppt/charts/chart7.xml><?xml version="1.0" encoding="utf-8"?>
-<c:chartSpace xmlns:c="http://schemas.openxmlformats.org/drawingml/2006/chart" xmlns:a="http://schemas.openxmlformats.org/drawingml/2006/main" xmlns:r="http://schemas.openxmlformats.org/officeDocument/2006/relationships">
-  <c:date1904 val="0"/>
-  <c:lang val="en-US"/>
-  <c:roundedCorners val="0"/>
-  <mc:AlternateContent xmlns:mc="http://schemas.openxmlformats.org/markup-compatibility/2006">
-    <mc:Choice xmlns:c14="http://schemas.microsoft.com/office/drawing/2007/8/2/chart" Requires="c14">
-      <c14:style val="102"/>
-    </mc:Choice>
-    <mc:Fallback>
-      <c:style val="2"/>
-    </mc:Fallback>
-  </mc:AlternateContent>
-  <c:chart>
-    <c:title>
-      <c:tx>
-        <c:rich>
-          <a:bodyPr rot="0" spcFirstLastPara="1" vertOverflow="ellipsis" vert="horz" wrap="square" anchor="ctr" anchorCtr="1"/>
-          <a:lstStyle/>
-          <a:p>
-            <a:pPr>
-              <a:defRPr sz="1862" b="0" i="0" u="none" strike="noStrike" kern="1200" spc="0" baseline="0">
-                <a:solidFill>
-                  <a:schemeClr val="tx1"/>
-                </a:solidFill>
-                <a:latin typeface="+mn-lt"/>
-                <a:ea typeface="+mn-ea"/>
-                <a:cs typeface="+mn-cs"/>
-              </a:defRPr>
-            </a:pPr>
-            <a:r>
-              <a:rPr lang="en-US" b="1" dirty="0" smtClean="0">
-                <a:solidFill>
-                  <a:schemeClr val="tx1"/>
-                </a:solidFill>
-              </a:rPr>
-              <a:t>Sparse</a:t>
-            </a:r>
-            <a:r>
-              <a:rPr lang="en-US" b="1" baseline="0" dirty="0" smtClean="0">
-                <a:solidFill>
-                  <a:schemeClr val="tx1"/>
-                </a:solidFill>
-              </a:rPr>
-              <a:t> </a:t>
-            </a:r>
-            <a:r>
-              <a:rPr lang="en-US" b="1" baseline="0" dirty="0" err="1" smtClean="0">
-                <a:solidFill>
-                  <a:schemeClr val="tx1"/>
-                </a:solidFill>
-              </a:rPr>
-              <a:t>Cholesky</a:t>
-            </a:r>
-            <a:endParaRPr lang="en-US" b="1" dirty="0">
-              <a:solidFill>
-                <a:schemeClr val="tx1"/>
-              </a:solidFill>
-            </a:endParaRPr>
-          </a:p>
-        </c:rich>
-      </c:tx>
-      <c:overlay val="0"/>
-      <c:spPr>
-        <a:noFill/>
-        <a:ln>
-          <a:noFill/>
-        </a:ln>
-        <a:effectLst/>
-      </c:spPr>
-      <c:txPr>
-        <a:bodyPr rot="0" spcFirstLastPara="1" vertOverflow="ellipsis" vert="horz" wrap="square" anchor="ctr" anchorCtr="1"/>
-        <a:lstStyle/>
-        <a:p>
-          <a:pPr>
-            <a:defRPr sz="1862" b="0" i="0" u="none" strike="noStrike" kern="1200" spc="0" baseline="0">
-              <a:solidFill>
-                <a:schemeClr val="tx1"/>
-              </a:solidFill>
-              <a:latin typeface="+mn-lt"/>
-              <a:ea typeface="+mn-ea"/>
-              <a:cs typeface="+mn-cs"/>
-            </a:defRPr>
-          </a:pPr>
-          <a:endParaRPr lang="en-US"/>
-        </a:p>
-      </c:txPr>
-    </c:title>
-    <c:autoTitleDeleted val="0"/>
-    <c:plotArea>
-      <c:layout>
-        <c:manualLayout>
-          <c:layoutTarget val="inner"/>
-          <c:xMode val="edge"/>
-          <c:yMode val="edge"/>
-          <c:x val="0.205013981809807"/>
-          <c:y val="0.136679676664781"/>
-          <c:w val="0.743636962487198"/>
-          <c:h val="0.679385086479722"/>
-        </c:manualLayout>
-      </c:layout>
-      <c:barChart>
-        <c:barDir val="col"/>
-        <c:grouping val="clustered"/>
-        <c:varyColors val="0"/>
-        <c:ser>
-          <c:idx val="0"/>
-          <c:order val="0"/>
-          <c:tx>
-            <c:strRef>
-              <c:f>Sheet1!$B$1</c:f>
-              <c:strCache>
-                <c:ptCount val="1"/>
-                <c:pt idx="0">
-                  <c:v>No Overlap</c:v>
-                </c:pt>
-              </c:strCache>
-            </c:strRef>
-          </c:tx>
-          <c:spPr>
-            <a:solidFill>
-              <a:schemeClr val="accent6">
-                <a:lumMod val="75000"/>
-              </a:schemeClr>
-            </a:solidFill>
-            <a:ln>
-              <a:solidFill>
-                <a:schemeClr val="tx1"/>
-              </a:solidFill>
-            </a:ln>
-            <a:effectLst/>
-          </c:spPr>
-          <c:invertIfNegative val="0"/>
-          <c:cat>
-            <c:numRef>
-              <c:f>Sheet1!$A$2:$A$5</c:f>
-              <c:numCache>
-                <c:formatCode>General</c:formatCode>
-                <c:ptCount val="4"/>
-                <c:pt idx="0">
-                  <c:v>1.0</c:v>
-                </c:pt>
-                <c:pt idx="1">
-                  <c:v>2.0</c:v>
-                </c:pt>
-                <c:pt idx="2">
-                  <c:v>4.0</c:v>
-                </c:pt>
-                <c:pt idx="3">
-                  <c:v>8.0</c:v>
-                </c:pt>
-              </c:numCache>
-            </c:numRef>
-          </c:cat>
-          <c:val>
-            <c:numRef>
-              <c:f>Sheet1!$B$2:$B$5</c:f>
-              <c:numCache>
-                <c:formatCode>General</c:formatCode>
-                <c:ptCount val="4"/>
-                <c:pt idx="0">
-                  <c:v>0.9641</c:v>
-                </c:pt>
-                <c:pt idx="1">
-                  <c:v>0.531</c:v>
-                </c:pt>
-                <c:pt idx="2">
-                  <c:v>0.2487</c:v>
-                </c:pt>
-                <c:pt idx="3">
-                  <c:v>0.1478</c:v>
-                </c:pt>
-              </c:numCache>
-            </c:numRef>
-          </c:val>
-        </c:ser>
-        <c:ser>
-          <c:idx val="1"/>
-          <c:order val="1"/>
-          <c:tx>
-            <c:strRef>
-              <c:f>Sheet1!$C$1</c:f>
-              <c:strCache>
-                <c:ptCount val="1"/>
-                <c:pt idx="0">
-                  <c:v>Overlap</c:v>
-                </c:pt>
-              </c:strCache>
-            </c:strRef>
-          </c:tx>
-          <c:spPr>
-            <a:solidFill>
-              <a:srgbClr val="FF0000"/>
-            </a:solidFill>
-            <a:ln>
-              <a:solidFill>
-                <a:schemeClr val="tx1"/>
-              </a:solidFill>
-            </a:ln>
-            <a:effectLst/>
-          </c:spPr>
-          <c:invertIfNegative val="0"/>
-          <c:cat>
-            <c:numRef>
-              <c:f>Sheet1!$A$2:$A$5</c:f>
-              <c:numCache>
-                <c:formatCode>General</c:formatCode>
-                <c:ptCount val="4"/>
-                <c:pt idx="0">
-                  <c:v>1.0</c:v>
-                </c:pt>
-                <c:pt idx="1">
-                  <c:v>2.0</c:v>
-                </c:pt>
-                <c:pt idx="2">
-                  <c:v>4.0</c:v>
-                </c:pt>
-                <c:pt idx="3">
-                  <c:v>8.0</c:v>
-                </c:pt>
-              </c:numCache>
-            </c:numRef>
-          </c:cat>
-          <c:val>
-            <c:numRef>
-              <c:f>Sheet1!$C$2:$C$5</c:f>
-              <c:numCache>
-                <c:formatCode>General</c:formatCode>
-                <c:ptCount val="4"/>
-                <c:pt idx="0">
-                  <c:v>0.9357</c:v>
-                </c:pt>
-                <c:pt idx="1">
-                  <c:v>0.508</c:v>
-                </c:pt>
-                <c:pt idx="2">
-                  <c:v>0.2333</c:v>
-                </c:pt>
-                <c:pt idx="3">
-                  <c:v>0.1334</c:v>
-                </c:pt>
-              </c:numCache>
-            </c:numRef>
-          </c:val>
-        </c:ser>
-        <c:dLbls>
-          <c:showLegendKey val="0"/>
-          <c:showVal val="0"/>
-          <c:showCatName val="0"/>
-          <c:showSerName val="0"/>
-          <c:showPercent val="0"/>
-          <c:showBubbleSize val="0"/>
-        </c:dLbls>
-        <c:gapWidth val="219"/>
-        <c:overlap val="-27"/>
-        <c:axId val="2142981280"/>
-        <c:axId val="2105729456"/>
-      </c:barChart>
-      <c:catAx>
-        <c:axId val="2142981280"/>
-        <c:scaling>
-          <c:orientation val="minMax"/>
-        </c:scaling>
-        <c:delete val="0"/>
-        <c:axPos val="b"/>
-        <c:numFmt formatCode="General" sourceLinked="1"/>
-        <c:majorTickMark val="none"/>
-        <c:minorTickMark val="none"/>
-        <c:tickLblPos val="nextTo"/>
-        <c:spPr>
-          <a:noFill/>
-          <a:ln w="9525" cap="flat" cmpd="sng" algn="ctr">
-            <a:solidFill>
-              <a:schemeClr val="tx1">
-                <a:lumMod val="15000"/>
-                <a:lumOff val="85000"/>
-              </a:schemeClr>
-            </a:solidFill>
-            <a:round/>
-          </a:ln>
-          <a:effectLst/>
-        </c:spPr>
-        <c:txPr>
-          <a:bodyPr rot="-60000000" spcFirstLastPara="1" vertOverflow="ellipsis" vert="horz" wrap="square" anchor="ctr" anchorCtr="1"/>
-          <a:lstStyle/>
-          <a:p>
-            <a:pPr>
-              <a:defRPr sz="1400" b="0" i="0" u="none" strike="noStrike" kern="1200" baseline="0">
-                <a:solidFill>
-                  <a:schemeClr val="tx1"/>
-                </a:solidFill>
-                <a:latin typeface="+mn-lt"/>
-                <a:ea typeface="+mn-ea"/>
-                <a:cs typeface="+mn-cs"/>
-              </a:defRPr>
-            </a:pPr>
-            <a:endParaRPr lang="en-US"/>
-          </a:p>
-        </c:txPr>
-        <c:crossAx val="2105729456"/>
-        <c:crosses val="autoZero"/>
-        <c:auto val="1"/>
-        <c:lblAlgn val="ctr"/>
-        <c:lblOffset val="100"/>
-        <c:noMultiLvlLbl val="0"/>
-      </c:catAx>
-      <c:valAx>
-        <c:axId val="2105729456"/>
-        <c:scaling>
-          <c:orientation val="minMax"/>
-          <c:max val="1.0"/>
-        </c:scaling>
-        <c:delete val="0"/>
-        <c:axPos val="l"/>
-        <c:majorGridlines>
-          <c:spPr>
-            <a:ln w="9525" cap="flat" cmpd="sng" algn="ctr">
-              <a:solidFill>
-                <a:schemeClr val="tx1">
-                  <a:lumMod val="15000"/>
-                  <a:lumOff val="85000"/>
-                </a:schemeClr>
-              </a:solidFill>
-              <a:round/>
-            </a:ln>
-            <a:effectLst/>
-          </c:spPr>
-        </c:majorGridlines>
-        <c:numFmt formatCode="General" sourceLinked="1"/>
-        <c:majorTickMark val="none"/>
-        <c:minorTickMark val="none"/>
-        <c:tickLblPos val="nextTo"/>
-        <c:spPr>
-          <a:noFill/>
-          <a:ln>
-            <a:noFill/>
-          </a:ln>
-          <a:effectLst/>
-        </c:spPr>
-        <c:txPr>
-          <a:bodyPr rot="-60000000" spcFirstLastPara="1" vertOverflow="ellipsis" vert="horz" wrap="square" anchor="ctr" anchorCtr="1"/>
-          <a:lstStyle/>
-          <a:p>
-            <a:pPr>
-              <a:defRPr sz="1400" b="0" i="0" u="none" strike="noStrike" kern="1200" baseline="0">
-                <a:solidFill>
-                  <a:schemeClr val="tx1"/>
-                </a:solidFill>
-                <a:latin typeface="+mn-lt"/>
-                <a:ea typeface="+mn-ea"/>
-                <a:cs typeface="+mn-cs"/>
-              </a:defRPr>
-            </a:pPr>
-            <a:endParaRPr lang="en-US"/>
-          </a:p>
-        </c:txPr>
-        <c:crossAx val="2142981280"/>
-        <c:crosses val="autoZero"/>
-        <c:crossBetween val="between"/>
-      </c:valAx>
-      <c:spPr>
-        <a:noFill/>
-        <a:ln>
-          <a:noFill/>
-        </a:ln>
-        <a:effectLst/>
-      </c:spPr>
-    </c:plotArea>
-    <c:legend>
-      <c:legendPos val="b"/>
-      <c:layout>
-        <c:manualLayout>
-          <c:xMode val="edge"/>
-          <c:yMode val="edge"/>
-          <c:x val="0.407436562455972"/>
-          <c:y val="0.200740271548136"/>
-          <c:w val="0.478015544052731"/>
-          <c:h val="0.143969794523942"/>
-        </c:manualLayout>
-      </c:layout>
-      <c:overlay val="0"/>
-      <c:spPr>
-        <a:noFill/>
-        <a:ln>
-          <a:noFill/>
-        </a:ln>
-        <a:effectLst/>
-      </c:spPr>
-      <c:txPr>
-        <a:bodyPr rot="0" spcFirstLastPara="1" vertOverflow="ellipsis" vert="horz" wrap="square" anchor="ctr" anchorCtr="1"/>
-        <a:lstStyle/>
-        <a:p>
-          <a:pPr>
-            <a:defRPr sz="1600" b="0" i="0" u="none" strike="noStrike" kern="1200" baseline="0">
-              <a:solidFill>
-                <a:schemeClr val="tx1"/>
-              </a:solidFill>
-              <a:latin typeface="+mn-lt"/>
-              <a:ea typeface="+mn-ea"/>
-              <a:cs typeface="+mn-cs"/>
-            </a:defRPr>
-          </a:pPr>
-          <a:endParaRPr lang="en-US"/>
-        </a:p>
-      </c:txPr>
-    </c:legend>
-    <c:plotVisOnly val="1"/>
-    <c:dispBlanksAs val="gap"/>
-    <c:showDLblsOverMax val="0"/>
-  </c:chart>
-  <c:spPr>
-    <a:noFill/>
-    <a:ln>
-      <a:noFill/>
-    </a:ln>
-    <a:effectLst/>
-  </c:spPr>
-  <c:txPr>
-    <a:bodyPr/>
-    <a:lstStyle/>
-    <a:p>
-      <a:pPr>
-        <a:defRPr/>
-      </a:pPr>
-      <a:endParaRPr lang="en-US"/>
-    </a:p>
-  </c:txPr>
-  <c:externalData r:id="rId3">
-    <c:autoUpdate val="0"/>
-  </c:externalData>
-</c:chartSpace>
-</file>
-
-<file path=ppt/charts/chart8.xml><?xml version="1.0" encoding="utf-8"?>
-<c:chartSpace xmlns:c="http://schemas.openxmlformats.org/drawingml/2006/chart" xmlns:a="http://schemas.openxmlformats.org/drawingml/2006/main" xmlns:r="http://schemas.openxmlformats.org/officeDocument/2006/relationships">
-  <c:date1904 val="0"/>
-  <c:lang val="en-US"/>
-  <c:roundedCorners val="0"/>
-  <mc:AlternateContent xmlns:mc="http://schemas.openxmlformats.org/markup-compatibility/2006">
-    <mc:Choice xmlns:c14="http://schemas.microsoft.com/office/drawing/2007/8/2/chart" Requires="c14">
-      <c14:style val="102"/>
-    </mc:Choice>
-    <mc:Fallback>
-      <c:style val="2"/>
-    </mc:Fallback>
-  </mc:AlternateContent>
-  <c:chart>
-    <c:title>
-      <c:tx>
-        <c:rich>
-          <a:bodyPr rot="0" spcFirstLastPara="1" vertOverflow="ellipsis" vert="horz" wrap="square" anchor="ctr" anchorCtr="1"/>
-          <a:lstStyle/>
-          <a:p>
-            <a:pPr>
-              <a:defRPr sz="1862" b="0" i="0" u="none" strike="noStrike" kern="1200" spc="0" baseline="0">
-                <a:solidFill>
-                  <a:schemeClr val="tx1"/>
-                </a:solidFill>
-                <a:latin typeface="+mn-lt"/>
-                <a:ea typeface="+mn-ea"/>
-                <a:cs typeface="+mn-cs"/>
-              </a:defRPr>
-            </a:pPr>
-            <a:r>
-              <a:rPr lang="en-US" b="1" dirty="0" smtClean="0">
-                <a:solidFill>
-                  <a:schemeClr val="tx1"/>
-                </a:solidFill>
-              </a:rPr>
-              <a:t>3D</a:t>
-            </a:r>
-            <a:r>
-              <a:rPr lang="en-US" b="1" baseline="0" dirty="0" smtClean="0">
-                <a:solidFill>
-                  <a:schemeClr val="tx1"/>
-                </a:solidFill>
-              </a:rPr>
-              <a:t> Stencil</a:t>
-            </a:r>
-            <a:endParaRPr lang="en-US" b="1" dirty="0">
-              <a:solidFill>
-                <a:schemeClr val="tx1"/>
-              </a:solidFill>
-            </a:endParaRPr>
-          </a:p>
-        </c:rich>
-      </c:tx>
-      <c:overlay val="0"/>
-      <c:spPr>
-        <a:noFill/>
-        <a:ln>
-          <a:noFill/>
-        </a:ln>
-        <a:effectLst/>
-      </c:spPr>
-      <c:txPr>
-        <a:bodyPr rot="0" spcFirstLastPara="1" vertOverflow="ellipsis" vert="horz" wrap="square" anchor="ctr" anchorCtr="1"/>
-        <a:lstStyle/>
-        <a:p>
-          <a:pPr>
-            <a:defRPr sz="1862" b="0" i="0" u="none" strike="noStrike" kern="1200" spc="0" baseline="0">
-              <a:solidFill>
-                <a:schemeClr val="tx1"/>
-              </a:solidFill>
-              <a:latin typeface="+mn-lt"/>
-              <a:ea typeface="+mn-ea"/>
-              <a:cs typeface="+mn-cs"/>
-            </a:defRPr>
-          </a:pPr>
-          <a:endParaRPr lang="en-US"/>
-        </a:p>
-      </c:txPr>
-    </c:title>
-    <c:autoTitleDeleted val="0"/>
-    <c:plotArea>
-      <c:layout>
-        <c:manualLayout>
-          <c:layoutTarget val="inner"/>
-          <c:xMode val="edge"/>
-          <c:yMode val="edge"/>
-          <c:x val="0.205013981809807"/>
-          <c:y val="0.112288154310818"/>
-          <c:w val="0.743636962487198"/>
-          <c:h val="0.703776529566112"/>
-        </c:manualLayout>
-      </c:layout>
-      <c:barChart>
-        <c:barDir val="col"/>
-        <c:grouping val="clustered"/>
-        <c:varyColors val="0"/>
-        <c:ser>
-          <c:idx val="0"/>
-          <c:order val="0"/>
-          <c:tx>
-            <c:strRef>
-              <c:f>Sheet1!$B$1</c:f>
-              <c:strCache>
-                <c:ptCount val="1"/>
-                <c:pt idx="0">
-                  <c:v>No Overlap</c:v>
-                </c:pt>
-              </c:strCache>
-            </c:strRef>
-          </c:tx>
-          <c:spPr>
-            <a:solidFill>
-              <a:schemeClr val="accent6">
-                <a:lumMod val="75000"/>
-              </a:schemeClr>
-            </a:solidFill>
-            <a:ln>
-              <a:solidFill>
-                <a:schemeClr val="tx1"/>
-              </a:solidFill>
-            </a:ln>
-            <a:effectLst/>
-          </c:spPr>
-          <c:invertIfNegative val="0"/>
-          <c:cat>
-            <c:numRef>
-              <c:f>Sheet1!$A$2:$A$4</c:f>
-              <c:numCache>
-                <c:formatCode>General</c:formatCode>
-                <c:ptCount val="3"/>
-                <c:pt idx="0">
-                  <c:v>4.0</c:v>
-                </c:pt>
-                <c:pt idx="1">
-                  <c:v>8.0</c:v>
-                </c:pt>
-                <c:pt idx="2">
-                  <c:v>16.0</c:v>
-                </c:pt>
-              </c:numCache>
-            </c:numRef>
-          </c:cat>
-          <c:val>
-            <c:numRef>
-              <c:f>Sheet1!$B$2:$B$4</c:f>
-              <c:numCache>
-                <c:formatCode>General</c:formatCode>
-                <c:ptCount val="3"/>
-                <c:pt idx="0">
-                  <c:v>2.692</c:v>
-                </c:pt>
-                <c:pt idx="1">
-                  <c:v>1.911</c:v>
-                </c:pt>
-                <c:pt idx="2">
-                  <c:v>1.554</c:v>
-                </c:pt>
-              </c:numCache>
-            </c:numRef>
-          </c:val>
-        </c:ser>
-        <c:ser>
-          <c:idx val="1"/>
-          <c:order val="1"/>
-          <c:tx>
-            <c:strRef>
-              <c:f>Sheet1!$C$1</c:f>
-              <c:strCache>
-                <c:ptCount val="1"/>
-                <c:pt idx="0">
-                  <c:v>Overlap</c:v>
-                </c:pt>
-              </c:strCache>
-            </c:strRef>
-          </c:tx>
-          <c:spPr>
-            <a:solidFill>
-              <a:srgbClr val="FF0000"/>
-            </a:solidFill>
-            <a:ln>
-              <a:solidFill>
-                <a:schemeClr val="tx1"/>
-              </a:solidFill>
-            </a:ln>
-            <a:effectLst/>
-          </c:spPr>
-          <c:invertIfNegative val="0"/>
-          <c:cat>
-            <c:numRef>
-              <c:f>Sheet1!$A$2:$A$4</c:f>
-              <c:numCache>
-                <c:formatCode>General</c:formatCode>
-                <c:ptCount val="3"/>
-                <c:pt idx="0">
-                  <c:v>4.0</c:v>
-                </c:pt>
-                <c:pt idx="1">
-                  <c:v>8.0</c:v>
-                </c:pt>
-                <c:pt idx="2">
-                  <c:v>16.0</c:v>
-                </c:pt>
-              </c:numCache>
-            </c:numRef>
-          </c:cat>
-          <c:val>
-            <c:numRef>
-              <c:f>Sheet1!$C$2:$C$4</c:f>
-              <c:numCache>
-                <c:formatCode>General</c:formatCode>
-                <c:ptCount val="3"/>
-                <c:pt idx="0">
-                  <c:v>1.963</c:v>
-                </c:pt>
-                <c:pt idx="1">
-                  <c:v>1.241</c:v>
-                </c:pt>
-                <c:pt idx="2">
-                  <c:v>0.841</c:v>
-                </c:pt>
-              </c:numCache>
-            </c:numRef>
-          </c:val>
-        </c:ser>
-        <c:dLbls>
-          <c:showLegendKey val="0"/>
-          <c:showVal val="0"/>
-          <c:showCatName val="0"/>
-          <c:showSerName val="0"/>
-          <c:showPercent val="0"/>
-          <c:showBubbleSize val="0"/>
-        </c:dLbls>
-        <c:gapWidth val="219"/>
-        <c:overlap val="-27"/>
-        <c:axId val="2130065504"/>
-        <c:axId val="2129849424"/>
-      </c:barChart>
-      <c:catAx>
-        <c:axId val="2130065504"/>
-        <c:scaling>
-          <c:orientation val="minMax"/>
-        </c:scaling>
-        <c:delete val="0"/>
-        <c:axPos val="b"/>
-        <c:numFmt formatCode="General" sourceLinked="1"/>
-        <c:majorTickMark val="none"/>
-        <c:minorTickMark val="none"/>
-        <c:tickLblPos val="nextTo"/>
-        <c:spPr>
-          <a:noFill/>
-          <a:ln w="9525" cap="flat" cmpd="sng" algn="ctr">
-            <a:solidFill>
-              <a:schemeClr val="tx1">
-                <a:lumMod val="15000"/>
-                <a:lumOff val="85000"/>
-              </a:schemeClr>
-            </a:solidFill>
-            <a:round/>
-          </a:ln>
-          <a:effectLst/>
-        </c:spPr>
-        <c:txPr>
-          <a:bodyPr rot="-60000000" spcFirstLastPara="1" vertOverflow="ellipsis" vert="horz" wrap="square" anchor="ctr" anchorCtr="1"/>
-          <a:lstStyle/>
-          <a:p>
-            <a:pPr>
-              <a:defRPr sz="1400" b="0" i="0" u="none" strike="noStrike" kern="1200" baseline="0">
-                <a:solidFill>
-                  <a:schemeClr val="tx1"/>
-                </a:solidFill>
-                <a:latin typeface="+mn-lt"/>
-                <a:ea typeface="+mn-ea"/>
-                <a:cs typeface="+mn-cs"/>
-              </a:defRPr>
-            </a:pPr>
-            <a:endParaRPr lang="en-US"/>
-          </a:p>
-        </c:txPr>
-        <c:crossAx val="2129849424"/>
-        <c:crosses val="autoZero"/>
-        <c:auto val="1"/>
-        <c:lblAlgn val="ctr"/>
-        <c:lblOffset val="100"/>
-        <c:noMultiLvlLbl val="0"/>
-      </c:catAx>
-      <c:valAx>
-        <c:axId val="2129849424"/>
-        <c:scaling>
-          <c:orientation val="minMax"/>
-        </c:scaling>
-        <c:delete val="0"/>
-        <c:axPos val="l"/>
-        <c:majorGridlines>
-          <c:spPr>
-            <a:ln w="9525" cap="flat" cmpd="sng" algn="ctr">
-              <a:solidFill>
-                <a:schemeClr val="tx1">
-                  <a:lumMod val="15000"/>
-                  <a:lumOff val="85000"/>
-                </a:schemeClr>
-              </a:solidFill>
-              <a:round/>
-            </a:ln>
-            <a:effectLst/>
-          </c:spPr>
-        </c:majorGridlines>
-        <c:numFmt formatCode="General" sourceLinked="1"/>
-        <c:majorTickMark val="none"/>
-        <c:minorTickMark val="none"/>
-        <c:tickLblPos val="nextTo"/>
-        <c:spPr>
-          <a:noFill/>
-          <a:ln>
-            <a:noFill/>
-          </a:ln>
-          <a:effectLst/>
-        </c:spPr>
-        <c:txPr>
-          <a:bodyPr rot="-60000000" spcFirstLastPara="1" vertOverflow="ellipsis" vert="horz" wrap="square" anchor="ctr" anchorCtr="1"/>
-          <a:lstStyle/>
-          <a:p>
-            <a:pPr>
-              <a:defRPr sz="1400" b="0" i="0" u="none" strike="noStrike" kern="1200" baseline="0">
-                <a:solidFill>
-                  <a:schemeClr val="tx1"/>
-                </a:solidFill>
-                <a:latin typeface="+mn-lt"/>
-                <a:ea typeface="+mn-ea"/>
-                <a:cs typeface="+mn-cs"/>
-              </a:defRPr>
-            </a:pPr>
-            <a:endParaRPr lang="en-US"/>
-          </a:p>
-        </c:txPr>
-        <c:crossAx val="2130065504"/>
-        <c:crosses val="autoZero"/>
-        <c:crossBetween val="between"/>
-      </c:valAx>
-      <c:spPr>
-        <a:noFill/>
-        <a:ln>
-          <a:noFill/>
-        </a:ln>
-        <a:effectLst/>
-      </c:spPr>
-    </c:plotArea>
-    <c:legend>
-      <c:legendPos val="b"/>
-      <c:layout>
-        <c:manualLayout>
-          <c:xMode val="edge"/>
-          <c:yMode val="edge"/>
-          <c:x val="0.462438523423847"/>
-          <c:y val="0.16582938106468"/>
-          <c:w val="0.51751481767042"/>
-          <c:h val="0.117235589730077"/>
-        </c:manualLayout>
-      </c:layout>
-      <c:overlay val="0"/>
-      <c:spPr>
-        <a:noFill/>
-        <a:ln>
-          <a:noFill/>
-        </a:ln>
-        <a:effectLst/>
-      </c:spPr>
-      <c:txPr>
-        <a:bodyPr rot="0" spcFirstLastPara="1" vertOverflow="ellipsis" vert="horz" wrap="square" anchor="ctr" anchorCtr="1"/>
-        <a:lstStyle/>
-        <a:p>
-          <a:pPr>
-            <a:defRPr sz="1600" b="0" i="0" u="none" strike="noStrike" kern="1200" baseline="0">
-              <a:solidFill>
-                <a:schemeClr val="tx1"/>
-              </a:solidFill>
-              <a:latin typeface="+mn-lt"/>
-              <a:ea typeface="+mn-ea"/>
-              <a:cs typeface="+mn-cs"/>
-            </a:defRPr>
-          </a:pPr>
-          <a:endParaRPr lang="en-US"/>
-        </a:p>
-      </c:txPr>
-    </c:legend>
-    <c:plotVisOnly val="1"/>
-    <c:dispBlanksAs val="gap"/>
-    <c:showDLblsOverMax val="0"/>
-  </c:chart>
-  <c:spPr>
-    <a:noFill/>
-    <a:ln>
-      <a:noFill/>
-    </a:ln>
-    <a:effectLst/>
-  </c:spPr>
-  <c:txPr>
-    <a:bodyPr/>
-    <a:lstStyle/>
-    <a:p>
-      <a:pPr>
-        <a:defRPr/>
-      </a:pPr>
-      <a:endParaRPr lang="en-US"/>
-    </a:p>
-  </c:txPr>
-  <c:externalData r:id="rId3">
-    <c:autoUpdate val="0"/>
-  </c:externalData>
-</c:chartSpace>
-</file>
-
-<file path=ppt/charts/chart9.xml><?xml version="1.0" encoding="utf-8"?>
-<c:chartSpace xmlns:c="http://schemas.openxmlformats.org/drawingml/2006/chart" xmlns:a="http://schemas.openxmlformats.org/drawingml/2006/main" xmlns:r="http://schemas.openxmlformats.org/officeDocument/2006/relationships">
-  <c:date1904 val="0"/>
-  <c:lang val="en-US"/>
-  <c:roundedCorners val="0"/>
-  <mc:AlternateContent xmlns:mc="http://schemas.openxmlformats.org/markup-compatibility/2006">
-    <mc:Choice xmlns:c14="http://schemas.microsoft.com/office/drawing/2007/8/2/chart" Requires="c14">
-      <c14:style val="102"/>
-    </mc:Choice>
-    <mc:Fallback>
-      <c:style val="2"/>
-    </mc:Fallback>
-  </mc:AlternateContent>
-  <c:chart>
-    <c:title>
-      <c:tx>
-        <c:rich>
-          <a:bodyPr rot="0" spcFirstLastPara="1" vertOverflow="ellipsis" vert="horz" wrap="square" anchor="ctr" anchorCtr="1"/>
-          <a:lstStyle/>
-          <a:p>
-            <a:pPr>
-              <a:defRPr sz="1862" b="0" i="0" u="none" strike="noStrike" kern="1200" spc="0" baseline="0">
-                <a:solidFill>
-                  <a:schemeClr val="tx1"/>
-                </a:solidFill>
-                <a:latin typeface="+mn-lt"/>
-                <a:ea typeface="+mn-ea"/>
-                <a:cs typeface="+mn-cs"/>
-              </a:defRPr>
-            </a:pPr>
-            <a:r>
-              <a:rPr lang="en-US" b="1" dirty="0" smtClean="0">
-                <a:solidFill>
-                  <a:schemeClr val="tx1"/>
-                </a:solidFill>
-              </a:rPr>
-              <a:t>Original 2D Cannon</a:t>
-            </a:r>
-          </a:p>
-        </c:rich>
-      </c:tx>
-      <c:overlay val="0"/>
-      <c:spPr>
-        <a:noFill/>
-        <a:ln>
-          <a:noFill/>
-        </a:ln>
-        <a:effectLst/>
-      </c:spPr>
-      <c:txPr>
-        <a:bodyPr rot="0" spcFirstLastPara="1" vertOverflow="ellipsis" vert="horz" wrap="square" anchor="ctr" anchorCtr="1"/>
-        <a:lstStyle/>
-        <a:p>
-          <a:pPr>
-            <a:defRPr sz="1862" b="0" i="0" u="none" strike="noStrike" kern="1200" spc="0" baseline="0">
-              <a:solidFill>
-                <a:schemeClr val="tx1"/>
-              </a:solidFill>
-              <a:latin typeface="+mn-lt"/>
-              <a:ea typeface="+mn-ea"/>
-              <a:cs typeface="+mn-cs"/>
-            </a:defRPr>
-          </a:pPr>
-          <a:endParaRPr lang="en-US"/>
-        </a:p>
-      </c:txPr>
-    </c:title>
-    <c:autoTitleDeleted val="0"/>
-    <c:plotArea>
-      <c:layout>
-        <c:manualLayout>
-          <c:layoutTarget val="inner"/>
-          <c:xMode val="edge"/>
-          <c:yMode val="edge"/>
-          <c:x val="0.205013981809807"/>
-          <c:y val="0.112288154310818"/>
-          <c:w val="0.743636962487198"/>
-          <c:h val="0.703776529566112"/>
-        </c:manualLayout>
-      </c:layout>
-      <c:barChart>
-        <c:barDir val="col"/>
-        <c:grouping val="clustered"/>
-        <c:varyColors val="0"/>
-        <c:ser>
-          <c:idx val="0"/>
-          <c:order val="0"/>
-          <c:tx>
-            <c:strRef>
-              <c:f>Sheet1!$B$1</c:f>
-              <c:strCache>
-                <c:ptCount val="1"/>
-                <c:pt idx="0">
-                  <c:v>No Overlap</c:v>
-                </c:pt>
-              </c:strCache>
-            </c:strRef>
-          </c:tx>
-          <c:spPr>
-            <a:solidFill>
-              <a:schemeClr val="accent6">
-                <a:lumMod val="75000"/>
-              </a:schemeClr>
-            </a:solidFill>
-            <a:ln>
-              <a:solidFill>
-                <a:schemeClr val="tx1"/>
-              </a:solidFill>
-            </a:ln>
-            <a:effectLst/>
-          </c:spPr>
-          <c:invertIfNegative val="0"/>
-          <c:cat>
-            <c:numRef>
-              <c:f>Sheet1!$A$2:$A$4</c:f>
-              <c:numCache>
-                <c:formatCode>General</c:formatCode>
-                <c:ptCount val="3"/>
-                <c:pt idx="0">
-                  <c:v>4.0</c:v>
-                </c:pt>
-                <c:pt idx="1">
-                  <c:v>8.0</c:v>
-                </c:pt>
-                <c:pt idx="2">
-                  <c:v>16.0</c:v>
-                </c:pt>
-              </c:numCache>
-            </c:numRef>
-          </c:cat>
-          <c:val>
-            <c:numRef>
-              <c:f>Sheet1!$B$2:$B$4</c:f>
-              <c:numCache>
-                <c:formatCode>General</c:formatCode>
-                <c:ptCount val="3"/>
-                <c:pt idx="0">
-                  <c:v>1.146</c:v>
-                </c:pt>
-                <c:pt idx="1">
-                  <c:v>1.916</c:v>
-                </c:pt>
-                <c:pt idx="2">
-                  <c:v>2.027</c:v>
-                </c:pt>
-              </c:numCache>
-            </c:numRef>
-          </c:val>
-        </c:ser>
-        <c:ser>
-          <c:idx val="1"/>
-          <c:order val="1"/>
-          <c:tx>
-            <c:strRef>
-              <c:f>Sheet1!$C$1</c:f>
-              <c:strCache>
-                <c:ptCount val="1"/>
-                <c:pt idx="0">
-                  <c:v>Overlap</c:v>
-                </c:pt>
-              </c:strCache>
-            </c:strRef>
-          </c:tx>
-          <c:spPr>
-            <a:solidFill>
-              <a:srgbClr val="FF0000"/>
-            </a:solidFill>
-            <a:ln>
-              <a:solidFill>
-                <a:schemeClr val="tx1"/>
-              </a:solidFill>
-            </a:ln>
-            <a:effectLst/>
-          </c:spPr>
-          <c:invertIfNegative val="0"/>
-          <c:cat>
-            <c:numRef>
-              <c:f>Sheet1!$A$2:$A$4</c:f>
-              <c:numCache>
-                <c:formatCode>General</c:formatCode>
-                <c:ptCount val="3"/>
-                <c:pt idx="0">
-                  <c:v>4.0</c:v>
-                </c:pt>
-                <c:pt idx="1">
-                  <c:v>8.0</c:v>
-                </c:pt>
-                <c:pt idx="2">
-                  <c:v>16.0</c:v>
-                </c:pt>
-              </c:numCache>
-            </c:numRef>
-          </c:cat>
-          <c:val>
-            <c:numRef>
-              <c:f>Sheet1!$C$2:$C$4</c:f>
-              <c:numCache>
-                <c:formatCode>General</c:formatCode>
-                <c:ptCount val="3"/>
-                <c:pt idx="0">
-                  <c:v>1.049</c:v>
-                </c:pt>
-                <c:pt idx="1">
-                  <c:v>1.803</c:v>
-                </c:pt>
-                <c:pt idx="2">
-                  <c:v>1.792</c:v>
-                </c:pt>
-              </c:numCache>
-            </c:numRef>
-          </c:val>
-        </c:ser>
-        <c:dLbls>
-          <c:showLegendKey val="0"/>
-          <c:showVal val="0"/>
-          <c:showCatName val="0"/>
-          <c:showSerName val="0"/>
-          <c:showPercent val="0"/>
-          <c:showBubbleSize val="0"/>
-        </c:dLbls>
-        <c:gapWidth val="219"/>
-        <c:overlap val="-27"/>
-        <c:axId val="2128694064"/>
-        <c:axId val="2129531184"/>
-      </c:barChart>
-      <c:catAx>
-        <c:axId val="2128694064"/>
-        <c:scaling>
-          <c:orientation val="minMax"/>
-        </c:scaling>
-        <c:delete val="0"/>
-        <c:axPos val="b"/>
-        <c:numFmt formatCode="General" sourceLinked="1"/>
-        <c:majorTickMark val="none"/>
-        <c:minorTickMark val="none"/>
-        <c:tickLblPos val="nextTo"/>
-        <c:spPr>
-          <a:noFill/>
-          <a:ln w="9525" cap="flat" cmpd="sng" algn="ctr">
-            <a:solidFill>
-              <a:schemeClr val="tx1">
-                <a:lumMod val="15000"/>
-                <a:lumOff val="85000"/>
-              </a:schemeClr>
-            </a:solidFill>
-            <a:round/>
-          </a:ln>
-          <a:effectLst/>
-        </c:spPr>
-        <c:txPr>
-          <a:bodyPr rot="-60000000" spcFirstLastPara="1" vertOverflow="ellipsis" vert="horz" wrap="square" anchor="ctr" anchorCtr="1"/>
-          <a:lstStyle/>
-          <a:p>
-            <a:pPr>
-              <a:defRPr sz="1400" b="0" i="0" u="none" strike="noStrike" kern="1200" baseline="0">
-                <a:solidFill>
-                  <a:schemeClr val="tx1"/>
-                </a:solidFill>
-                <a:latin typeface="+mn-lt"/>
-                <a:ea typeface="+mn-ea"/>
-                <a:cs typeface="+mn-cs"/>
-              </a:defRPr>
-            </a:pPr>
-            <a:endParaRPr lang="en-US"/>
-          </a:p>
-        </c:txPr>
-        <c:crossAx val="2129531184"/>
-        <c:crosses val="autoZero"/>
-        <c:auto val="1"/>
-        <c:lblAlgn val="ctr"/>
-        <c:lblOffset val="100"/>
-        <c:noMultiLvlLbl val="0"/>
-      </c:catAx>
-      <c:valAx>
-        <c:axId val="2129531184"/>
-        <c:scaling>
-          <c:orientation val="minMax"/>
-        </c:scaling>
-        <c:delete val="0"/>
-        <c:axPos val="l"/>
-        <c:majorGridlines>
-          <c:spPr>
-            <a:ln w="9525" cap="flat" cmpd="sng" algn="ctr">
-              <a:solidFill>
-                <a:schemeClr val="tx1">
-                  <a:lumMod val="15000"/>
-                  <a:lumOff val="85000"/>
-                </a:schemeClr>
-              </a:solidFill>
-              <a:round/>
-            </a:ln>
-            <a:effectLst/>
-          </c:spPr>
-        </c:majorGridlines>
-        <c:numFmt formatCode="General" sourceLinked="1"/>
-        <c:majorTickMark val="none"/>
-        <c:minorTickMark val="none"/>
-        <c:tickLblPos val="nextTo"/>
-        <c:spPr>
-          <a:noFill/>
-          <a:ln>
-            <a:noFill/>
-          </a:ln>
-          <a:effectLst/>
-        </c:spPr>
-        <c:txPr>
-          <a:bodyPr rot="-60000000" spcFirstLastPara="1" vertOverflow="ellipsis" vert="horz" wrap="square" anchor="ctr" anchorCtr="1"/>
-          <a:lstStyle/>
-          <a:p>
-            <a:pPr>
-              <a:defRPr sz="1400" b="0" i="0" u="none" strike="noStrike" kern="1200" baseline="0">
-                <a:solidFill>
-                  <a:schemeClr val="tx1"/>
-                </a:solidFill>
-                <a:latin typeface="+mn-lt"/>
-                <a:ea typeface="+mn-ea"/>
-                <a:cs typeface="+mn-cs"/>
-              </a:defRPr>
-            </a:pPr>
-            <a:endParaRPr lang="en-US"/>
-          </a:p>
-        </c:txPr>
-        <c:crossAx val="2128694064"/>
-        <c:crosses val="autoZero"/>
-        <c:crossBetween val="between"/>
-      </c:valAx>
-      <c:spPr>
-        <a:noFill/>
-        <a:ln>
-          <a:noFill/>
-        </a:ln>
-        <a:effectLst/>
-      </c:spPr>
-    </c:plotArea>
-    <c:legend>
-      <c:legendPos val="b"/>
-      <c:layout>
-        <c:manualLayout>
-          <c:xMode val="edge"/>
-          <c:yMode val="edge"/>
-          <c:x val="0.150691283940995"/>
-          <c:y val="0.132118017832515"/>
-          <c:w val="0.44641612515858"/>
-          <c:h val="0.117235589730077"/>
-        </c:manualLayout>
-      </c:layout>
-      <c:overlay val="0"/>
-      <c:spPr>
-        <a:noFill/>
-        <a:ln>
-          <a:noFill/>
-        </a:ln>
-        <a:effectLst/>
-      </c:spPr>
-      <c:txPr>
-        <a:bodyPr rot="0" spcFirstLastPara="1" vertOverflow="ellipsis" vert="horz" wrap="square" anchor="ctr" anchorCtr="1"/>
-        <a:lstStyle/>
-        <a:p>
-          <a:pPr>
-            <a:defRPr sz="1600" b="0" i="0" u="none" strike="noStrike" kern="1200" baseline="0">
-              <a:solidFill>
-                <a:schemeClr val="tx1"/>
-              </a:solidFill>
-              <a:latin typeface="+mn-lt"/>
-              <a:ea typeface="+mn-ea"/>
-              <a:cs typeface="+mn-cs"/>
-            </a:defRPr>
-          </a:pPr>
-          <a:endParaRPr lang="en-US"/>
-        </a:p>
-      </c:txPr>
-    </c:legend>
-    <c:plotVisOnly val="1"/>
-    <c:dispBlanksAs val="gap"/>
-    <c:showDLblsOverMax val="0"/>
-  </c:chart>
-  <c:spPr>
-    <a:noFill/>
-    <a:ln>
-      <a:noFill/>
-    </a:ln>
-    <a:effectLst/>
-  </c:spPr>
-  <c:txPr>
-    <a:bodyPr/>
-    <a:lstStyle/>
-    <a:p>
-      <a:pPr>
-        <a:defRPr/>
-      </a:pPr>
-      <a:endParaRPr lang="en-US"/>
-    </a:p>
-  </c:txPr>
-  <c:externalData r:id="rId3">
-    <c:autoUpdate val="0"/>
-  </c:externalData>
-</c:chartSpace>
-</file>
-
 <file path=ppt/charts/colors1.xml><?xml version="1.0" encoding="utf-8"?>
-<cs:colorStyle xmlns:cs="http://schemas.microsoft.com/office/drawing/2012/chartStyle" xmlns:a="http://schemas.openxmlformats.org/drawingml/2006/main" meth="cycle" id="10">
-  <a:schemeClr val="accent1"/>
-  <a:schemeClr val="accent2"/>
-  <a:schemeClr val="accent3"/>
-  <a:schemeClr val="accent4"/>
-  <a:schemeClr val="accent5"/>
-  <a:schemeClr val="accent6"/>
-  <cs:variation/>
-  <cs:variation>
-    <a:lumMod val="60000"/>
-  </cs:variation>
-  <cs:variation>
-    <a:lumMod val="80000"/>
-    <a:lumOff val="20000"/>
-  </cs:variation>
-  <cs:variation>
-    <a:lumMod val="80000"/>
-  </cs:variation>
-  <cs:variation>
-    <a:lumMod val="60000"/>
-    <a:lumOff val="40000"/>
-  </cs:variation>
-  <cs:variation>
-    <a:lumMod val="50000"/>
-  </cs:variation>
-  <cs:variation>
-    <a:lumMod val="70000"/>
-    <a:lumOff val="30000"/>
-  </cs:variation>
-  <cs:variation>
-    <a:lumMod val="70000"/>
-  </cs:variation>
-  <cs:variation>
-    <a:lumMod val="50000"/>
-    <a:lumOff val="50000"/>
-  </cs:variation>
-</cs:colorStyle>
-</file>
-
-<file path=ppt/charts/colors10.xml><?xml version="1.0" encoding="utf-8"?>
 <cs:colorStyle xmlns:cs="http://schemas.microsoft.com/office/drawing/2012/chartStyle" xmlns:a="http://schemas.openxmlformats.org/drawingml/2006/main" meth="cycle" id="10">
   <a:schemeClr val="accent1"/>
   <a:schemeClr val="accent2"/>
@@ -5348,8 +4787,8 @@
 </cs:chartStyle>
 </file>
 
-<file path=ppt/charts/style10.xml><?xml version="1.0" encoding="utf-8"?>
-<cs:chartStyle xmlns:cs="http://schemas.microsoft.com/office/drawing/2012/chartStyle" xmlns:a="http://schemas.openxmlformats.org/drawingml/2006/main" id="201">
+<file path=ppt/charts/style2.xml><?xml version="1.0" encoding="utf-8"?>
+<cs:chartStyle xmlns:cs="http://schemas.microsoft.com/office/drawing/2012/chartStyle" xmlns:a="http://schemas.openxmlformats.org/drawingml/2006/main" id="240">
   <cs:axisTitle>
     <cs:lnRef idx="0"/>
     <cs:fillRef idx="0"/>
@@ -5376,8 +4815,8 @@
       <a:ln w="9525" cap="flat" cmpd="sng" algn="ctr">
         <a:solidFill>
           <a:schemeClr val="tx1">
-            <a:lumMod val="15000"/>
-            <a:lumOff val="85000"/>
+            <a:lumMod val="25000"/>
+            <a:lumOff val="75000"/>
           </a:schemeClr>
         </a:solidFill>
         <a:round/>
@@ -5478,7 +4917,7 @@
       <a:schemeClr val="tx1"/>
     </cs:fontRef>
     <cs:spPr>
-      <a:ln w="28575" cap="rnd">
+      <a:ln w="19050" cap="rnd">
         <a:solidFill>
           <a:schemeClr val="phClr"/>
         </a:solidFill>
@@ -5510,10 +4949,10 @@
     <cs:lnRef idx="0">
       <cs:styleClr val="auto"/>
     </cs:lnRef>
-    <cs:fillRef idx="1"/>
-    <cs:effectRef idx="0"/>
-    <cs:fontRef idx="minor">
-      <a:schemeClr val="tx1"/>
+    <cs:fillRef idx="0"/>
+    <cs:effectRef idx="0"/>
+    <cs:fontRef idx="minor">
+      <a:schemeClr val="dk1"/>
     </cs:fontRef>
     <cs:spPr>
       <a:ln w="9525" cap="rnd">
@@ -5553,22 +4992,23 @@
     <cs:fillRef idx="0"/>
     <cs:effectRef idx="0"/>
     <cs:fontRef idx="minor">
-      <a:schemeClr val="dk1"/>
+      <a:schemeClr val="tx1"/>
     </cs:fontRef>
     <cs:spPr>
       <a:solidFill>
         <a:schemeClr val="dk1">
-          <a:lumMod val="65000"/>
-          <a:lumOff val="35000"/>
+          <a:lumMod val="75000"/>
+          <a:lumOff val="25000"/>
         </a:schemeClr>
       </a:solidFill>
-      <a:ln w="9525">
+      <a:ln w="9525" cap="flat" cmpd="sng" algn="ctr">
         <a:solidFill>
           <a:schemeClr val="tx1">
             <a:lumMod val="65000"/>
             <a:lumOff val="35000"/>
           </a:schemeClr>
         </a:solidFill>
+        <a:round/>
       </a:ln>
     </cs:spPr>
   </cs:downBar>
@@ -5673,8 +5113,8 @@
       <a:ln w="9525" cap="flat" cmpd="sng" algn="ctr">
         <a:solidFill>
           <a:schemeClr val="tx1">
-            <a:lumMod val="75000"/>
-            <a:lumOff val="25000"/>
+            <a:lumMod val="50000"/>
+            <a:lumOff val="50000"/>
           </a:schemeClr>
         </a:solidFill>
         <a:round/>
@@ -5806,19 +5246,20 @@
     <cs:fillRef idx="0"/>
     <cs:effectRef idx="0"/>
     <cs:fontRef idx="minor">
-      <a:schemeClr val="dk1"/>
+      <a:schemeClr val="tx1"/>
     </cs:fontRef>
     <cs:spPr>
       <a:solidFill>
         <a:schemeClr val="lt1"/>
       </a:solidFill>
-      <a:ln w="9525">
+      <a:ln w="9525" cap="flat" cmpd="sng" algn="ctr">
         <a:solidFill>
           <a:schemeClr val="tx1">
-            <a:lumMod val="15000"/>
-            <a:lumOff val="85000"/>
+            <a:lumMod val="65000"/>
+            <a:lumOff val="35000"/>
           </a:schemeClr>
         </a:solidFill>
+        <a:round/>
       </a:ln>
     </cs:spPr>
   </cs:upBar>
@@ -5832,6 +5273,17 @@
         <a:lumOff val="35000"/>
       </a:schemeClr>
     </cs:fontRef>
+    <cs:spPr>
+      <a:ln w="9525" cap="flat" cmpd="sng" algn="ctr">
+        <a:solidFill>
+          <a:schemeClr val="tx1">
+            <a:lumMod val="25000"/>
+            <a:lumOff val="75000"/>
+          </a:schemeClr>
+        </a:solidFill>
+        <a:round/>
+      </a:ln>
+    </cs:spPr>
     <cs:defRPr sz="1197" kern="1200"/>
   </cs:valueAxis>
   <cs:wall>
@@ -5851,7 +5303,7 @@
 </cs:chartStyle>
 </file>
 
-<file path=ppt/charts/style2.xml><?xml version="1.0" encoding="utf-8"?>
+<file path=ppt/charts/style3.xml><?xml version="1.0" encoding="utf-8"?>
 <cs:chartStyle xmlns:cs="http://schemas.microsoft.com/office/drawing/2012/chartStyle" xmlns:a="http://schemas.openxmlformats.org/drawingml/2006/main" id="201">
   <cs:axisTitle>
     <cs:lnRef idx="0"/>
@@ -6335,522 +5787,6 @@
         <a:lumOff val="35000"/>
       </a:schemeClr>
     </cs:fontRef>
-    <cs:defRPr sz="1197" kern="1200"/>
-  </cs:valueAxis>
-  <cs:wall>
-    <cs:lnRef idx="0"/>
-    <cs:fillRef idx="0"/>
-    <cs:effectRef idx="0"/>
-    <cs:fontRef idx="minor">
-      <a:schemeClr val="tx1"/>
-    </cs:fontRef>
-    <cs:spPr>
-      <a:noFill/>
-      <a:ln>
-        <a:noFill/>
-      </a:ln>
-    </cs:spPr>
-  </cs:wall>
-</cs:chartStyle>
-</file>
-
-<file path=ppt/charts/style3.xml><?xml version="1.0" encoding="utf-8"?>
-<cs:chartStyle xmlns:cs="http://schemas.microsoft.com/office/drawing/2012/chartStyle" xmlns:a="http://schemas.openxmlformats.org/drawingml/2006/main" id="240">
-  <cs:axisTitle>
-    <cs:lnRef idx="0"/>
-    <cs:fillRef idx="0"/>
-    <cs:effectRef idx="0"/>
-    <cs:fontRef idx="minor">
-      <a:schemeClr val="tx1">
-        <a:lumMod val="65000"/>
-        <a:lumOff val="35000"/>
-      </a:schemeClr>
-    </cs:fontRef>
-    <cs:defRPr sz="1330" kern="1200"/>
-  </cs:axisTitle>
-  <cs:categoryAxis>
-    <cs:lnRef idx="0"/>
-    <cs:fillRef idx="0"/>
-    <cs:effectRef idx="0"/>
-    <cs:fontRef idx="minor">
-      <a:schemeClr val="tx1">
-        <a:lumMod val="65000"/>
-        <a:lumOff val="35000"/>
-      </a:schemeClr>
-    </cs:fontRef>
-    <cs:spPr>
-      <a:ln w="9525" cap="flat" cmpd="sng" algn="ctr">
-        <a:solidFill>
-          <a:schemeClr val="tx1">
-            <a:lumMod val="25000"/>
-            <a:lumOff val="75000"/>
-          </a:schemeClr>
-        </a:solidFill>
-        <a:round/>
-      </a:ln>
-    </cs:spPr>
-    <cs:defRPr sz="1197" kern="1200"/>
-  </cs:categoryAxis>
-  <cs:chartArea mods="allowNoFillOverride allowNoLineOverride">
-    <cs:lnRef idx="0"/>
-    <cs:fillRef idx="0"/>
-    <cs:effectRef idx="0"/>
-    <cs:fontRef idx="minor">
-      <a:schemeClr val="tx1"/>
-    </cs:fontRef>
-    <cs:spPr>
-      <a:solidFill>
-        <a:schemeClr val="bg1"/>
-      </a:solidFill>
-      <a:ln w="9525" cap="flat" cmpd="sng" algn="ctr">
-        <a:solidFill>
-          <a:schemeClr val="tx1">
-            <a:lumMod val="15000"/>
-            <a:lumOff val="85000"/>
-          </a:schemeClr>
-        </a:solidFill>
-        <a:round/>
-      </a:ln>
-    </cs:spPr>
-    <cs:defRPr sz="1330" kern="1200"/>
-  </cs:chartArea>
-  <cs:dataLabel>
-    <cs:lnRef idx="0"/>
-    <cs:fillRef idx="0"/>
-    <cs:effectRef idx="0"/>
-    <cs:fontRef idx="minor">
-      <a:schemeClr val="tx1">
-        <a:lumMod val="75000"/>
-        <a:lumOff val="25000"/>
-      </a:schemeClr>
-    </cs:fontRef>
-    <cs:defRPr sz="1197" kern="1200"/>
-  </cs:dataLabel>
-  <cs:dataLabelCallout>
-    <cs:lnRef idx="0"/>
-    <cs:fillRef idx="0"/>
-    <cs:effectRef idx="0"/>
-    <cs:fontRef idx="minor">
-      <a:schemeClr val="dk1">
-        <a:lumMod val="65000"/>
-        <a:lumOff val="35000"/>
-      </a:schemeClr>
-    </cs:fontRef>
-    <cs:spPr>
-      <a:solidFill>
-        <a:schemeClr val="lt1"/>
-      </a:solidFill>
-      <a:ln>
-        <a:solidFill>
-          <a:schemeClr val="dk1">
-            <a:lumMod val="25000"/>
-            <a:lumOff val="75000"/>
-          </a:schemeClr>
-        </a:solidFill>
-      </a:ln>
-    </cs:spPr>
-    <cs:defRPr sz="1197" kern="1200"/>
-    <cs:bodyPr rot="0" spcFirstLastPara="1" vertOverflow="clip" horzOverflow="clip" vert="horz" wrap="square" lIns="36576" tIns="18288" rIns="36576" bIns="18288" anchor="ctr" anchorCtr="1">
-      <a:spAutoFit/>
-    </cs:bodyPr>
-  </cs:dataLabelCallout>
-  <cs:dataPoint>
-    <cs:lnRef idx="0"/>
-    <cs:fillRef idx="1">
-      <cs:styleClr val="auto"/>
-    </cs:fillRef>
-    <cs:effectRef idx="0"/>
-    <cs:fontRef idx="minor">
-      <a:schemeClr val="tx1"/>
-    </cs:fontRef>
-  </cs:dataPoint>
-  <cs:dataPoint3D>
-    <cs:lnRef idx="0"/>
-    <cs:fillRef idx="1">
-      <cs:styleClr val="auto"/>
-    </cs:fillRef>
-    <cs:effectRef idx="0"/>
-    <cs:fontRef idx="minor">
-      <a:schemeClr val="tx1"/>
-    </cs:fontRef>
-  </cs:dataPoint3D>
-  <cs:dataPointLine>
-    <cs:lnRef idx="0">
-      <cs:styleClr val="auto"/>
-    </cs:lnRef>
-    <cs:fillRef idx="1"/>
-    <cs:effectRef idx="0"/>
-    <cs:fontRef idx="minor">
-      <a:schemeClr val="tx1"/>
-    </cs:fontRef>
-    <cs:spPr>
-      <a:ln w="19050" cap="rnd">
-        <a:solidFill>
-          <a:schemeClr val="phClr"/>
-        </a:solidFill>
-        <a:round/>
-      </a:ln>
-    </cs:spPr>
-  </cs:dataPointLine>
-  <cs:dataPointMarker>
-    <cs:lnRef idx="0">
-      <cs:styleClr val="auto"/>
-    </cs:lnRef>
-    <cs:fillRef idx="1">
-      <cs:styleClr val="auto"/>
-    </cs:fillRef>
-    <cs:effectRef idx="0"/>
-    <cs:fontRef idx="minor">
-      <a:schemeClr val="tx1"/>
-    </cs:fontRef>
-    <cs:spPr>
-      <a:ln w="9525">
-        <a:solidFill>
-          <a:schemeClr val="phClr"/>
-        </a:solidFill>
-      </a:ln>
-    </cs:spPr>
-  </cs:dataPointMarker>
-  <cs:dataPointMarkerLayout symbol="circle" size="5"/>
-  <cs:dataPointWireframe>
-    <cs:lnRef idx="0">
-      <cs:styleClr val="auto"/>
-    </cs:lnRef>
-    <cs:fillRef idx="0"/>
-    <cs:effectRef idx="0"/>
-    <cs:fontRef idx="minor">
-      <a:schemeClr val="dk1"/>
-    </cs:fontRef>
-    <cs:spPr>
-      <a:ln w="9525" cap="rnd">
-        <a:solidFill>
-          <a:schemeClr val="phClr"/>
-        </a:solidFill>
-        <a:round/>
-      </a:ln>
-    </cs:spPr>
-  </cs:dataPointWireframe>
-  <cs:dataTable>
-    <cs:lnRef idx="0"/>
-    <cs:fillRef idx="0"/>
-    <cs:effectRef idx="0"/>
-    <cs:fontRef idx="minor">
-      <a:schemeClr val="tx1">
-        <a:lumMod val="65000"/>
-        <a:lumOff val="35000"/>
-      </a:schemeClr>
-    </cs:fontRef>
-    <cs:spPr>
-      <a:noFill/>
-      <a:ln w="9525" cap="flat" cmpd="sng" algn="ctr">
-        <a:solidFill>
-          <a:schemeClr val="tx1">
-            <a:lumMod val="15000"/>
-            <a:lumOff val="85000"/>
-          </a:schemeClr>
-        </a:solidFill>
-        <a:round/>
-      </a:ln>
-    </cs:spPr>
-    <cs:defRPr sz="1197" kern="1200"/>
-  </cs:dataTable>
-  <cs:downBar>
-    <cs:lnRef idx="0"/>
-    <cs:fillRef idx="0"/>
-    <cs:effectRef idx="0"/>
-    <cs:fontRef idx="minor">
-      <a:schemeClr val="tx1"/>
-    </cs:fontRef>
-    <cs:spPr>
-      <a:solidFill>
-        <a:schemeClr val="dk1">
-          <a:lumMod val="75000"/>
-          <a:lumOff val="25000"/>
-        </a:schemeClr>
-      </a:solidFill>
-      <a:ln w="9525" cap="flat" cmpd="sng" algn="ctr">
-        <a:solidFill>
-          <a:schemeClr val="tx1">
-            <a:lumMod val="65000"/>
-            <a:lumOff val="35000"/>
-          </a:schemeClr>
-        </a:solidFill>
-        <a:round/>
-      </a:ln>
-    </cs:spPr>
-  </cs:downBar>
-  <cs:dropLine>
-    <cs:lnRef idx="0"/>
-    <cs:fillRef idx="0"/>
-    <cs:effectRef idx="0"/>
-    <cs:fontRef idx="minor">
-      <a:schemeClr val="tx1"/>
-    </cs:fontRef>
-    <cs:spPr>
-      <a:ln w="9525" cap="flat" cmpd="sng" algn="ctr">
-        <a:solidFill>
-          <a:schemeClr val="tx1">
-            <a:lumMod val="35000"/>
-            <a:lumOff val="65000"/>
-          </a:schemeClr>
-        </a:solidFill>
-        <a:round/>
-      </a:ln>
-    </cs:spPr>
-  </cs:dropLine>
-  <cs:errorBar>
-    <cs:lnRef idx="0"/>
-    <cs:fillRef idx="0"/>
-    <cs:effectRef idx="0"/>
-    <cs:fontRef idx="minor">
-      <a:schemeClr val="tx1"/>
-    </cs:fontRef>
-    <cs:spPr>
-      <a:ln w="9525" cap="flat" cmpd="sng" algn="ctr">
-        <a:solidFill>
-          <a:schemeClr val="tx1">
-            <a:lumMod val="65000"/>
-            <a:lumOff val="35000"/>
-          </a:schemeClr>
-        </a:solidFill>
-        <a:round/>
-      </a:ln>
-    </cs:spPr>
-  </cs:errorBar>
-  <cs:floor>
-    <cs:lnRef idx="0"/>
-    <cs:fillRef idx="0"/>
-    <cs:effectRef idx="0"/>
-    <cs:fontRef idx="minor">
-      <a:schemeClr val="tx1"/>
-    </cs:fontRef>
-    <cs:spPr>
-      <a:noFill/>
-      <a:ln>
-        <a:noFill/>
-      </a:ln>
-    </cs:spPr>
-  </cs:floor>
-  <cs:gridlineMajor>
-    <cs:lnRef idx="0"/>
-    <cs:fillRef idx="0"/>
-    <cs:effectRef idx="0"/>
-    <cs:fontRef idx="minor">
-      <a:schemeClr val="tx1"/>
-    </cs:fontRef>
-    <cs:spPr>
-      <a:ln w="9525" cap="flat" cmpd="sng" algn="ctr">
-        <a:solidFill>
-          <a:schemeClr val="tx1">
-            <a:lumMod val="15000"/>
-            <a:lumOff val="85000"/>
-          </a:schemeClr>
-        </a:solidFill>
-        <a:round/>
-      </a:ln>
-    </cs:spPr>
-  </cs:gridlineMajor>
-  <cs:gridlineMinor>
-    <cs:lnRef idx="0"/>
-    <cs:fillRef idx="0"/>
-    <cs:effectRef idx="0"/>
-    <cs:fontRef idx="minor">
-      <a:schemeClr val="tx1"/>
-    </cs:fontRef>
-    <cs:spPr>
-      <a:ln w="9525" cap="flat" cmpd="sng" algn="ctr">
-        <a:solidFill>
-          <a:schemeClr val="tx1">
-            <a:lumMod val="5000"/>
-            <a:lumOff val="95000"/>
-          </a:schemeClr>
-        </a:solidFill>
-        <a:round/>
-      </a:ln>
-    </cs:spPr>
-  </cs:gridlineMinor>
-  <cs:hiLoLine>
-    <cs:lnRef idx="0"/>
-    <cs:fillRef idx="0"/>
-    <cs:effectRef idx="0"/>
-    <cs:fontRef idx="minor">
-      <a:schemeClr val="tx1"/>
-    </cs:fontRef>
-    <cs:spPr>
-      <a:ln w="9525" cap="flat" cmpd="sng" algn="ctr">
-        <a:solidFill>
-          <a:schemeClr val="tx1">
-            <a:lumMod val="50000"/>
-            <a:lumOff val="50000"/>
-          </a:schemeClr>
-        </a:solidFill>
-        <a:round/>
-      </a:ln>
-    </cs:spPr>
-  </cs:hiLoLine>
-  <cs:leaderLine>
-    <cs:lnRef idx="0"/>
-    <cs:fillRef idx="0"/>
-    <cs:effectRef idx="0"/>
-    <cs:fontRef idx="minor">
-      <a:schemeClr val="tx1"/>
-    </cs:fontRef>
-    <cs:spPr>
-      <a:ln w="9525" cap="flat" cmpd="sng" algn="ctr">
-        <a:solidFill>
-          <a:schemeClr val="tx1">
-            <a:lumMod val="35000"/>
-            <a:lumOff val="65000"/>
-          </a:schemeClr>
-        </a:solidFill>
-        <a:round/>
-      </a:ln>
-    </cs:spPr>
-  </cs:leaderLine>
-  <cs:legend>
-    <cs:lnRef idx="0"/>
-    <cs:fillRef idx="0"/>
-    <cs:effectRef idx="0"/>
-    <cs:fontRef idx="minor">
-      <a:schemeClr val="tx1">
-        <a:lumMod val="65000"/>
-        <a:lumOff val="35000"/>
-      </a:schemeClr>
-    </cs:fontRef>
-    <cs:defRPr sz="1197" kern="1200"/>
-  </cs:legend>
-  <cs:plotArea mods="allowNoFillOverride allowNoLineOverride">
-    <cs:lnRef idx="0"/>
-    <cs:fillRef idx="0"/>
-    <cs:effectRef idx="0"/>
-    <cs:fontRef idx="minor">
-      <a:schemeClr val="tx1"/>
-    </cs:fontRef>
-  </cs:plotArea>
-  <cs:plotArea3D mods="allowNoFillOverride allowNoLineOverride">
-    <cs:lnRef idx="0"/>
-    <cs:fillRef idx="0"/>
-    <cs:effectRef idx="0"/>
-    <cs:fontRef idx="minor">
-      <a:schemeClr val="tx1"/>
-    </cs:fontRef>
-  </cs:plotArea3D>
-  <cs:seriesAxis>
-    <cs:lnRef idx="0"/>
-    <cs:fillRef idx="0"/>
-    <cs:effectRef idx="0"/>
-    <cs:fontRef idx="minor">
-      <a:schemeClr val="tx1">
-        <a:lumMod val="65000"/>
-        <a:lumOff val="35000"/>
-      </a:schemeClr>
-    </cs:fontRef>
-    <cs:defRPr sz="1197" kern="1200"/>
-  </cs:seriesAxis>
-  <cs:seriesLine>
-    <cs:lnRef idx="0"/>
-    <cs:fillRef idx="0"/>
-    <cs:effectRef idx="0"/>
-    <cs:fontRef idx="minor">
-      <a:schemeClr val="tx1"/>
-    </cs:fontRef>
-    <cs:spPr>
-      <a:ln w="9525" cap="flat" cmpd="sng" algn="ctr">
-        <a:solidFill>
-          <a:schemeClr val="tx1">
-            <a:lumMod val="35000"/>
-            <a:lumOff val="65000"/>
-          </a:schemeClr>
-        </a:solidFill>
-        <a:round/>
-      </a:ln>
-    </cs:spPr>
-  </cs:seriesLine>
-  <cs:title>
-    <cs:lnRef idx="0"/>
-    <cs:fillRef idx="0"/>
-    <cs:effectRef idx="0"/>
-    <cs:fontRef idx="minor">
-      <a:schemeClr val="tx1">
-        <a:lumMod val="65000"/>
-        <a:lumOff val="35000"/>
-      </a:schemeClr>
-    </cs:fontRef>
-    <cs:defRPr sz="1862" b="0" kern="1200" spc="0" baseline="0"/>
-  </cs:title>
-  <cs:trendline>
-    <cs:lnRef idx="0">
-      <cs:styleClr val="auto"/>
-    </cs:lnRef>
-    <cs:fillRef idx="0"/>
-    <cs:effectRef idx="0"/>
-    <cs:fontRef idx="minor">
-      <a:schemeClr val="tx1"/>
-    </cs:fontRef>
-    <cs:spPr>
-      <a:ln w="19050" cap="rnd">
-        <a:solidFill>
-          <a:schemeClr val="phClr"/>
-        </a:solidFill>
-        <a:prstDash val="sysDot"/>
-      </a:ln>
-    </cs:spPr>
-  </cs:trendline>
-  <cs:trendlineLabel>
-    <cs:lnRef idx="0"/>
-    <cs:fillRef idx="0"/>
-    <cs:effectRef idx="0"/>
-    <cs:fontRef idx="minor">
-      <a:schemeClr val="tx1">
-        <a:lumMod val="65000"/>
-        <a:lumOff val="35000"/>
-      </a:schemeClr>
-    </cs:fontRef>
-    <cs:defRPr sz="1197" kern="1200"/>
-  </cs:trendlineLabel>
-  <cs:upBar>
-    <cs:lnRef idx="0"/>
-    <cs:fillRef idx="0"/>
-    <cs:effectRef idx="0"/>
-    <cs:fontRef idx="minor">
-      <a:schemeClr val="tx1"/>
-    </cs:fontRef>
-    <cs:spPr>
-      <a:solidFill>
-        <a:schemeClr val="lt1"/>
-      </a:solidFill>
-      <a:ln w="9525" cap="flat" cmpd="sng" algn="ctr">
-        <a:solidFill>
-          <a:schemeClr val="tx1">
-            <a:lumMod val="65000"/>
-            <a:lumOff val="35000"/>
-          </a:schemeClr>
-        </a:solidFill>
-        <a:round/>
-      </a:ln>
-    </cs:spPr>
-  </cs:upBar>
-  <cs:valueAxis>
-    <cs:lnRef idx="0"/>
-    <cs:fillRef idx="0"/>
-    <cs:effectRef idx="0"/>
-    <cs:fontRef idx="minor">
-      <a:schemeClr val="tx1">
-        <a:lumMod val="65000"/>
-        <a:lumOff val="35000"/>
-      </a:schemeClr>
-    </cs:fontRef>
-    <cs:spPr>
-      <a:ln w="9525" cap="flat" cmpd="sng" algn="ctr">
-        <a:solidFill>
-          <a:schemeClr val="tx1">
-            <a:lumMod val="25000"/>
-            <a:lumOff val="75000"/>
-          </a:schemeClr>
-        </a:solidFill>
-        <a:round/>
-      </a:ln>
-    </cs:spPr>
     <cs:defRPr sz="1197" kern="1200"/>
   </cs:valueAxis>
   <cs:wall>
@@ -9970,7 +8906,7 @@
           <a:p>
             <a:fld id="{9ED2CA11-7EE6-B24B-971C-86EC08AA14C2}" type="datetimeFigureOut">
               <a:rPr lang="en-US" smtClean="0"/>
-              <a:t>10/24/16</a:t>
+              <a:t>4/3/17</a:t>
             </a:fld>
             <a:endParaRPr lang="en-US"/>
           </a:p>
@@ -10946,7 +9882,7 @@
           <a:p>
             <a:fld id="{AECC6C86-942F-6B45-93C5-23F74F0A3B49}" type="datetimeFigureOut">
               <a:rPr lang="en-US" smtClean="0"/>
-              <a:t>10/24/16</a:t>
+              <a:t>4/3/17</a:t>
             </a:fld>
             <a:endParaRPr lang="en-US"/>
           </a:p>
@@ -11116,7 +10052,7 @@
           <a:p>
             <a:fld id="{AECC6C86-942F-6B45-93C5-23F74F0A3B49}" type="datetimeFigureOut">
               <a:rPr lang="en-US" smtClean="0"/>
-              <a:t>10/24/16</a:t>
+              <a:t>4/3/17</a:t>
             </a:fld>
             <a:endParaRPr lang="en-US"/>
           </a:p>
@@ -11296,7 +10232,7 @@
           <a:p>
             <a:fld id="{AECC6C86-942F-6B45-93C5-23F74F0A3B49}" type="datetimeFigureOut">
               <a:rPr lang="en-US" smtClean="0"/>
-              <a:t>10/24/16</a:t>
+              <a:t>4/3/17</a:t>
             </a:fld>
             <a:endParaRPr lang="en-US"/>
           </a:p>
@@ -11466,7 +10402,7 @@
           <a:p>
             <a:fld id="{AECC6C86-942F-6B45-93C5-23F74F0A3B49}" type="datetimeFigureOut">
               <a:rPr lang="en-US" smtClean="0"/>
-              <a:t>10/24/16</a:t>
+              <a:t>4/3/17</a:t>
             </a:fld>
             <a:endParaRPr lang="en-US"/>
           </a:p>
@@ -11712,7 +10648,7 @@
           <a:p>
             <a:fld id="{AECC6C86-942F-6B45-93C5-23F74F0A3B49}" type="datetimeFigureOut">
               <a:rPr lang="en-US" smtClean="0"/>
-              <a:t>10/24/16</a:t>
+              <a:t>4/3/17</a:t>
             </a:fld>
             <a:endParaRPr lang="en-US"/>
           </a:p>
@@ -11944,7 +10880,7 @@
           <a:p>
             <a:fld id="{AECC6C86-942F-6B45-93C5-23F74F0A3B49}" type="datetimeFigureOut">
               <a:rPr lang="en-US" smtClean="0"/>
-              <a:t>10/24/16</a:t>
+              <a:t>4/3/17</a:t>
             </a:fld>
             <a:endParaRPr lang="en-US"/>
           </a:p>
@@ -12311,7 +11247,7 @@
           <a:p>
             <a:fld id="{AECC6C86-942F-6B45-93C5-23F74F0A3B49}" type="datetimeFigureOut">
               <a:rPr lang="en-US" smtClean="0"/>
-              <a:t>10/24/16</a:t>
+              <a:t>4/3/17</a:t>
             </a:fld>
             <a:endParaRPr lang="en-US"/>
           </a:p>
@@ -12429,7 +11365,7 @@
           <a:p>
             <a:fld id="{AECC6C86-942F-6B45-93C5-23F74F0A3B49}" type="datetimeFigureOut">
               <a:rPr lang="en-US" smtClean="0"/>
-              <a:t>10/24/16</a:t>
+              <a:t>4/3/17</a:t>
             </a:fld>
             <a:endParaRPr lang="en-US"/>
           </a:p>
@@ -12524,7 +11460,7 @@
           <a:p>
             <a:fld id="{AECC6C86-942F-6B45-93C5-23F74F0A3B49}" type="datetimeFigureOut">
               <a:rPr lang="en-US" smtClean="0"/>
-              <a:t>10/24/16</a:t>
+              <a:t>4/3/17</a:t>
             </a:fld>
             <a:endParaRPr lang="en-US"/>
           </a:p>
@@ -12801,7 +11737,7 @@
           <a:p>
             <a:fld id="{AECC6C86-942F-6B45-93C5-23F74F0A3B49}" type="datetimeFigureOut">
               <a:rPr lang="en-US" smtClean="0"/>
-              <a:t>10/24/16</a:t>
+              <a:t>4/3/17</a:t>
             </a:fld>
             <a:endParaRPr lang="en-US"/>
           </a:p>
@@ -13054,7 +11990,7 @@
           <a:p>
             <a:fld id="{AECC6C86-942F-6B45-93C5-23F74F0A3B49}" type="datetimeFigureOut">
               <a:rPr lang="en-US" smtClean="0"/>
-              <a:t>10/24/16</a:t>
+              <a:t>4/3/17</a:t>
             </a:fld>
             <a:endParaRPr lang="en-US"/>
           </a:p>
@@ -13267,7 +12203,7 @@
           <a:p>
             <a:fld id="{AECC6C86-942F-6B45-93C5-23F74F0A3B49}" type="datetimeFigureOut">
               <a:rPr lang="en-US" smtClean="0"/>
-              <a:t>10/24/16</a:t>
+              <a:t>4/3/17</a:t>
             </a:fld>
             <a:endParaRPr lang="en-US"/>
           </a:p>
@@ -13679,40 +12615,18 @@
           <p:nvPr>
             <p:extLst>
               <p:ext uri="{D42A27DB-BD31-4B8C-83A1-F6EECF244321}">
-                <p14:modId xmlns:p14="http://schemas.microsoft.com/office/powerpoint/2010/main" val="941762887"/>
+                <p14:modId xmlns:p14="http://schemas.microsoft.com/office/powerpoint/2010/main" val="1465855277"/>
               </p:ext>
             </p:extLst>
           </p:nvPr>
         </p:nvGraphicFramePr>
         <p:xfrm>
-          <a:off x="819834" y="1545734"/>
-          <a:ext cx="3215249" cy="4578530"/>
+          <a:off x="819835" y="1545734"/>
+          <a:ext cx="2811262" cy="4578530"/>
         </p:xfrm>
         <a:graphic>
           <a:graphicData uri="http://schemas.openxmlformats.org/drawingml/2006/chart">
             <c:chart xmlns:c="http://schemas.openxmlformats.org/drawingml/2006/chart" xmlns:r="http://schemas.openxmlformats.org/officeDocument/2006/relationships" r:id="rId3"/>
-          </a:graphicData>
-        </a:graphic>
-      </p:graphicFrame>
-      <p:graphicFrame>
-        <p:nvGraphicFramePr>
-          <p:cNvPr id="5" name="Chart 4"/>
-          <p:cNvGraphicFramePr/>
-          <p:nvPr>
-            <p:extLst>
-              <p:ext uri="{D42A27DB-BD31-4B8C-83A1-F6EECF244321}">
-                <p14:modId xmlns:p14="http://schemas.microsoft.com/office/powerpoint/2010/main" val="1192534559"/>
-              </p:ext>
-            </p:extLst>
-          </p:nvPr>
-        </p:nvGraphicFramePr>
-        <p:xfrm>
-          <a:off x="4650152" y="1545734"/>
-          <a:ext cx="3215249" cy="4578530"/>
-        </p:xfrm>
-        <a:graphic>
-          <a:graphicData uri="http://schemas.openxmlformats.org/drawingml/2006/chart">
-            <c:chart xmlns:c="http://schemas.openxmlformats.org/drawingml/2006/chart" xmlns:r="http://schemas.openxmlformats.org/officeDocument/2006/relationships" r:id="rId4"/>
           </a:graphicData>
         </a:graphic>
       </p:graphicFrame>
@@ -13758,7 +12672,7 @@
         </p:nvSpPr>
         <p:spPr>
           <a:xfrm>
-            <a:off x="2049600" y="5498122"/>
+            <a:off x="1898035" y="5700393"/>
             <a:ext cx="1237957" cy="369332"/>
           </a:xfrm>
           <a:prstGeom prst="rect">
@@ -13780,70 +12694,6 @@
           </a:p>
         </p:txBody>
       </p:sp>
-      <p:sp>
-        <p:nvSpPr>
-          <p:cNvPr id="10" name="TextBox 9"/>
-          <p:cNvSpPr txBox="1"/>
-          <p:nvPr/>
-        </p:nvSpPr>
-        <p:spPr>
-          <a:xfrm>
-            <a:off x="5850715" y="5498122"/>
-            <a:ext cx="1237957" cy="369332"/>
-          </a:xfrm>
-          <a:prstGeom prst="rect">
-            <a:avLst/>
-          </a:prstGeom>
-          <a:noFill/>
-        </p:spPr>
-        <p:txBody>
-          <a:bodyPr wrap="square" rtlCol="0">
-            <a:spAutoFit/>
-          </a:bodyPr>
-          <a:lstStyle/>
-          <a:p>
-            <a:r>
-              <a:rPr lang="en-US" dirty="0" smtClean="0"/>
-              <a:t>Matrix size</a:t>
-            </a:r>
-            <a:endParaRPr lang="en-US" dirty="0"/>
-          </a:p>
-        </p:txBody>
-      </p:sp>
-      <p:sp>
-        <p:nvSpPr>
-          <p:cNvPr id="8" name="TextBox 7"/>
-          <p:cNvSpPr txBox="1"/>
-          <p:nvPr/>
-        </p:nvSpPr>
-        <p:spPr>
-          <a:xfrm rot="16200000">
-            <a:off x="3918894" y="3165156"/>
-            <a:ext cx="1237957" cy="369332"/>
-          </a:xfrm>
-          <a:prstGeom prst="rect">
-            <a:avLst/>
-          </a:prstGeom>
-          <a:noFill/>
-        </p:spPr>
-        <p:txBody>
-          <a:bodyPr wrap="square" rtlCol="0">
-            <a:spAutoFit/>
-          </a:bodyPr>
-          <a:lstStyle/>
-          <a:p>
-            <a:r>
-              <a:rPr lang="en-US" b="1" dirty="0"/>
-              <a:t>S</a:t>
-            </a:r>
-            <a:r>
-              <a:rPr lang="en-US" b="1" dirty="0" smtClean="0"/>
-              <a:t>econds</a:t>
-            </a:r>
-            <a:endParaRPr lang="en-US" b="1" dirty="0"/>
-          </a:p>
-        </p:txBody>
-      </p:sp>
       <p:graphicFrame>
         <p:nvGraphicFramePr>
           <p:cNvPr id="11" name="Chart 10"/>
@@ -13851,18 +12701,18 @@
           <p:nvPr>
             <p:extLst>
               <p:ext uri="{D42A27DB-BD31-4B8C-83A1-F6EECF244321}">
-                <p14:modId xmlns:p14="http://schemas.microsoft.com/office/powerpoint/2010/main" val="1894333949"/>
+                <p14:modId xmlns:p14="http://schemas.microsoft.com/office/powerpoint/2010/main" val="1329738308"/>
               </p:ext>
             </p:extLst>
           </p:nvPr>
         </p:nvGraphicFramePr>
         <p:xfrm>
-          <a:off x="8480470" y="1545734"/>
-          <a:ext cx="3711530" cy="4894821"/>
+          <a:off x="3992570" y="1521390"/>
+          <a:ext cx="2506611" cy="4894821"/>
         </p:xfrm>
         <a:graphic>
           <a:graphicData uri="http://schemas.openxmlformats.org/drawingml/2006/chart">
-            <c:chart xmlns:c="http://schemas.openxmlformats.org/drawingml/2006/chart" xmlns:r="http://schemas.openxmlformats.org/officeDocument/2006/relationships" r:id="rId5"/>
+            <c:chart xmlns:c="http://schemas.openxmlformats.org/drawingml/2006/chart" xmlns:r="http://schemas.openxmlformats.org/officeDocument/2006/relationships" r:id="rId4"/>
           </a:graphicData>
         </a:graphic>
       </p:graphicFrame>
@@ -13874,7 +12724,7 @@
         </p:nvSpPr>
         <p:spPr>
           <a:xfrm rot="16200000">
-            <a:off x="7556389" y="2993511"/>
+            <a:off x="3017280" y="3165156"/>
             <a:ext cx="1581248" cy="369332"/>
           </a:xfrm>
           <a:prstGeom prst="rect">
@@ -13889,8 +12739,8 @@
           <a:lstStyle/>
           <a:p>
             <a:r>
-              <a:rPr lang="en-US" b="1" dirty="0" err="1" smtClean="0"/>
-              <a:t>miliseconds</a:t>
+              <a:rPr lang="en-US" b="1" dirty="0" smtClean="0"/>
+              <a:t>milliseconds</a:t>
             </a:r>
             <a:endParaRPr lang="en-US" b="1" dirty="0"/>
           </a:p>
@@ -13904,7 +12754,7 @@
         </p:nvSpPr>
         <p:spPr>
           <a:xfrm>
-            <a:off x="9500080" y="5498122"/>
+            <a:off x="4437749" y="5696905"/>
             <a:ext cx="1948070" cy="369332"/>
           </a:xfrm>
           <a:prstGeom prst="rect">
@@ -13945,7 +12795,7 @@
         </p:nvSpPr>
         <p:spPr>
           <a:xfrm>
-            <a:off x="9925880" y="4793363"/>
+            <a:off x="4987329" y="4952389"/>
             <a:ext cx="224826" cy="369332"/>
           </a:xfrm>
           <a:prstGeom prst="rect">
@@ -13975,7 +12825,7 @@
         </p:nvSpPr>
         <p:spPr>
           <a:xfrm>
-            <a:off x="11448150" y="2625689"/>
+            <a:off x="6028011" y="2307637"/>
             <a:ext cx="224826" cy="369332"/>
           </a:xfrm>
           <a:prstGeom prst="rect">
@@ -14005,7 +12855,7 @@
         </p:nvSpPr>
         <p:spPr>
           <a:xfrm>
-            <a:off x="9939132" y="3296955"/>
+            <a:off x="4996071" y="3098172"/>
             <a:ext cx="224826" cy="369332"/>
           </a:xfrm>
           <a:prstGeom prst="rect">
@@ -14024,6 +12874,76 @@
               <a:t>✔</a:t>
             </a:r>
             <a:endParaRPr lang="en-US" dirty="0"/>
+          </a:p>
+        </p:txBody>
+      </p:sp>
+      <p:sp>
+        <p:nvSpPr>
+          <p:cNvPr id="4" name="Down Arrow 3"/>
+          <p:cNvSpPr/>
+          <p:nvPr/>
+        </p:nvSpPr>
+        <p:spPr>
+          <a:xfrm>
+            <a:off x="1510523" y="2914507"/>
+            <a:ext cx="238539" cy="367329"/>
+          </a:xfrm>
+          <a:prstGeom prst="downArrow">
+            <a:avLst/>
+          </a:prstGeom>
+        </p:spPr>
+        <p:style>
+          <a:lnRef idx="2">
+            <a:schemeClr val="accent1">
+              <a:shade val="50000"/>
+            </a:schemeClr>
+          </a:lnRef>
+          <a:fillRef idx="1">
+            <a:schemeClr val="accent1"/>
+          </a:fillRef>
+          <a:effectRef idx="0">
+            <a:schemeClr val="accent1"/>
+          </a:effectRef>
+          <a:fontRef idx="minor">
+            <a:schemeClr val="lt1"/>
+          </a:fontRef>
+        </p:style>
+        <p:txBody>
+          <a:bodyPr rtlCol="0" anchor="ctr"/>
+          <a:lstStyle/>
+          <a:p>
+            <a:pPr algn="ctr"/>
+            <a:endParaRPr lang="en-US"/>
+          </a:p>
+        </p:txBody>
+      </p:sp>
+      <p:sp>
+        <p:nvSpPr>
+          <p:cNvPr id="5" name="TextBox 4"/>
+          <p:cNvSpPr txBox="1"/>
+          <p:nvPr/>
+        </p:nvSpPr>
+        <p:spPr>
+          <a:xfrm>
+            <a:off x="1764409" y="2730843"/>
+            <a:ext cx="1237957" cy="646331"/>
+          </a:xfrm>
+          <a:prstGeom prst="rect">
+            <a:avLst/>
+          </a:prstGeom>
+          <a:noFill/>
+        </p:spPr>
+        <p:txBody>
+          <a:bodyPr wrap="square" rtlCol="0">
+            <a:spAutoFit/>
+          </a:bodyPr>
+          <a:lstStyle/>
+          <a:p>
+            <a:r>
+              <a:rPr lang="en-US" smtClean="0"/>
+              <a:t>Down is good</a:t>
+            </a:r>
+            <a:endParaRPr lang="en-US"/>
           </a:p>
         </p:txBody>
       </p:sp>
